--- a/Презентация.pptx
+++ b/Презентация.pptx
@@ -10,6 +10,17 @@
     <p:sldId id="258" r:id="rId4"/>
     <p:sldId id="259" r:id="rId5"/>
     <p:sldId id="260" r:id="rId6"/>
+    <p:sldId id="261" r:id="rId7"/>
+    <p:sldId id="262" r:id="rId8"/>
+    <p:sldId id="263" r:id="rId9"/>
+    <p:sldId id="264" r:id="rId10"/>
+    <p:sldId id="265" r:id="rId11"/>
+    <p:sldId id="266" r:id="rId12"/>
+    <p:sldId id="267" r:id="rId13"/>
+    <p:sldId id="268" r:id="rId14"/>
+    <p:sldId id="269" r:id="rId15"/>
+    <p:sldId id="270" r:id="rId16"/>
+    <p:sldId id="271" r:id="rId17"/>
   </p:sldIdLst>
   <p:sldSz cx="9144000" cy="6858000" type="screen4x3"/>
   <p:notesSz cx="6858000" cy="9144000"/>
@@ -108,6 +119,32 @@
       </a:defRPr>
     </a:lvl9pPr>
   </p:defaultTextStyle>
+  <p:extLst>
+    <p:ext uri="{521415D9-36F7-43E2-AB2F-B90AF26B5E84}">
+      <p14:sectionLst xmlns:p14="http://schemas.microsoft.com/office/powerpoint/2010/main">
+        <p14:section name="Раздел по умолчанию" id="{B403760C-958A-426E-AE0B-02AAF4938081}">
+          <p14:sldIdLst>
+            <p14:sldId id="256"/>
+            <p14:sldId id="257"/>
+            <p14:sldId id="258"/>
+            <p14:sldId id="259"/>
+            <p14:sldId id="260"/>
+            <p14:sldId id="261"/>
+            <p14:sldId id="262"/>
+            <p14:sldId id="263"/>
+            <p14:sldId id="264"/>
+            <p14:sldId id="265"/>
+            <p14:sldId id="266"/>
+            <p14:sldId id="267"/>
+            <p14:sldId id="268"/>
+            <p14:sldId id="269"/>
+            <p14:sldId id="270"/>
+            <p14:sldId id="271"/>
+          </p14:sldIdLst>
+        </p14:section>
+      </p14:sectionLst>
+    </p:ext>
+  </p:extLst>
 </p:presentation>
 </file>
 
@@ -292,7 +329,7 @@
           <a:p>
             <a:fld id="{6B14797A-E77F-476E-9909-190254B74B0D}" type="datetimeFigureOut">
               <a:rPr lang="ru-RU" smtClean="0"/>
-              <a:t>28.06.2019</a:t>
+              <a:t>29.06.2019</a:t>
             </a:fld>
             <a:endParaRPr lang="ru-RU"/>
           </a:p>
@@ -462,7 +499,7 @@
           <a:p>
             <a:fld id="{6B14797A-E77F-476E-9909-190254B74B0D}" type="datetimeFigureOut">
               <a:rPr lang="ru-RU" smtClean="0"/>
-              <a:t>28.06.2019</a:t>
+              <a:t>29.06.2019</a:t>
             </a:fld>
             <a:endParaRPr lang="ru-RU"/>
           </a:p>
@@ -642,7 +679,7 @@
           <a:p>
             <a:fld id="{6B14797A-E77F-476E-9909-190254B74B0D}" type="datetimeFigureOut">
               <a:rPr lang="ru-RU" smtClean="0"/>
-              <a:t>28.06.2019</a:t>
+              <a:t>29.06.2019</a:t>
             </a:fld>
             <a:endParaRPr lang="ru-RU"/>
           </a:p>
@@ -812,7 +849,7 @@
           <a:p>
             <a:fld id="{6B14797A-E77F-476E-9909-190254B74B0D}" type="datetimeFigureOut">
               <a:rPr lang="ru-RU" smtClean="0"/>
-              <a:t>28.06.2019</a:t>
+              <a:t>29.06.2019</a:t>
             </a:fld>
             <a:endParaRPr lang="ru-RU"/>
           </a:p>
@@ -1058,7 +1095,7 @@
           <a:p>
             <a:fld id="{6B14797A-E77F-476E-9909-190254B74B0D}" type="datetimeFigureOut">
               <a:rPr lang="ru-RU" smtClean="0"/>
-              <a:t>28.06.2019</a:t>
+              <a:t>29.06.2019</a:t>
             </a:fld>
             <a:endParaRPr lang="ru-RU"/>
           </a:p>
@@ -1346,7 +1383,7 @@
           <a:p>
             <a:fld id="{6B14797A-E77F-476E-9909-190254B74B0D}" type="datetimeFigureOut">
               <a:rPr lang="ru-RU" smtClean="0"/>
-              <a:t>28.06.2019</a:t>
+              <a:t>29.06.2019</a:t>
             </a:fld>
             <a:endParaRPr lang="ru-RU"/>
           </a:p>
@@ -1768,7 +1805,7 @@
           <a:p>
             <a:fld id="{6B14797A-E77F-476E-9909-190254B74B0D}" type="datetimeFigureOut">
               <a:rPr lang="ru-RU" smtClean="0"/>
-              <a:t>28.06.2019</a:t>
+              <a:t>29.06.2019</a:t>
             </a:fld>
             <a:endParaRPr lang="ru-RU"/>
           </a:p>
@@ -1886,7 +1923,7 @@
           <a:p>
             <a:fld id="{6B14797A-E77F-476E-9909-190254B74B0D}" type="datetimeFigureOut">
               <a:rPr lang="ru-RU" smtClean="0"/>
-              <a:t>28.06.2019</a:t>
+              <a:t>29.06.2019</a:t>
             </a:fld>
             <a:endParaRPr lang="ru-RU"/>
           </a:p>
@@ -1981,7 +2018,7 @@
           <a:p>
             <a:fld id="{6B14797A-E77F-476E-9909-190254B74B0D}" type="datetimeFigureOut">
               <a:rPr lang="ru-RU" smtClean="0"/>
-              <a:t>28.06.2019</a:t>
+              <a:t>29.06.2019</a:t>
             </a:fld>
             <a:endParaRPr lang="ru-RU"/>
           </a:p>
@@ -2258,7 +2295,7 @@
           <a:p>
             <a:fld id="{6B14797A-E77F-476E-9909-190254B74B0D}" type="datetimeFigureOut">
               <a:rPr lang="ru-RU" smtClean="0"/>
-              <a:t>28.06.2019</a:t>
+              <a:t>29.06.2019</a:t>
             </a:fld>
             <a:endParaRPr lang="ru-RU"/>
           </a:p>
@@ -2511,7 +2548,7 @@
           <a:p>
             <a:fld id="{6B14797A-E77F-476E-9909-190254B74B0D}" type="datetimeFigureOut">
               <a:rPr lang="ru-RU" smtClean="0"/>
-              <a:t>28.06.2019</a:t>
+              <a:t>29.06.2019</a:t>
             </a:fld>
             <a:endParaRPr lang="ru-RU"/>
           </a:p>
@@ -2724,7 +2761,7 @@
           <a:p>
             <a:fld id="{6B14797A-E77F-476E-9909-190254B74B0D}" type="datetimeFigureOut">
               <a:rPr lang="ru-RU" smtClean="0"/>
-              <a:t>28.06.2019</a:t>
+              <a:t>29.06.2019</a:t>
             </a:fld>
             <a:endParaRPr lang="ru-RU"/>
           </a:p>
@@ -3326,6 +3363,1389 @@
 </p:sld>
 </file>
 
+<file path=ppt/slides/slide10.xml><?xml version="1.0" encoding="utf-8"?>
+<p:sld xmlns:a="http://schemas.openxmlformats.org/drawingml/2006/main" xmlns:r="http://schemas.openxmlformats.org/officeDocument/2006/relationships" xmlns:p="http://schemas.openxmlformats.org/presentationml/2006/main">
+  <p:cSld>
+    <p:spTree>
+      <p:nvGrpSpPr>
+        <p:cNvPr id="1" name=""/>
+        <p:cNvGrpSpPr/>
+        <p:nvPr/>
+      </p:nvGrpSpPr>
+      <p:grpSpPr>
+        <a:xfrm>
+          <a:off x="0" y="0"/>
+          <a:ext cx="0" cy="0"/>
+          <a:chOff x="0" y="0"/>
+          <a:chExt cx="0" cy="0"/>
+        </a:xfrm>
+      </p:grpSpPr>
+      <p:sp>
+        <p:nvSpPr>
+          <p:cNvPr id="2" name="Заголовок 1"/>
+          <p:cNvSpPr>
+            <a:spLocks noGrp="1"/>
+          </p:cNvSpPr>
+          <p:nvPr>
+            <p:ph type="title"/>
+          </p:nvPr>
+        </p:nvSpPr>
+        <p:spPr/>
+        <p:txBody>
+          <a:bodyPr/>
+          <a:lstStyle/>
+          <a:p>
+            <a:r>
+              <a:rPr lang="ru-RU" dirty="0" smtClean="0"/>
+              <a:t>Структура приложения</a:t>
+            </a:r>
+            <a:endParaRPr lang="ru-RU" dirty="0"/>
+          </a:p>
+        </p:txBody>
+      </p:sp>
+      <p:sp>
+        <p:nvSpPr>
+          <p:cNvPr id="3" name="Объект 2"/>
+          <p:cNvSpPr>
+            <a:spLocks noGrp="1"/>
+          </p:cNvSpPr>
+          <p:nvPr>
+            <p:ph idx="1"/>
+          </p:nvPr>
+        </p:nvSpPr>
+        <p:spPr/>
+        <p:txBody>
+          <a:bodyPr>
+            <a:normAutofit lnSpcReduction="10000"/>
+          </a:bodyPr>
+          <a:lstStyle/>
+          <a:p>
+            <a:pPr marL="0" indent="0" algn="just">
+              <a:buNone/>
+            </a:pPr>
+            <a:r>
+              <a:rPr lang="ru-RU" dirty="0" smtClean="0"/>
+              <a:t>	Приложение реализовано с использованием технологии </a:t>
+            </a:r>
+            <a:r>
+              <a:rPr lang="en-US" dirty="0" err="1" smtClean="0"/>
+              <a:t>WinForms</a:t>
+            </a:r>
+            <a:r>
+              <a:rPr lang="ru-RU" dirty="0" smtClean="0"/>
+              <a:t>. </a:t>
+            </a:r>
+          </a:p>
+          <a:p>
+            <a:pPr marL="0" indent="0" algn="just">
+              <a:buNone/>
+            </a:pPr>
+            <a:r>
+              <a:rPr lang="ru-RU" dirty="0" smtClean="0"/>
+              <a:t>	Внутренние сущности описаны и организованы в соответствии с принципами модульной разработки и ООП.</a:t>
+            </a:r>
+          </a:p>
+          <a:p>
+            <a:pPr marL="0" indent="0" algn="just">
+              <a:buNone/>
+            </a:pPr>
+            <a:r>
+              <a:rPr lang="ru-RU" dirty="0" smtClean="0"/>
+              <a:t>	Для написания основной нагрузки приложения – анализа был взят за основу паттерн проектирования «фабричный метод».</a:t>
+            </a:r>
+            <a:endParaRPr lang="ru-RU" dirty="0"/>
+          </a:p>
+        </p:txBody>
+      </p:sp>
+    </p:spTree>
+    <p:extLst>
+      <p:ext uri="{BB962C8B-B14F-4D97-AF65-F5344CB8AC3E}">
+        <p14:creationId xmlns:p14="http://schemas.microsoft.com/office/powerpoint/2010/main" val="858146113"/>
+      </p:ext>
+    </p:extLst>
+  </p:cSld>
+  <p:clrMapOvr>
+    <a:masterClrMapping/>
+  </p:clrMapOvr>
+</p:sld>
+</file>
+
+<file path=ppt/slides/slide11.xml><?xml version="1.0" encoding="utf-8"?>
+<p:sld xmlns:a="http://schemas.openxmlformats.org/drawingml/2006/main" xmlns:r="http://schemas.openxmlformats.org/officeDocument/2006/relationships" xmlns:p="http://schemas.openxmlformats.org/presentationml/2006/main">
+  <p:cSld>
+    <p:spTree>
+      <p:nvGrpSpPr>
+        <p:cNvPr id="1" name=""/>
+        <p:cNvGrpSpPr/>
+        <p:nvPr/>
+      </p:nvGrpSpPr>
+      <p:grpSpPr>
+        <a:xfrm>
+          <a:off x="0" y="0"/>
+          <a:ext cx="0" cy="0"/>
+          <a:chOff x="0" y="0"/>
+          <a:chExt cx="0" cy="0"/>
+        </a:xfrm>
+      </p:grpSpPr>
+      <p:sp>
+        <p:nvSpPr>
+          <p:cNvPr id="2" name="Заголовок 1"/>
+          <p:cNvSpPr>
+            <a:spLocks noGrp="1"/>
+          </p:cNvSpPr>
+          <p:nvPr>
+            <p:ph type="title"/>
+          </p:nvPr>
+        </p:nvSpPr>
+        <p:spPr/>
+        <p:txBody>
+          <a:bodyPr>
+            <a:normAutofit fontScale="90000"/>
+          </a:bodyPr>
+          <a:lstStyle/>
+          <a:p>
+            <a:r>
+              <a:rPr lang="ru-RU" dirty="0" smtClean="0"/>
+              <a:t>Структура аналитических модулей</a:t>
+            </a:r>
+            <a:endParaRPr lang="ru-RU" dirty="0"/>
+          </a:p>
+        </p:txBody>
+      </p:sp>
+      <p:pic>
+        <p:nvPicPr>
+          <p:cNvPr id="4" name="Объект 3"/>
+          <p:cNvPicPr>
+            <a:picLocks noGrp="1" noChangeAspect="1"/>
+          </p:cNvPicPr>
+          <p:nvPr>
+            <p:ph idx="1"/>
+          </p:nvPr>
+        </p:nvPicPr>
+        <p:blipFill>
+          <a:blip r:embed="rId2">
+            <a:extLst>
+              <a:ext uri="{28A0092B-C50C-407E-A947-70E740481C1C}">
+                <a14:useLocalDpi xmlns:a14="http://schemas.microsoft.com/office/drawing/2010/main" val="0"/>
+              </a:ext>
+            </a:extLst>
+          </a:blip>
+          <a:stretch>
+            <a:fillRect/>
+          </a:stretch>
+        </p:blipFill>
+        <p:spPr>
+          <a:xfrm>
+            <a:off x="2411760" y="1268760"/>
+            <a:ext cx="4392487" cy="5400600"/>
+          </a:xfrm>
+        </p:spPr>
+      </p:pic>
+    </p:spTree>
+    <p:extLst>
+      <p:ext uri="{BB962C8B-B14F-4D97-AF65-F5344CB8AC3E}">
+        <p14:creationId xmlns:p14="http://schemas.microsoft.com/office/powerpoint/2010/main" val="3315475377"/>
+      </p:ext>
+    </p:extLst>
+  </p:cSld>
+  <p:clrMapOvr>
+    <a:masterClrMapping/>
+  </p:clrMapOvr>
+</p:sld>
+</file>
+
+<file path=ppt/slides/slide12.xml><?xml version="1.0" encoding="utf-8"?>
+<p:sld xmlns:a="http://schemas.openxmlformats.org/drawingml/2006/main" xmlns:r="http://schemas.openxmlformats.org/officeDocument/2006/relationships" xmlns:p="http://schemas.openxmlformats.org/presentationml/2006/main">
+  <p:cSld>
+    <p:spTree>
+      <p:nvGrpSpPr>
+        <p:cNvPr id="1" name=""/>
+        <p:cNvGrpSpPr/>
+        <p:nvPr/>
+      </p:nvGrpSpPr>
+      <p:grpSpPr>
+        <a:xfrm>
+          <a:off x="0" y="0"/>
+          <a:ext cx="0" cy="0"/>
+          <a:chOff x="0" y="0"/>
+          <a:chExt cx="0" cy="0"/>
+        </a:xfrm>
+      </p:grpSpPr>
+      <p:sp>
+        <p:nvSpPr>
+          <p:cNvPr id="2" name="Заголовок 1"/>
+          <p:cNvSpPr>
+            <a:spLocks noGrp="1"/>
+          </p:cNvSpPr>
+          <p:nvPr>
+            <p:ph type="title"/>
+          </p:nvPr>
+        </p:nvSpPr>
+        <p:spPr/>
+        <p:txBody>
+          <a:bodyPr/>
+          <a:lstStyle/>
+          <a:p>
+            <a:r>
+              <a:rPr lang="ru-RU" dirty="0" smtClean="0"/>
+              <a:t>Сбор и сохранение данных</a:t>
+            </a:r>
+            <a:endParaRPr lang="ru-RU" dirty="0"/>
+          </a:p>
+        </p:txBody>
+      </p:sp>
+      <p:sp>
+        <p:nvSpPr>
+          <p:cNvPr id="3" name="Объект 2"/>
+          <p:cNvSpPr>
+            <a:spLocks noGrp="1"/>
+          </p:cNvSpPr>
+          <p:nvPr>
+            <p:ph idx="1"/>
+          </p:nvPr>
+        </p:nvSpPr>
+        <p:spPr/>
+        <p:txBody>
+          <a:bodyPr>
+            <a:normAutofit fontScale="92500" lnSpcReduction="10000"/>
+          </a:bodyPr>
+          <a:lstStyle/>
+          <a:p>
+            <a:pPr marL="0" indent="0" algn="just">
+              <a:buNone/>
+            </a:pPr>
+            <a:r>
+              <a:rPr lang="ru-RU" dirty="0" smtClean="0"/>
+              <a:t>	Сбор данных ведётся посредством </a:t>
+            </a:r>
+            <a:r>
+              <a:rPr lang="ru-RU" dirty="0" err="1" smtClean="0"/>
+              <a:t>парсинга</a:t>
+            </a:r>
+            <a:r>
+              <a:rPr lang="ru-RU" dirty="0" smtClean="0"/>
+              <a:t> веб-страницы с торгами. Проверяется, активна ли площадка, и если да, то данные собираются раз в минуту. Иначе – перепроверка через 10 минут.</a:t>
+            </a:r>
+          </a:p>
+          <a:p>
+            <a:pPr marL="0" indent="0" algn="just">
+              <a:buNone/>
+            </a:pPr>
+            <a:r>
+              <a:rPr lang="ru-RU" dirty="0" smtClean="0"/>
+              <a:t>	Как только получена цена акции, она пишется в </a:t>
+            </a:r>
+            <a:r>
+              <a:rPr lang="en-US" dirty="0" smtClean="0"/>
+              <a:t>.</a:t>
+            </a:r>
+            <a:r>
+              <a:rPr lang="en-US" dirty="0" err="1" smtClean="0"/>
+              <a:t>json</a:t>
+            </a:r>
+            <a:r>
+              <a:rPr lang="en-US" dirty="0" smtClean="0"/>
+              <a:t>-</a:t>
+            </a:r>
+            <a:r>
+              <a:rPr lang="ru-RU" dirty="0" smtClean="0"/>
+              <a:t>файл. При последующем запуске приложения файл будет прочитан, данные будут занесены во внутренний	 список для дальнейшей работы с ними.</a:t>
+            </a:r>
+            <a:endParaRPr lang="ru-RU" dirty="0"/>
+          </a:p>
+        </p:txBody>
+      </p:sp>
+    </p:spTree>
+    <p:extLst>
+      <p:ext uri="{BB962C8B-B14F-4D97-AF65-F5344CB8AC3E}">
+        <p14:creationId xmlns:p14="http://schemas.microsoft.com/office/powerpoint/2010/main" val="1448339129"/>
+      </p:ext>
+    </p:extLst>
+  </p:cSld>
+  <p:clrMapOvr>
+    <a:masterClrMapping/>
+  </p:clrMapOvr>
+</p:sld>
+</file>
+
+<file path=ppt/slides/slide13.xml><?xml version="1.0" encoding="utf-8"?>
+<p:sld xmlns:a="http://schemas.openxmlformats.org/drawingml/2006/main" xmlns:r="http://schemas.openxmlformats.org/officeDocument/2006/relationships" xmlns:p="http://schemas.openxmlformats.org/presentationml/2006/main">
+  <p:cSld>
+    <p:spTree>
+      <p:nvGrpSpPr>
+        <p:cNvPr id="1" name=""/>
+        <p:cNvGrpSpPr/>
+        <p:nvPr/>
+      </p:nvGrpSpPr>
+      <p:grpSpPr>
+        <a:xfrm>
+          <a:off x="0" y="0"/>
+          <a:ext cx="0" cy="0"/>
+          <a:chOff x="0" y="0"/>
+          <a:chExt cx="0" cy="0"/>
+        </a:xfrm>
+      </p:grpSpPr>
+      <p:sp>
+        <p:nvSpPr>
+          <p:cNvPr id="2" name="Заголовок 1"/>
+          <p:cNvSpPr>
+            <a:spLocks noGrp="1"/>
+          </p:cNvSpPr>
+          <p:nvPr>
+            <p:ph type="title"/>
+          </p:nvPr>
+        </p:nvSpPr>
+        <p:spPr/>
+        <p:txBody>
+          <a:bodyPr/>
+          <a:lstStyle/>
+          <a:p>
+            <a:r>
+              <a:rPr lang="ru-RU" dirty="0" smtClean="0"/>
+              <a:t>Анализ данных</a:t>
+            </a:r>
+            <a:endParaRPr lang="ru-RU" dirty="0"/>
+          </a:p>
+        </p:txBody>
+      </p:sp>
+      <mc:AlternateContent xmlns:mc="http://schemas.openxmlformats.org/markup-compatibility/2006">
+        <mc:Choice xmlns:a14="http://schemas.microsoft.com/office/drawing/2010/main" Requires="a14">
+          <p:sp>
+            <p:nvSpPr>
+              <p:cNvPr id="3" name="Объект 2"/>
+              <p:cNvSpPr>
+                <a:spLocks noGrp="1"/>
+              </p:cNvSpPr>
+              <p:nvPr>
+                <p:ph idx="1"/>
+              </p:nvPr>
+            </p:nvSpPr>
+            <p:spPr/>
+            <p:txBody>
+              <a:bodyPr>
+                <a:normAutofit fontScale="92500" lnSpcReduction="10000"/>
+              </a:bodyPr>
+              <a:lstStyle/>
+              <a:p>
+                <a:pPr marL="0" indent="0" algn="just">
+                  <a:buNone/>
+                </a:pPr>
+                <a:r>
+                  <a:rPr lang="ru-RU" dirty="0" smtClean="0"/>
+                  <a:t>	В ходе анализа данных методом </a:t>
+                </a:r>
+                <a:r>
+                  <a:rPr lang="ru-RU" u="sng" dirty="0" smtClean="0"/>
+                  <a:t>простого скользящего среднего</a:t>
+                </a:r>
+                <a:r>
+                  <a:rPr lang="ru-RU" dirty="0" smtClean="0"/>
+                  <a:t> используется следующая формула:</a:t>
+                </a:r>
+              </a:p>
+              <a:p>
+                <a:pPr marL="0" indent="0">
+                  <a:buNone/>
+                </a:pPr>
+                <a14:m>
+                  <m:oMathPara xmlns:m="http://schemas.openxmlformats.org/officeDocument/2006/math">
+                    <m:oMathParaPr>
+                      <m:jc m:val="centerGroup"/>
+                    </m:oMathParaPr>
+                    <m:oMath xmlns:m="http://schemas.openxmlformats.org/officeDocument/2006/math">
+                      <m:sSub>
+                        <m:sSubPr>
+                          <m:ctrlPr>
+                            <a:rPr lang="en-US" b="0" i="1" smtClean="0">
+                              <a:latin typeface="Cambria Math"/>
+                            </a:rPr>
+                          </m:ctrlPr>
+                        </m:sSubPr>
+                        <m:e>
+                          <m:r>
+                            <a:rPr lang="en-US" b="0" i="1" smtClean="0">
+                              <a:latin typeface="Cambria Math"/>
+                            </a:rPr>
+                            <m:t>𝑋</m:t>
+                          </m:r>
+                        </m:e>
+                        <m:sub>
+                          <m:r>
+                            <a:rPr lang="en-US" b="0" i="1" smtClean="0">
+                              <a:latin typeface="Cambria Math"/>
+                            </a:rPr>
+                            <m:t>𝑛</m:t>
+                          </m:r>
+                          <m:r>
+                            <a:rPr lang="en-US" b="0" i="1" smtClean="0">
+                              <a:latin typeface="Cambria Math"/>
+                            </a:rPr>
+                            <m:t>+1</m:t>
+                          </m:r>
+                        </m:sub>
+                      </m:sSub>
+                      <m:r>
+                        <a:rPr lang="en-US" b="0" i="1" smtClean="0">
+                          <a:latin typeface="Cambria Math"/>
+                        </a:rPr>
+                        <m:t>=</m:t>
+                      </m:r>
+                      <m:f>
+                        <m:fPr>
+                          <m:ctrlPr>
+                            <a:rPr lang="en-US" b="0" i="1" smtClean="0">
+                              <a:latin typeface="Cambria Math"/>
+                            </a:rPr>
+                          </m:ctrlPr>
+                        </m:fPr>
+                        <m:num>
+                          <m:r>
+                            <a:rPr lang="en-US" b="0" i="1" smtClean="0">
+                              <a:latin typeface="Cambria Math"/>
+                            </a:rPr>
+                            <m:t>1</m:t>
+                          </m:r>
+                        </m:num>
+                        <m:den>
+                          <m:r>
+                            <a:rPr lang="en-US" b="0" i="1" smtClean="0">
+                              <a:latin typeface="Cambria Math"/>
+                            </a:rPr>
+                            <m:t>𝑝</m:t>
+                          </m:r>
+                        </m:den>
+                      </m:f>
+                      <m:nary>
+                        <m:naryPr>
+                          <m:chr m:val="∑"/>
+                          <m:ctrlPr>
+                            <a:rPr lang="en-US" b="0" i="1" smtClean="0">
+                              <a:latin typeface="Cambria Math"/>
+                            </a:rPr>
+                          </m:ctrlPr>
+                        </m:naryPr>
+                        <m:sub>
+                          <m:r>
+                            <m:rPr>
+                              <m:brk m:alnAt="23"/>
+                            </m:rPr>
+                            <a:rPr lang="en-US" b="0" i="1" smtClean="0">
+                              <a:latin typeface="Cambria Math"/>
+                            </a:rPr>
+                            <m:t>𝑖</m:t>
+                          </m:r>
+                          <m:r>
+                            <a:rPr lang="en-US" b="0" i="1" smtClean="0">
+                              <a:latin typeface="Cambria Math"/>
+                            </a:rPr>
+                            <m:t>=</m:t>
+                          </m:r>
+                          <m:r>
+                            <a:rPr lang="en-US" b="0" i="1" smtClean="0">
+                              <a:latin typeface="Cambria Math"/>
+                            </a:rPr>
+                            <m:t>𝑛</m:t>
+                          </m:r>
+                          <m:r>
+                            <a:rPr lang="en-US" b="0" i="1" smtClean="0">
+                              <a:latin typeface="Cambria Math"/>
+                            </a:rPr>
+                            <m:t>−</m:t>
+                          </m:r>
+                          <m:r>
+                            <a:rPr lang="en-US" b="0" i="1" smtClean="0">
+                              <a:latin typeface="Cambria Math"/>
+                            </a:rPr>
+                            <m:t>𝑝</m:t>
+                          </m:r>
+                        </m:sub>
+                        <m:sup>
+                          <m:r>
+                            <a:rPr lang="en-US" b="0" i="1" smtClean="0">
+                              <a:latin typeface="Cambria Math"/>
+                            </a:rPr>
+                            <m:t>𝑝</m:t>
+                          </m:r>
+                        </m:sup>
+                        <m:e>
+                          <m:sSub>
+                            <m:sSubPr>
+                              <m:ctrlPr>
+                                <a:rPr lang="en-US" b="0" i="1" smtClean="0">
+                                  <a:latin typeface="Cambria Math"/>
+                                </a:rPr>
+                              </m:ctrlPr>
+                            </m:sSubPr>
+                            <m:e>
+                              <m:r>
+                                <a:rPr lang="en-US" b="0" i="1" smtClean="0">
+                                  <a:latin typeface="Cambria Math"/>
+                                </a:rPr>
+                                <m:t>𝑋</m:t>
+                              </m:r>
+                            </m:e>
+                            <m:sub>
+                              <m:r>
+                                <a:rPr lang="en-US" b="0" i="1" smtClean="0">
+                                  <a:latin typeface="Cambria Math"/>
+                                </a:rPr>
+                                <m:t>𝑖</m:t>
+                              </m:r>
+                            </m:sub>
+                          </m:sSub>
+                        </m:e>
+                      </m:nary>
+                      <m:r>
+                        <a:rPr lang="ru-RU" b="0" i="1" smtClean="0">
+                          <a:latin typeface="Cambria Math"/>
+                        </a:rPr>
+                        <m:t>,</m:t>
+                      </m:r>
+                    </m:oMath>
+                  </m:oMathPara>
+                </a14:m>
+                <a:endParaRPr lang="ru-RU" dirty="0" smtClean="0"/>
+              </a:p>
+              <a:p>
+                <a:pPr marL="0" indent="0" algn="just">
+                  <a:buNone/>
+                </a:pPr>
+                <a:r>
+                  <a:rPr lang="ru-RU" dirty="0" smtClean="0"/>
+                  <a:t>где</a:t>
+                </a:r>
+                <a:r>
+                  <a:rPr lang="en-US" dirty="0" smtClean="0"/>
+                  <a:t> </a:t>
+                </a:r>
+                <a:r>
+                  <a:rPr lang="en-US" i="1" dirty="0" smtClean="0"/>
+                  <a:t>p</a:t>
+                </a:r>
+                <a:r>
+                  <a:rPr lang="en-US" dirty="0" smtClean="0"/>
+                  <a:t> – </a:t>
+                </a:r>
+                <a:r>
+                  <a:rPr lang="ru-RU" dirty="0" smtClean="0"/>
+                  <a:t>величина «окна», </a:t>
+                </a:r>
+                <a:r>
+                  <a:rPr lang="en-US" i="1" dirty="0" smtClean="0"/>
+                  <a:t>n – </a:t>
+                </a:r>
+                <a:r>
+                  <a:rPr lang="ru-RU" dirty="0" smtClean="0"/>
+                  <a:t>количество значений в выборке, </a:t>
+                </a:r>
+                <a:r>
+                  <a:rPr lang="en-US" i="1" dirty="0" smtClean="0"/>
+                  <a:t>X – </a:t>
+                </a:r>
+                <a:r>
+                  <a:rPr lang="ru-RU" dirty="0" smtClean="0"/>
+                  <a:t>значения ряда.</a:t>
+                </a:r>
+              </a:p>
+              <a:p>
+                <a:pPr marL="0" indent="0" algn="just">
+                  <a:buNone/>
+                </a:pPr>
+                <a:r>
+                  <a:rPr lang="ru-RU" dirty="0"/>
+                  <a:t>	</a:t>
+                </a:r>
+                <a:r>
+                  <a:rPr lang="ru-RU" dirty="0" smtClean="0"/>
+                  <a:t>Этот же метод используется для прогнозирования значений.</a:t>
+                </a:r>
+              </a:p>
+            </p:txBody>
+          </p:sp>
+        </mc:Choice>
+        <mc:Fallback>
+          <p:sp>
+            <p:nvSpPr>
+              <p:cNvPr id="3" name="Объект 2"/>
+              <p:cNvSpPr>
+                <a:spLocks noGrp="1" noRot="1" noChangeAspect="1" noMove="1" noResize="1" noEditPoints="1" noAdjustHandles="1" noChangeArrowheads="1" noChangeShapeType="1" noTextEdit="1"/>
+              </p:cNvSpPr>
+              <p:nvPr>
+                <p:ph idx="1"/>
+              </p:nvPr>
+            </p:nvSpPr>
+            <p:spPr>
+              <a:blipFill rotWithShape="1">
+                <a:blip r:embed="rId2"/>
+                <a:stretch>
+                  <a:fillRect l="-1704" t="-2695" r="-1704" b="-2561"/>
+                </a:stretch>
+              </a:blipFill>
+            </p:spPr>
+            <p:txBody>
+              <a:bodyPr/>
+              <a:lstStyle/>
+              <a:p>
+                <a:r>
+                  <a:rPr lang="ru-RU">
+                    <a:noFill/>
+                  </a:rPr>
+                  <a:t> </a:t>
+                </a:r>
+              </a:p>
+            </p:txBody>
+          </p:sp>
+        </mc:Fallback>
+      </mc:AlternateContent>
+    </p:spTree>
+    <p:extLst>
+      <p:ext uri="{BB962C8B-B14F-4D97-AF65-F5344CB8AC3E}">
+        <p14:creationId xmlns:p14="http://schemas.microsoft.com/office/powerpoint/2010/main" val="4110338960"/>
+      </p:ext>
+    </p:extLst>
+  </p:cSld>
+  <p:clrMapOvr>
+    <a:masterClrMapping/>
+  </p:clrMapOvr>
+</p:sld>
+</file>
+
+<file path=ppt/slides/slide14.xml><?xml version="1.0" encoding="utf-8"?>
+<p:sld xmlns:a="http://schemas.openxmlformats.org/drawingml/2006/main" xmlns:r="http://schemas.openxmlformats.org/officeDocument/2006/relationships" xmlns:p="http://schemas.openxmlformats.org/presentationml/2006/main">
+  <p:cSld>
+    <p:spTree>
+      <p:nvGrpSpPr>
+        <p:cNvPr id="1" name=""/>
+        <p:cNvGrpSpPr/>
+        <p:nvPr/>
+      </p:nvGrpSpPr>
+      <p:grpSpPr>
+        <a:xfrm>
+          <a:off x="0" y="0"/>
+          <a:ext cx="0" cy="0"/>
+          <a:chOff x="0" y="0"/>
+          <a:chExt cx="0" cy="0"/>
+        </a:xfrm>
+      </p:grpSpPr>
+      <p:sp>
+        <p:nvSpPr>
+          <p:cNvPr id="2" name="Заголовок 1"/>
+          <p:cNvSpPr>
+            <a:spLocks noGrp="1"/>
+          </p:cNvSpPr>
+          <p:nvPr>
+            <p:ph type="title"/>
+          </p:nvPr>
+        </p:nvSpPr>
+        <p:spPr/>
+        <p:txBody>
+          <a:bodyPr/>
+          <a:lstStyle/>
+          <a:p>
+            <a:r>
+              <a:rPr lang="ru-RU" dirty="0" smtClean="0"/>
+              <a:t>Анализ данных</a:t>
+            </a:r>
+            <a:endParaRPr lang="ru-RU" dirty="0"/>
+          </a:p>
+        </p:txBody>
+      </p:sp>
+      <mc:AlternateContent xmlns:mc="http://schemas.openxmlformats.org/markup-compatibility/2006">
+        <mc:Choice xmlns:a14="http://schemas.microsoft.com/office/drawing/2010/main" Requires="a14">
+          <p:sp>
+            <p:nvSpPr>
+              <p:cNvPr id="3" name="Объект 2"/>
+              <p:cNvSpPr>
+                <a:spLocks noGrp="1"/>
+              </p:cNvSpPr>
+              <p:nvPr>
+                <p:ph idx="1"/>
+              </p:nvPr>
+            </p:nvSpPr>
+            <p:spPr/>
+            <p:txBody>
+              <a:bodyPr>
+                <a:normAutofit fontScale="92500" lnSpcReduction="20000"/>
+              </a:bodyPr>
+              <a:lstStyle/>
+              <a:p>
+                <a:pPr marL="0" indent="0" algn="just">
+                  <a:buNone/>
+                </a:pPr>
+                <a:r>
+                  <a:rPr lang="ru-RU" dirty="0" smtClean="0"/>
+                  <a:t>	Для анализа методом </a:t>
+                </a:r>
+                <a:r>
+                  <a:rPr lang="ru-RU" u="sng" dirty="0" smtClean="0"/>
+                  <a:t>регрессионного скользящего среднего</a:t>
+                </a:r>
+                <a:r>
+                  <a:rPr lang="ru-RU" dirty="0" smtClean="0"/>
+                  <a:t> используется модифицированная модель простого скользящего среднего:</a:t>
+                </a:r>
+              </a:p>
+              <a:p>
+                <a:pPr marL="0" indent="0">
+                  <a:buNone/>
+                </a:pPr>
+                <a14:m>
+                  <m:oMathPara xmlns:m="http://schemas.openxmlformats.org/officeDocument/2006/math">
+                    <m:oMathParaPr>
+                      <m:jc m:val="centerGroup"/>
+                    </m:oMathParaPr>
+                    <m:oMath xmlns:m="http://schemas.openxmlformats.org/officeDocument/2006/math">
+                      <m:sSub>
+                        <m:sSubPr>
+                          <m:ctrlPr>
+                            <a:rPr lang="en-US" i="1">
+                              <a:latin typeface="Cambria Math"/>
+                            </a:rPr>
+                          </m:ctrlPr>
+                        </m:sSubPr>
+                        <m:e>
+                          <m:r>
+                            <a:rPr lang="en-US" i="1">
+                              <a:latin typeface="Cambria Math"/>
+                            </a:rPr>
+                            <m:t>𝑋</m:t>
+                          </m:r>
+                        </m:e>
+                        <m:sub>
+                          <m:r>
+                            <a:rPr lang="en-US" b="0" i="1" smtClean="0">
+                              <a:latin typeface="Cambria Math"/>
+                            </a:rPr>
+                            <m:t>𝑡</m:t>
+                          </m:r>
+                        </m:sub>
+                      </m:sSub>
+                      <m:r>
+                        <a:rPr lang="en-US" i="1" smtClean="0">
+                          <a:latin typeface="Cambria Math"/>
+                        </a:rPr>
+                        <m:t>=</m:t>
+                      </m:r>
+                      <m:r>
+                        <a:rPr lang="en-US" b="0" i="1" smtClean="0">
+                          <a:latin typeface="Cambria Math"/>
+                        </a:rPr>
+                        <m:t>𝜀</m:t>
+                      </m:r>
+                      <m:r>
+                        <a:rPr lang="en-US" b="0" i="1" smtClean="0">
+                          <a:latin typeface="Cambria Math"/>
+                        </a:rPr>
+                        <m:t>+ </m:t>
+                      </m:r>
+                      <m:f>
+                        <m:fPr>
+                          <m:ctrlPr>
+                            <a:rPr lang="en-US" i="1">
+                              <a:latin typeface="Cambria Math"/>
+                            </a:rPr>
+                          </m:ctrlPr>
+                        </m:fPr>
+                        <m:num>
+                          <m:r>
+                            <a:rPr lang="en-US" i="1">
+                              <a:latin typeface="Cambria Math"/>
+                            </a:rPr>
+                            <m:t>1</m:t>
+                          </m:r>
+                        </m:num>
+                        <m:den>
+                          <m:r>
+                            <a:rPr lang="en-US" i="1">
+                              <a:latin typeface="Cambria Math"/>
+                            </a:rPr>
+                            <m:t>𝑝</m:t>
+                          </m:r>
+                        </m:den>
+                      </m:f>
+                      <m:nary>
+                        <m:naryPr>
+                          <m:chr m:val="∑"/>
+                          <m:ctrlPr>
+                            <a:rPr lang="en-US" i="1">
+                              <a:latin typeface="Cambria Math"/>
+                            </a:rPr>
+                          </m:ctrlPr>
+                        </m:naryPr>
+                        <m:sub>
+                          <m:r>
+                            <m:rPr>
+                              <m:brk m:alnAt="23"/>
+                            </m:rPr>
+                            <a:rPr lang="en-US" i="1">
+                              <a:latin typeface="Cambria Math"/>
+                            </a:rPr>
+                            <m:t>𝑖</m:t>
+                          </m:r>
+                          <m:r>
+                            <a:rPr lang="en-US" i="1">
+                              <a:latin typeface="Cambria Math"/>
+                            </a:rPr>
+                            <m:t>=</m:t>
+                          </m:r>
+                          <m:r>
+                            <a:rPr lang="en-US" i="1">
+                              <a:latin typeface="Cambria Math"/>
+                            </a:rPr>
+                            <m:t>𝑛</m:t>
+                          </m:r>
+                          <m:r>
+                            <a:rPr lang="en-US" i="1">
+                              <a:latin typeface="Cambria Math"/>
+                            </a:rPr>
+                            <m:t>−</m:t>
+                          </m:r>
+                          <m:r>
+                            <a:rPr lang="en-US" i="1">
+                              <a:latin typeface="Cambria Math"/>
+                            </a:rPr>
+                            <m:t>𝑝</m:t>
+                          </m:r>
+                        </m:sub>
+                        <m:sup>
+                          <m:r>
+                            <a:rPr lang="en-US" i="1">
+                              <a:latin typeface="Cambria Math"/>
+                            </a:rPr>
+                            <m:t>𝑝</m:t>
+                          </m:r>
+                        </m:sup>
+                        <m:e>
+                          <m:sSub>
+                            <m:sSubPr>
+                              <m:ctrlPr>
+                                <a:rPr lang="en-US" i="1">
+                                  <a:latin typeface="Cambria Math"/>
+                                </a:rPr>
+                              </m:ctrlPr>
+                            </m:sSubPr>
+                            <m:e>
+                              <m:r>
+                                <a:rPr lang="en-US" i="1">
+                                  <a:latin typeface="Cambria Math"/>
+                                </a:rPr>
+                                <m:t>𝑋</m:t>
+                              </m:r>
+                            </m:e>
+                            <m:sub>
+                              <m:r>
+                                <a:rPr lang="en-US" b="0" i="1" smtClean="0">
+                                  <a:latin typeface="Cambria Math"/>
+                                </a:rPr>
+                                <m:t>𝑡</m:t>
+                              </m:r>
+                              <m:r>
+                                <a:rPr lang="en-US" b="0" i="1" smtClean="0">
+                                  <a:latin typeface="Cambria Math"/>
+                                </a:rPr>
+                                <m:t>−</m:t>
+                              </m:r>
+                              <m:r>
+                                <a:rPr lang="en-US" i="1">
+                                  <a:latin typeface="Cambria Math"/>
+                                </a:rPr>
+                                <m:t>𝑖</m:t>
+                              </m:r>
+                            </m:sub>
+                          </m:sSub>
+                        </m:e>
+                      </m:nary>
+                      <m:r>
+                        <a:rPr lang="en-US" b="0" i="1" smtClean="0">
+                          <a:latin typeface="Cambria Math"/>
+                        </a:rPr>
+                        <m:t>+ </m:t>
+                      </m:r>
+                      <m:nary>
+                        <m:naryPr>
+                          <m:chr m:val="∑"/>
+                          <m:ctrlPr>
+                            <a:rPr lang="en-US" b="0" i="1" smtClean="0">
+                              <a:latin typeface="Cambria Math"/>
+                            </a:rPr>
+                          </m:ctrlPr>
+                        </m:naryPr>
+                        <m:sub>
+                          <m:r>
+                            <m:rPr>
+                              <m:brk m:alnAt="23"/>
+                            </m:rPr>
+                            <a:rPr lang="en-US" b="0" i="1" smtClean="0">
+                              <a:latin typeface="Cambria Math"/>
+                            </a:rPr>
+                            <m:t>𝑖</m:t>
+                          </m:r>
+                          <m:r>
+                            <a:rPr lang="en-US" b="0" i="1" smtClean="0">
+                              <a:latin typeface="Cambria Math"/>
+                            </a:rPr>
+                            <m:t>=1 </m:t>
+                          </m:r>
+                        </m:sub>
+                        <m:sup>
+                          <m:r>
+                            <a:rPr lang="en-US" b="0" i="1" smtClean="0">
+                              <a:latin typeface="Cambria Math"/>
+                            </a:rPr>
+                            <m:t>𝑞</m:t>
+                          </m:r>
+                        </m:sup>
+                        <m:e>
+                          <m:sSub>
+                            <m:sSubPr>
+                              <m:ctrlPr>
+                                <a:rPr lang="en-US" b="0" i="1" smtClean="0">
+                                  <a:latin typeface="Cambria Math"/>
+                                </a:rPr>
+                              </m:ctrlPr>
+                            </m:sSubPr>
+                            <m:e>
+                              <m:r>
+                                <a:rPr lang="en-US" b="0" i="1" smtClean="0">
+                                  <a:latin typeface="Cambria Math"/>
+                                </a:rPr>
+                                <m:t>𝜑</m:t>
+                              </m:r>
+                            </m:e>
+                            <m:sub>
+                              <m:r>
+                                <a:rPr lang="en-US" b="0" i="1" smtClean="0">
+                                  <a:latin typeface="Cambria Math"/>
+                                </a:rPr>
+                                <m:t>𝑖</m:t>
+                              </m:r>
+                            </m:sub>
+                          </m:sSub>
+                          <m:sSub>
+                            <m:sSubPr>
+                              <m:ctrlPr>
+                                <a:rPr lang="en-US" b="0" i="1" smtClean="0">
+                                  <a:latin typeface="Cambria Math"/>
+                                </a:rPr>
+                              </m:ctrlPr>
+                            </m:sSubPr>
+                            <m:e>
+                              <m:r>
+                                <a:rPr lang="en-US" b="0" i="1" smtClean="0">
+                                  <a:latin typeface="Cambria Math"/>
+                                </a:rPr>
+                                <m:t>𝑋</m:t>
+                              </m:r>
+                            </m:e>
+                            <m:sub>
+                              <m:r>
+                                <a:rPr lang="en-US" b="0" i="1" smtClean="0">
+                                  <a:latin typeface="Cambria Math"/>
+                                </a:rPr>
+                                <m:t>𝑡</m:t>
+                              </m:r>
+                              <m:r>
+                                <a:rPr lang="en-US" b="0" i="1" smtClean="0">
+                                  <a:latin typeface="Cambria Math"/>
+                                </a:rPr>
+                                <m:t>−</m:t>
+                              </m:r>
+                              <m:r>
+                                <a:rPr lang="en-US" b="0" i="1" smtClean="0">
+                                  <a:latin typeface="Cambria Math"/>
+                                </a:rPr>
+                                <m:t>𝑖</m:t>
+                              </m:r>
+                            </m:sub>
+                          </m:sSub>
+                        </m:e>
+                      </m:nary>
+                      <m:r>
+                        <a:rPr lang="en-US" b="0" i="1" smtClean="0">
+                          <a:latin typeface="Cambria Math"/>
+                        </a:rPr>
+                        <m:t>,</m:t>
+                      </m:r>
+                    </m:oMath>
+                  </m:oMathPara>
+                </a14:m>
+                <a:endParaRPr lang="en-US" dirty="0" smtClean="0"/>
+              </a:p>
+              <a:p>
+                <a:pPr marL="0" indent="0" algn="just">
+                  <a:buNone/>
+                </a:pPr>
+                <a:r>
+                  <a:rPr lang="ru-RU" dirty="0" smtClean="0"/>
+                  <a:t>где </a:t>
+                </a:r>
+                <a14:m>
+                  <m:oMath xmlns:m="http://schemas.openxmlformats.org/officeDocument/2006/math">
+                    <m:r>
+                      <a:rPr lang="en-US" i="1">
+                        <a:latin typeface="Cambria Math"/>
+                      </a:rPr>
+                      <m:t>𝜀</m:t>
+                    </m:r>
+                  </m:oMath>
+                </a14:m>
+                <a:r>
+                  <a:rPr lang="ru-RU" dirty="0" smtClean="0"/>
+                  <a:t> – ошибка, нормально распределённая с нулевым средним и СКО по выборке, </a:t>
+                </a:r>
+                <a14:m>
+                  <m:oMath xmlns:m="http://schemas.openxmlformats.org/officeDocument/2006/math">
+                    <m:sSub>
+                      <m:sSubPr>
+                        <m:ctrlPr>
+                          <a:rPr lang="en-US" i="1">
+                            <a:latin typeface="Cambria Math"/>
+                          </a:rPr>
+                        </m:ctrlPr>
+                      </m:sSubPr>
+                      <m:e>
+                        <m:r>
+                          <a:rPr lang="en-US" i="1">
+                            <a:latin typeface="Cambria Math"/>
+                          </a:rPr>
+                          <m:t>𝜑</m:t>
+                        </m:r>
+                      </m:e>
+                      <m:sub>
+                        <m:r>
+                          <a:rPr lang="en-US" i="1">
+                            <a:latin typeface="Cambria Math"/>
+                          </a:rPr>
+                          <m:t>𝑖</m:t>
+                        </m:r>
+                      </m:sub>
+                    </m:sSub>
+                  </m:oMath>
+                </a14:m>
+                <a:r>
+                  <a:rPr lang="ru-RU" dirty="0" smtClean="0"/>
+                  <a:t> – коэффициенты </a:t>
+                </a:r>
+                <a:r>
+                  <a:rPr lang="ru-RU" dirty="0" err="1" smtClean="0"/>
+                  <a:t>авторегрессионной</a:t>
+                </a:r>
+                <a:r>
+                  <a:rPr lang="ru-RU" dirty="0" smtClean="0"/>
+                  <a:t> модели, </a:t>
+                </a:r>
+                <a:r>
+                  <a:rPr lang="en-US" dirty="0" smtClean="0"/>
+                  <a:t>q – </a:t>
+                </a:r>
+                <a:r>
+                  <a:rPr lang="ru-RU" dirty="0" smtClean="0"/>
+                  <a:t>количество таких коэффициентов.</a:t>
+                </a:r>
+                <a:endParaRPr lang="ru-RU" dirty="0"/>
+              </a:p>
+            </p:txBody>
+          </p:sp>
+        </mc:Choice>
+        <mc:Fallback>
+          <p:sp>
+            <p:nvSpPr>
+              <p:cNvPr id="3" name="Объект 2"/>
+              <p:cNvSpPr>
+                <a:spLocks noGrp="1" noRot="1" noChangeAspect="1" noMove="1" noResize="1" noEditPoints="1" noAdjustHandles="1" noChangeArrowheads="1" noChangeShapeType="1" noTextEdit="1"/>
+              </p:cNvSpPr>
+              <p:nvPr>
+                <p:ph idx="1"/>
+              </p:nvPr>
+            </p:nvSpPr>
+            <p:spPr>
+              <a:blipFill rotWithShape="1">
+                <a:blip r:embed="rId2"/>
+                <a:stretch>
+                  <a:fillRect l="-1704" t="-3504" r="-1704" b="-1752"/>
+                </a:stretch>
+              </a:blipFill>
+            </p:spPr>
+            <p:txBody>
+              <a:bodyPr/>
+              <a:lstStyle/>
+              <a:p>
+                <a:r>
+                  <a:rPr lang="ru-RU">
+                    <a:noFill/>
+                  </a:rPr>
+                  <a:t> </a:t>
+                </a:r>
+              </a:p>
+            </p:txBody>
+          </p:sp>
+        </mc:Fallback>
+      </mc:AlternateContent>
+    </p:spTree>
+    <p:extLst>
+      <p:ext uri="{BB962C8B-B14F-4D97-AF65-F5344CB8AC3E}">
+        <p14:creationId xmlns:p14="http://schemas.microsoft.com/office/powerpoint/2010/main" val="2566905748"/>
+      </p:ext>
+    </p:extLst>
+  </p:cSld>
+  <p:clrMapOvr>
+    <a:masterClrMapping/>
+  </p:clrMapOvr>
+</p:sld>
+</file>
+
+<file path=ppt/slides/slide15.xml><?xml version="1.0" encoding="utf-8"?>
+<p:sld xmlns:a="http://schemas.openxmlformats.org/drawingml/2006/main" xmlns:r="http://schemas.openxmlformats.org/officeDocument/2006/relationships" xmlns:p="http://schemas.openxmlformats.org/presentationml/2006/main">
+  <p:cSld>
+    <p:spTree>
+      <p:nvGrpSpPr>
+        <p:cNvPr id="1" name=""/>
+        <p:cNvGrpSpPr/>
+        <p:nvPr/>
+      </p:nvGrpSpPr>
+      <p:grpSpPr>
+        <a:xfrm>
+          <a:off x="0" y="0"/>
+          <a:ext cx="0" cy="0"/>
+          <a:chOff x="0" y="0"/>
+          <a:chExt cx="0" cy="0"/>
+        </a:xfrm>
+      </p:grpSpPr>
+      <p:sp>
+        <p:nvSpPr>
+          <p:cNvPr id="2" name="Заголовок 1"/>
+          <p:cNvSpPr>
+            <a:spLocks noGrp="1"/>
+          </p:cNvSpPr>
+          <p:nvPr>
+            <p:ph type="title"/>
+          </p:nvPr>
+        </p:nvSpPr>
+        <p:spPr/>
+        <p:txBody>
+          <a:bodyPr/>
+          <a:lstStyle/>
+          <a:p>
+            <a:r>
+              <a:rPr lang="ru-RU" dirty="0" smtClean="0"/>
+              <a:t>Анализ данных</a:t>
+            </a:r>
+            <a:endParaRPr lang="ru-RU" dirty="0"/>
+          </a:p>
+        </p:txBody>
+      </p:sp>
+      <p:sp>
+        <p:nvSpPr>
+          <p:cNvPr id="3" name="Объект 2"/>
+          <p:cNvSpPr>
+            <a:spLocks noGrp="1"/>
+          </p:cNvSpPr>
+          <p:nvPr>
+            <p:ph idx="1"/>
+          </p:nvPr>
+        </p:nvSpPr>
+        <p:spPr/>
+        <p:txBody>
+          <a:bodyPr>
+            <a:normAutofit fontScale="85000" lnSpcReduction="10000"/>
+          </a:bodyPr>
+          <a:lstStyle/>
+          <a:p>
+            <a:pPr marL="0" indent="0" algn="just">
+              <a:buNone/>
+            </a:pPr>
+            <a:r>
+              <a:rPr lang="ru-RU" dirty="0" smtClean="0"/>
+              <a:t>	В ходе анализа методом </a:t>
+            </a:r>
+            <a:r>
+              <a:rPr lang="ru-RU" u="sng" dirty="0" smtClean="0"/>
+              <a:t>Гусеницы</a:t>
+            </a:r>
+            <a:r>
+              <a:rPr lang="ru-RU" dirty="0" smtClean="0"/>
+              <a:t> используется следующий алгоритм:</a:t>
+            </a:r>
+          </a:p>
+          <a:p>
+            <a:r>
+              <a:rPr lang="ru-RU" dirty="0" smtClean="0"/>
+              <a:t>Развёртка одномерного ряда в многомерный (запись его в матрицу)</a:t>
+            </a:r>
+          </a:p>
+          <a:p>
+            <a:r>
+              <a:rPr lang="ru-RU" dirty="0" smtClean="0"/>
+              <a:t>Анализ главных компонент</a:t>
+            </a:r>
+          </a:p>
+          <a:p>
+            <a:r>
+              <a:rPr lang="ru-RU" dirty="0" smtClean="0"/>
+              <a:t>Отбор главных компонент</a:t>
+            </a:r>
+          </a:p>
+          <a:p>
+            <a:r>
+              <a:rPr lang="ru-RU" dirty="0" smtClean="0"/>
+              <a:t>Восстановление ряда</a:t>
+            </a:r>
+          </a:p>
+          <a:p>
+            <a:pPr marL="0" indent="0" algn="just">
+              <a:buNone/>
+            </a:pPr>
+            <a:r>
+              <a:rPr lang="ru-RU" dirty="0" smtClean="0"/>
+              <a:t>	Результатом такого алгоритма становится матрица, по которой можно восстановить исходный ряд. Более подробно алгоритм описан в работе.</a:t>
+            </a:r>
+            <a:endParaRPr lang="ru-RU" dirty="0"/>
+          </a:p>
+        </p:txBody>
+      </p:sp>
+    </p:spTree>
+    <p:extLst>
+      <p:ext uri="{BB962C8B-B14F-4D97-AF65-F5344CB8AC3E}">
+        <p14:creationId xmlns:p14="http://schemas.microsoft.com/office/powerpoint/2010/main" val="1119396792"/>
+      </p:ext>
+    </p:extLst>
+  </p:cSld>
+  <p:clrMapOvr>
+    <a:masterClrMapping/>
+  </p:clrMapOvr>
+</p:sld>
+</file>
+
+<file path=ppt/slides/slide16.xml><?xml version="1.0" encoding="utf-8"?>
+<p:sld xmlns:a="http://schemas.openxmlformats.org/drawingml/2006/main" xmlns:r="http://schemas.openxmlformats.org/officeDocument/2006/relationships" xmlns:p="http://schemas.openxmlformats.org/presentationml/2006/main">
+  <p:cSld>
+    <p:spTree>
+      <p:nvGrpSpPr>
+        <p:cNvPr id="1" name=""/>
+        <p:cNvGrpSpPr/>
+        <p:nvPr/>
+      </p:nvGrpSpPr>
+      <p:grpSpPr>
+        <a:xfrm>
+          <a:off x="0" y="0"/>
+          <a:ext cx="0" cy="0"/>
+          <a:chOff x="0" y="0"/>
+          <a:chExt cx="0" cy="0"/>
+        </a:xfrm>
+      </p:grpSpPr>
+      <p:sp>
+        <p:nvSpPr>
+          <p:cNvPr id="2" name="Заголовок 1"/>
+          <p:cNvSpPr>
+            <a:spLocks noGrp="1"/>
+          </p:cNvSpPr>
+          <p:nvPr>
+            <p:ph type="title"/>
+          </p:nvPr>
+        </p:nvSpPr>
+        <p:spPr/>
+        <p:txBody>
+          <a:bodyPr/>
+          <a:lstStyle/>
+          <a:p>
+            <a:r>
+              <a:rPr lang="ru-RU" dirty="0" smtClean="0"/>
+              <a:t>Заключение</a:t>
+            </a:r>
+            <a:endParaRPr lang="ru-RU" dirty="0"/>
+          </a:p>
+        </p:txBody>
+      </p:sp>
+      <p:sp>
+        <p:nvSpPr>
+          <p:cNvPr id="3" name="Объект 2"/>
+          <p:cNvSpPr>
+            <a:spLocks noGrp="1"/>
+          </p:cNvSpPr>
+          <p:nvPr>
+            <p:ph idx="1"/>
+          </p:nvPr>
+        </p:nvSpPr>
+        <p:spPr/>
+        <p:txBody>
+          <a:bodyPr>
+            <a:normAutofit fontScale="85000" lnSpcReduction="20000"/>
+          </a:bodyPr>
+          <a:lstStyle/>
+          <a:p>
+            <a:pPr marL="0" indent="0" algn="just">
+              <a:buNone/>
+            </a:pPr>
+            <a:r>
+              <a:rPr lang="ru-RU" dirty="0"/>
+              <a:t>	</a:t>
+            </a:r>
+            <a:r>
+              <a:rPr lang="ru-RU" dirty="0" smtClean="0"/>
+              <a:t>В результате выполнения работы было построено приложение, способное:</a:t>
+            </a:r>
+          </a:p>
+          <a:p>
+            <a:pPr algn="just"/>
+            <a:r>
+              <a:rPr lang="ru-RU" dirty="0" smtClean="0"/>
+              <a:t> автономно выполнять поиск значений акций посредством </a:t>
+            </a:r>
+            <a:r>
+              <a:rPr lang="ru-RU" dirty="0" err="1" smtClean="0"/>
+              <a:t>парсинга</a:t>
+            </a:r>
+            <a:r>
+              <a:rPr lang="ru-RU" dirty="0" smtClean="0"/>
+              <a:t> веб-страницы;</a:t>
+            </a:r>
+          </a:p>
+          <a:p>
+            <a:pPr algn="just"/>
+            <a:r>
+              <a:rPr lang="ru-RU" dirty="0" smtClean="0"/>
+              <a:t>записывать сохранённые результаты в файл и читать их в дальнейшем;</a:t>
+            </a:r>
+          </a:p>
+          <a:p>
+            <a:pPr algn="just"/>
+            <a:r>
+              <a:rPr lang="ru-RU" dirty="0" smtClean="0"/>
+              <a:t>проводить анализ собранных данных и строить прогноз на их основе;</a:t>
+            </a:r>
+          </a:p>
+          <a:p>
+            <a:pPr algn="just"/>
+            <a:r>
+              <a:rPr lang="ru-RU" dirty="0" smtClean="0"/>
+              <a:t>выводить результаты анализа и прогноза на график.</a:t>
+            </a:r>
+          </a:p>
+          <a:p>
+            <a:pPr marL="0" indent="0" algn="just">
+              <a:buNone/>
+            </a:pPr>
+            <a:r>
+              <a:rPr lang="ru-RU" dirty="0" smtClean="0"/>
+              <a:t>	Таким образом, все цели и задачи были достигнуты.</a:t>
+            </a:r>
+            <a:endParaRPr lang="ru-RU" dirty="0"/>
+          </a:p>
+        </p:txBody>
+      </p:sp>
+    </p:spTree>
+    <p:extLst>
+      <p:ext uri="{BB962C8B-B14F-4D97-AF65-F5344CB8AC3E}">
+        <p14:creationId xmlns:p14="http://schemas.microsoft.com/office/powerpoint/2010/main" val="2124593734"/>
+      </p:ext>
+    </p:extLst>
+  </p:cSld>
+  <p:clrMapOvr>
+    <a:masterClrMapping/>
+  </p:clrMapOvr>
+</p:sld>
+</file>
+
 <file path=ppt/slides/slide2.xml><?xml version="1.0" encoding="utf-8"?>
 <p:sld xmlns:a="http://schemas.openxmlformats.org/drawingml/2006/main" xmlns:r="http://schemas.openxmlformats.org/officeDocument/2006/relationships" xmlns:p="http://schemas.openxmlformats.org/presentationml/2006/main">
   <p:cSld>
@@ -3391,7 +4811,11 @@
             <a:pPr algn="just"/>
             <a:r>
               <a:rPr lang="ru-RU" sz="2800" dirty="0" smtClean="0"/>
-              <a:t>Работа посвящена автоматизированному сбору цен на акции «</a:t>
+              <a:t>	Работа </a:t>
+            </a:r>
+            <a:r>
+              <a:rPr lang="ru-RU" sz="2800" dirty="0" smtClean="0"/>
+              <a:t>посвящена автоматизированному сбору цен на акции «</a:t>
             </a:r>
             <a:r>
               <a:rPr lang="en-US" sz="2800" dirty="0" smtClean="0"/>
@@ -3654,7 +5078,11 @@
           <a:bodyPr/>
           <a:lstStyle/>
           <a:p>
-            <a:endParaRPr lang="ru-RU"/>
+            <a:r>
+              <a:rPr lang="ru-RU" dirty="0" smtClean="0"/>
+              <a:t>Общая информация</a:t>
+            </a:r>
+            <a:endParaRPr lang="ru-RU" dirty="0"/>
           </a:p>
         </p:txBody>
       </p:sp>
@@ -3670,10 +5098,28 @@
         </p:nvSpPr>
         <p:spPr/>
         <p:txBody>
-          <a:bodyPr/>
-          <a:lstStyle/>
-          <a:p>
-            <a:endParaRPr lang="ru-RU"/>
+          <a:bodyPr>
+            <a:normAutofit fontScale="92500"/>
+          </a:bodyPr>
+          <a:lstStyle/>
+          <a:p>
+            <a:pPr marL="0" indent="0" algn="just">
+              <a:buNone/>
+            </a:pPr>
+            <a:r>
+              <a:rPr lang="ru-RU" dirty="0" smtClean="0"/>
+              <a:t>	На текущий момент большая доля рынка представлена акциями, цены на которые меняются часто.</a:t>
+            </a:r>
+          </a:p>
+          <a:p>
+            <a:pPr marL="0" indent="0" algn="just">
+              <a:buNone/>
+            </a:pPr>
+            <a:r>
+              <a:rPr lang="ru-RU" dirty="0" smtClean="0"/>
+              <a:t>	Если научиться предсказывать поведение динамики изменения цен, то возможно получить прибыль посредством покупки или продажи. Для этого были использованы методы анализа и прогнозирования временных рядов и процесс был автоматизирован.</a:t>
+            </a:r>
+            <a:endParaRPr lang="ru-RU" dirty="0"/>
           </a:p>
         </p:txBody>
       </p:sp>
@@ -3681,6 +5127,378 @@
     <p:extLst>
       <p:ext uri="{BB962C8B-B14F-4D97-AF65-F5344CB8AC3E}">
         <p14:creationId xmlns:p14="http://schemas.microsoft.com/office/powerpoint/2010/main" val="1175327059"/>
+      </p:ext>
+    </p:extLst>
+  </p:cSld>
+  <p:clrMapOvr>
+    <a:masterClrMapping/>
+  </p:clrMapOvr>
+</p:sld>
+</file>
+
+<file path=ppt/slides/slide6.xml><?xml version="1.0" encoding="utf-8"?>
+<p:sld xmlns:a="http://schemas.openxmlformats.org/drawingml/2006/main" xmlns:r="http://schemas.openxmlformats.org/officeDocument/2006/relationships" xmlns:p="http://schemas.openxmlformats.org/presentationml/2006/main">
+  <p:cSld>
+    <p:spTree>
+      <p:nvGrpSpPr>
+        <p:cNvPr id="1" name=""/>
+        <p:cNvGrpSpPr/>
+        <p:nvPr/>
+      </p:nvGrpSpPr>
+      <p:grpSpPr>
+        <a:xfrm>
+          <a:off x="0" y="0"/>
+          <a:ext cx="0" cy="0"/>
+          <a:chOff x="0" y="0"/>
+          <a:chExt cx="0" cy="0"/>
+        </a:xfrm>
+      </p:grpSpPr>
+      <p:sp>
+        <p:nvSpPr>
+          <p:cNvPr id="2" name="Заголовок 1"/>
+          <p:cNvSpPr>
+            <a:spLocks noGrp="1"/>
+          </p:cNvSpPr>
+          <p:nvPr>
+            <p:ph type="title"/>
+          </p:nvPr>
+        </p:nvSpPr>
+        <p:spPr/>
+        <p:txBody>
+          <a:bodyPr/>
+          <a:lstStyle/>
+          <a:p>
+            <a:r>
+              <a:rPr lang="ru-RU" dirty="0" smtClean="0"/>
+              <a:t>Аналитическое приложение</a:t>
+            </a:r>
+            <a:endParaRPr lang="ru-RU" dirty="0"/>
+          </a:p>
+        </p:txBody>
+      </p:sp>
+      <p:sp>
+        <p:nvSpPr>
+          <p:cNvPr id="3" name="Объект 2"/>
+          <p:cNvSpPr>
+            <a:spLocks noGrp="1"/>
+          </p:cNvSpPr>
+          <p:nvPr>
+            <p:ph idx="1"/>
+          </p:nvPr>
+        </p:nvSpPr>
+        <p:spPr/>
+        <p:txBody>
+          <a:bodyPr>
+            <a:normAutofit lnSpcReduction="10000"/>
+          </a:bodyPr>
+          <a:lstStyle/>
+          <a:p>
+            <a:pPr marL="0" indent="0" algn="just">
+              <a:buNone/>
+            </a:pPr>
+            <a:r>
+              <a:rPr lang="ru-RU" dirty="0" smtClean="0"/>
+              <a:t>	Было построено приложение, способное в автономном режиме собирать данные о состоянии торговой площадки и текущей цены на акцию.</a:t>
+            </a:r>
+          </a:p>
+          <a:p>
+            <a:pPr marL="0" indent="0" algn="just">
+              <a:buNone/>
+            </a:pPr>
+            <a:r>
+              <a:rPr lang="ru-RU" dirty="0" smtClean="0"/>
+              <a:t>	После сбора данные возможно выполнить анализ и прогноз будущих значений.</a:t>
+            </a:r>
+          </a:p>
+          <a:p>
+            <a:pPr marL="0" indent="0" algn="just">
+              <a:buNone/>
+            </a:pPr>
+            <a:r>
+              <a:rPr lang="ru-RU" dirty="0" smtClean="0"/>
+              <a:t>Результаты анализа и прогноза отображаются в приложении на графике.</a:t>
+            </a:r>
+          </a:p>
+        </p:txBody>
+      </p:sp>
+    </p:spTree>
+    <p:extLst>
+      <p:ext uri="{BB962C8B-B14F-4D97-AF65-F5344CB8AC3E}">
+        <p14:creationId xmlns:p14="http://schemas.microsoft.com/office/powerpoint/2010/main" val="895327777"/>
+      </p:ext>
+    </p:extLst>
+  </p:cSld>
+  <p:clrMapOvr>
+    <a:masterClrMapping/>
+  </p:clrMapOvr>
+</p:sld>
+</file>
+
+<file path=ppt/slides/slide7.xml><?xml version="1.0" encoding="utf-8"?>
+<p:sld xmlns:a="http://schemas.openxmlformats.org/drawingml/2006/main" xmlns:r="http://schemas.openxmlformats.org/officeDocument/2006/relationships" xmlns:p="http://schemas.openxmlformats.org/presentationml/2006/main">
+  <p:cSld>
+    <p:spTree>
+      <p:nvGrpSpPr>
+        <p:cNvPr id="1" name=""/>
+        <p:cNvGrpSpPr/>
+        <p:nvPr/>
+      </p:nvGrpSpPr>
+      <p:grpSpPr>
+        <a:xfrm>
+          <a:off x="0" y="0"/>
+          <a:ext cx="0" cy="0"/>
+          <a:chOff x="0" y="0"/>
+          <a:chExt cx="0" cy="0"/>
+        </a:xfrm>
+      </p:grpSpPr>
+      <p:sp>
+        <p:nvSpPr>
+          <p:cNvPr id="2" name="Заголовок 1"/>
+          <p:cNvSpPr>
+            <a:spLocks noGrp="1"/>
+          </p:cNvSpPr>
+          <p:nvPr>
+            <p:ph type="title"/>
+          </p:nvPr>
+        </p:nvSpPr>
+        <p:spPr/>
+        <p:txBody>
+          <a:bodyPr/>
+          <a:lstStyle/>
+          <a:p>
+            <a:r>
+              <a:rPr lang="ru-RU" dirty="0" smtClean="0"/>
+              <a:t>Анализ и прогнозирование</a:t>
+            </a:r>
+            <a:endParaRPr lang="ru-RU" dirty="0"/>
+          </a:p>
+        </p:txBody>
+      </p:sp>
+      <p:sp>
+        <p:nvSpPr>
+          <p:cNvPr id="3" name="Объект 2"/>
+          <p:cNvSpPr>
+            <a:spLocks noGrp="1"/>
+          </p:cNvSpPr>
+          <p:nvPr>
+            <p:ph idx="1"/>
+          </p:nvPr>
+        </p:nvSpPr>
+        <p:spPr/>
+        <p:txBody>
+          <a:bodyPr/>
+          <a:lstStyle/>
+          <a:p>
+            <a:pPr marL="0" indent="0">
+              <a:buNone/>
+            </a:pPr>
+            <a:r>
+              <a:rPr lang="ru-RU" dirty="0" smtClean="0"/>
+              <a:t>	Для анализа данных используются три метода статистической обработки данных:</a:t>
+            </a:r>
+          </a:p>
+          <a:p>
+            <a:r>
+              <a:rPr lang="ru-RU" dirty="0" smtClean="0"/>
+              <a:t>Простое скользящее среднее</a:t>
+            </a:r>
+          </a:p>
+          <a:p>
+            <a:r>
+              <a:rPr lang="ru-RU" dirty="0" err="1" smtClean="0"/>
+              <a:t>Авторегрессионное</a:t>
+            </a:r>
+            <a:r>
+              <a:rPr lang="ru-RU" dirty="0" smtClean="0"/>
+              <a:t> скользящее среднее</a:t>
+            </a:r>
+          </a:p>
+          <a:p>
+            <a:r>
+              <a:rPr lang="ru-RU" dirty="0" smtClean="0"/>
+              <a:t>Метод Гусеницы</a:t>
+            </a:r>
+          </a:p>
+          <a:p>
+            <a:pPr marL="0" indent="0">
+              <a:buNone/>
+            </a:pPr>
+            <a:r>
+              <a:rPr lang="ru-RU" dirty="0" smtClean="0"/>
+              <a:t>	Для прогноза используется простое скользящее среднее в виду удобства реализации.</a:t>
+            </a:r>
+            <a:endParaRPr lang="ru-RU" dirty="0"/>
+          </a:p>
+        </p:txBody>
+      </p:sp>
+    </p:spTree>
+    <p:extLst>
+      <p:ext uri="{BB962C8B-B14F-4D97-AF65-F5344CB8AC3E}">
+        <p14:creationId xmlns:p14="http://schemas.microsoft.com/office/powerpoint/2010/main" val="1665094675"/>
+      </p:ext>
+    </p:extLst>
+  </p:cSld>
+  <p:clrMapOvr>
+    <a:masterClrMapping/>
+  </p:clrMapOvr>
+</p:sld>
+</file>
+
+<file path=ppt/slides/slide8.xml><?xml version="1.0" encoding="utf-8"?>
+<p:sld xmlns:a="http://schemas.openxmlformats.org/drawingml/2006/main" xmlns:r="http://schemas.openxmlformats.org/officeDocument/2006/relationships" xmlns:p="http://schemas.openxmlformats.org/presentationml/2006/main">
+  <p:cSld>
+    <p:spTree>
+      <p:nvGrpSpPr>
+        <p:cNvPr id="1" name=""/>
+        <p:cNvGrpSpPr/>
+        <p:nvPr/>
+      </p:nvGrpSpPr>
+      <p:grpSpPr>
+        <a:xfrm>
+          <a:off x="0" y="0"/>
+          <a:ext cx="0" cy="0"/>
+          <a:chOff x="0" y="0"/>
+          <a:chExt cx="0" cy="0"/>
+        </a:xfrm>
+      </p:grpSpPr>
+      <p:sp>
+        <p:nvSpPr>
+          <p:cNvPr id="2" name="Заголовок 1"/>
+          <p:cNvSpPr>
+            <a:spLocks noGrp="1"/>
+          </p:cNvSpPr>
+          <p:nvPr>
+            <p:ph type="title"/>
+          </p:nvPr>
+        </p:nvSpPr>
+        <p:spPr/>
+        <p:txBody>
+          <a:bodyPr/>
+          <a:lstStyle/>
+          <a:p>
+            <a:r>
+              <a:rPr lang="ru-RU" dirty="0" smtClean="0"/>
+              <a:t>Пример работы приложения</a:t>
+            </a:r>
+            <a:endParaRPr lang="ru-RU" dirty="0"/>
+          </a:p>
+        </p:txBody>
+      </p:sp>
+      <p:pic>
+        <p:nvPicPr>
+          <p:cNvPr id="6" name="Объект 5"/>
+          <p:cNvPicPr>
+            <a:picLocks noGrp="1" noChangeAspect="1"/>
+          </p:cNvPicPr>
+          <p:nvPr>
+            <p:ph idx="1"/>
+          </p:nvPr>
+        </p:nvPicPr>
+        <p:blipFill>
+          <a:blip r:embed="rId2">
+            <a:extLst>
+              <a:ext uri="{28A0092B-C50C-407E-A947-70E740481C1C}">
+                <a14:useLocalDpi xmlns:a14="http://schemas.microsoft.com/office/drawing/2010/main" val="0"/>
+              </a:ext>
+            </a:extLst>
+          </a:blip>
+          <a:stretch>
+            <a:fillRect/>
+          </a:stretch>
+        </p:blipFill>
+        <p:spPr>
+          <a:xfrm>
+            <a:off x="457200" y="1812383"/>
+            <a:ext cx="8229600" cy="4101597"/>
+          </a:xfrm>
+        </p:spPr>
+      </p:pic>
+    </p:spTree>
+    <p:extLst>
+      <p:ext uri="{BB962C8B-B14F-4D97-AF65-F5344CB8AC3E}">
+        <p14:creationId xmlns:p14="http://schemas.microsoft.com/office/powerpoint/2010/main" val="4236014341"/>
+      </p:ext>
+    </p:extLst>
+  </p:cSld>
+  <p:clrMapOvr>
+    <a:masterClrMapping/>
+  </p:clrMapOvr>
+</p:sld>
+</file>
+
+<file path=ppt/slides/slide9.xml><?xml version="1.0" encoding="utf-8"?>
+<p:sld xmlns:a="http://schemas.openxmlformats.org/drawingml/2006/main" xmlns:r="http://schemas.openxmlformats.org/officeDocument/2006/relationships" xmlns:p="http://schemas.openxmlformats.org/presentationml/2006/main">
+  <p:cSld>
+    <p:spTree>
+      <p:nvGrpSpPr>
+        <p:cNvPr id="1" name=""/>
+        <p:cNvGrpSpPr/>
+        <p:nvPr/>
+      </p:nvGrpSpPr>
+      <p:grpSpPr>
+        <a:xfrm>
+          <a:off x="0" y="0"/>
+          <a:ext cx="0" cy="0"/>
+          <a:chOff x="0" y="0"/>
+          <a:chExt cx="0" cy="0"/>
+        </a:xfrm>
+      </p:grpSpPr>
+      <p:sp>
+        <p:nvSpPr>
+          <p:cNvPr id="2" name="Заголовок 1"/>
+          <p:cNvSpPr>
+            <a:spLocks noGrp="1"/>
+          </p:cNvSpPr>
+          <p:nvPr>
+            <p:ph type="title"/>
+          </p:nvPr>
+        </p:nvSpPr>
+        <p:spPr/>
+        <p:txBody>
+          <a:bodyPr/>
+          <a:lstStyle/>
+          <a:p>
+            <a:r>
+              <a:rPr lang="ru-RU" dirty="0" smtClean="0"/>
+              <a:t>Блок-схема работы приложения</a:t>
+            </a:r>
+            <a:endParaRPr lang="ru-RU" dirty="0"/>
+          </a:p>
+        </p:txBody>
+      </p:sp>
+      <p:pic>
+        <p:nvPicPr>
+          <p:cNvPr id="6" name="Объект 5"/>
+          <p:cNvPicPr>
+            <a:picLocks noGrp="1" noChangeAspect="1"/>
+          </p:cNvPicPr>
+          <p:nvPr>
+            <p:ph idx="1"/>
+          </p:nvPr>
+        </p:nvPicPr>
+        <p:blipFill>
+          <a:blip r:embed="rId2">
+            <a:extLst>
+              <a:ext uri="{28A0092B-C50C-407E-A947-70E740481C1C}">
+                <a14:useLocalDpi xmlns:a14="http://schemas.microsoft.com/office/drawing/2010/main" val="0"/>
+              </a:ext>
+            </a:extLst>
+          </a:blip>
+          <a:stretch>
+            <a:fillRect/>
+          </a:stretch>
+        </p:blipFill>
+        <p:spPr>
+          <a:xfrm>
+            <a:off x="2411760" y="1196752"/>
+            <a:ext cx="4769563" cy="5423520"/>
+          </a:xfrm>
+        </p:spPr>
+      </p:pic>
+    </p:spTree>
+    <p:extLst>
+      <p:ext uri="{BB962C8B-B14F-4D97-AF65-F5344CB8AC3E}">
+        <p14:creationId xmlns:p14="http://schemas.microsoft.com/office/powerpoint/2010/main" val="3477635487"/>
       </p:ext>
     </p:extLst>
   </p:cSld>

--- a/Презентация.pptx
+++ b/Презентация.pptx
@@ -1,9 +1,12 @@
 
 <file path=ppt/presentation.xml><?xml version="1.0" encoding="utf-8"?>
-<p:presentation xmlns:a="http://schemas.openxmlformats.org/drawingml/2006/main" xmlns:r="http://schemas.openxmlformats.org/officeDocument/2006/relationships" xmlns:p="http://schemas.openxmlformats.org/presentationml/2006/main" saveSubsetFonts="1">
+<p:presentation xmlns:a="http://schemas.openxmlformats.org/drawingml/2006/main" xmlns:r="http://schemas.openxmlformats.org/officeDocument/2006/relationships" xmlns:p="http://schemas.openxmlformats.org/presentationml/2006/main" showSpecialPlsOnTitleSld="0" saveSubsetFonts="1">
   <p:sldMasterIdLst>
     <p:sldMasterId id="2147483648" r:id="rId1"/>
   </p:sldMasterIdLst>
+  <p:notesMasterIdLst>
+    <p:notesMasterId r:id="rId16"/>
+  </p:notesMasterIdLst>
   <p:sldIdLst>
     <p:sldId id="256" r:id="rId2"/>
     <p:sldId id="257" r:id="rId3"/>
@@ -11,16 +14,14 @@
     <p:sldId id="259" r:id="rId5"/>
     <p:sldId id="260" r:id="rId6"/>
     <p:sldId id="261" r:id="rId7"/>
-    <p:sldId id="262" r:id="rId8"/>
-    <p:sldId id="263" r:id="rId9"/>
-    <p:sldId id="264" r:id="rId10"/>
-    <p:sldId id="265" r:id="rId11"/>
-    <p:sldId id="266" r:id="rId12"/>
-    <p:sldId id="267" r:id="rId13"/>
-    <p:sldId id="268" r:id="rId14"/>
-    <p:sldId id="269" r:id="rId15"/>
-    <p:sldId id="270" r:id="rId16"/>
-    <p:sldId id="271" r:id="rId17"/>
+    <p:sldId id="265" r:id="rId8"/>
+    <p:sldId id="264" r:id="rId9"/>
+    <p:sldId id="262" r:id="rId10"/>
+    <p:sldId id="266" r:id="rId11"/>
+    <p:sldId id="267" r:id="rId12"/>
+    <p:sldId id="272" r:id="rId13"/>
+    <p:sldId id="263" r:id="rId14"/>
+    <p:sldId id="271" r:id="rId15"/>
   </p:sldIdLst>
   <p:sldSz cx="9144000" cy="6858000" type="screen4x3"/>
   <p:notesSz cx="6858000" cy="9144000"/>
@@ -130,15 +131,13 @@
             <p14:sldId id="259"/>
             <p14:sldId id="260"/>
             <p14:sldId id="261"/>
+            <p14:sldId id="265"/>
+            <p14:sldId id="264"/>
             <p14:sldId id="262"/>
-            <p14:sldId id="263"/>
-            <p14:sldId id="264"/>
-            <p14:sldId id="265"/>
             <p14:sldId id="266"/>
             <p14:sldId id="267"/>
-            <p14:sldId id="268"/>
-            <p14:sldId id="269"/>
-            <p14:sldId id="270"/>
+            <p14:sldId id="272"/>
+            <p14:sldId id="263"/>
             <p14:sldId id="271"/>
           </p14:sldIdLst>
         </p14:section>
@@ -146,6 +145,440 @@
     </p:ext>
   </p:extLst>
 </p:presentation>
+</file>
+
+<file path=ppt/notesMasters/notesMaster1.xml><?xml version="1.0" encoding="utf-8"?>
+<p:notesMaster xmlns:a="http://schemas.openxmlformats.org/drawingml/2006/main" xmlns:r="http://schemas.openxmlformats.org/officeDocument/2006/relationships" xmlns:p="http://schemas.openxmlformats.org/presentationml/2006/main">
+  <p:cSld>
+    <p:bg>
+      <p:bgRef idx="1001">
+        <a:schemeClr val="bg1"/>
+      </p:bgRef>
+    </p:bg>
+    <p:spTree>
+      <p:nvGrpSpPr>
+        <p:cNvPr id="1" name=""/>
+        <p:cNvGrpSpPr/>
+        <p:nvPr/>
+      </p:nvGrpSpPr>
+      <p:grpSpPr>
+        <a:xfrm>
+          <a:off x="0" y="0"/>
+          <a:ext cx="0" cy="0"/>
+          <a:chOff x="0" y="0"/>
+          <a:chExt cx="0" cy="0"/>
+        </a:xfrm>
+      </p:grpSpPr>
+      <p:sp>
+        <p:nvSpPr>
+          <p:cNvPr id="2" name="Верхний колонтитул 1"/>
+          <p:cNvSpPr>
+            <a:spLocks noGrp="1"/>
+          </p:cNvSpPr>
+          <p:nvPr>
+            <p:ph type="hdr" sz="quarter"/>
+          </p:nvPr>
+        </p:nvSpPr>
+        <p:spPr>
+          <a:xfrm>
+            <a:off x="0" y="0"/>
+            <a:ext cx="2971800" cy="457200"/>
+          </a:xfrm>
+          <a:prstGeom prst="rect">
+            <a:avLst/>
+          </a:prstGeom>
+        </p:spPr>
+        <p:txBody>
+          <a:bodyPr vert="horz" lIns="91440" tIns="45720" rIns="91440" bIns="45720" rtlCol="0"/>
+          <a:lstStyle>
+            <a:lvl1pPr algn="l">
+              <a:defRPr sz="1200"/>
+            </a:lvl1pPr>
+          </a:lstStyle>
+          <a:p>
+            <a:endParaRPr lang="ru-RU"/>
+          </a:p>
+        </p:txBody>
+      </p:sp>
+      <p:sp>
+        <p:nvSpPr>
+          <p:cNvPr id="3" name="Дата 2"/>
+          <p:cNvSpPr>
+            <a:spLocks noGrp="1"/>
+          </p:cNvSpPr>
+          <p:nvPr>
+            <p:ph type="dt" idx="1"/>
+          </p:nvPr>
+        </p:nvSpPr>
+        <p:spPr>
+          <a:xfrm>
+            <a:off x="3884613" y="0"/>
+            <a:ext cx="2971800" cy="457200"/>
+          </a:xfrm>
+          <a:prstGeom prst="rect">
+            <a:avLst/>
+          </a:prstGeom>
+        </p:spPr>
+        <p:txBody>
+          <a:bodyPr vert="horz" lIns="91440" tIns="45720" rIns="91440" bIns="45720" rtlCol="0"/>
+          <a:lstStyle>
+            <a:lvl1pPr algn="r">
+              <a:defRPr sz="1200"/>
+            </a:lvl1pPr>
+          </a:lstStyle>
+          <a:p>
+            <a:fld id="{5BFC54BA-425B-4213-BD7D-EA3BBB105A86}" type="datetimeFigureOut">
+              <a:rPr lang="ru-RU" smtClean="0"/>
+              <a:t>30.06.2019</a:t>
+            </a:fld>
+            <a:endParaRPr lang="ru-RU"/>
+          </a:p>
+        </p:txBody>
+      </p:sp>
+      <p:sp>
+        <p:nvSpPr>
+          <p:cNvPr id="4" name="Образ слайда 3"/>
+          <p:cNvSpPr>
+            <a:spLocks noGrp="1" noRot="1" noChangeAspect="1"/>
+          </p:cNvSpPr>
+          <p:nvPr>
+            <p:ph type="sldImg" idx="2"/>
+          </p:nvPr>
+        </p:nvSpPr>
+        <p:spPr>
+          <a:xfrm>
+            <a:off x="1143000" y="685800"/>
+            <a:ext cx="4572000" cy="3429000"/>
+          </a:xfrm>
+          <a:prstGeom prst="rect">
+            <a:avLst/>
+          </a:prstGeom>
+          <a:noFill/>
+          <a:ln w="12700">
+            <a:solidFill>
+              <a:prstClr val="black"/>
+            </a:solidFill>
+          </a:ln>
+        </p:spPr>
+        <p:txBody>
+          <a:bodyPr vert="horz" lIns="91440" tIns="45720" rIns="91440" bIns="45720" rtlCol="0" anchor="ctr"/>
+          <a:lstStyle/>
+          <a:p>
+            <a:endParaRPr lang="ru-RU"/>
+          </a:p>
+        </p:txBody>
+      </p:sp>
+      <p:sp>
+        <p:nvSpPr>
+          <p:cNvPr id="5" name="Заметки 4"/>
+          <p:cNvSpPr>
+            <a:spLocks noGrp="1"/>
+          </p:cNvSpPr>
+          <p:nvPr>
+            <p:ph type="body" sz="quarter" idx="3"/>
+          </p:nvPr>
+        </p:nvSpPr>
+        <p:spPr>
+          <a:xfrm>
+            <a:off x="685800" y="4343400"/>
+            <a:ext cx="5486400" cy="4114800"/>
+          </a:xfrm>
+          <a:prstGeom prst="rect">
+            <a:avLst/>
+          </a:prstGeom>
+        </p:spPr>
+        <p:txBody>
+          <a:bodyPr vert="horz" lIns="91440" tIns="45720" rIns="91440" bIns="45720" rtlCol="0"/>
+          <a:lstStyle/>
+          <a:p>
+            <a:pPr lvl="0"/>
+            <a:r>
+              <a:rPr lang="ru-RU" smtClean="0"/>
+              <a:t>Образец текста</a:t>
+            </a:r>
+          </a:p>
+          <a:p>
+            <a:pPr lvl="1"/>
+            <a:r>
+              <a:rPr lang="ru-RU" smtClean="0"/>
+              <a:t>Второй уровень</a:t>
+            </a:r>
+          </a:p>
+          <a:p>
+            <a:pPr lvl="2"/>
+            <a:r>
+              <a:rPr lang="ru-RU" smtClean="0"/>
+              <a:t>Третий уровень</a:t>
+            </a:r>
+          </a:p>
+          <a:p>
+            <a:pPr lvl="3"/>
+            <a:r>
+              <a:rPr lang="ru-RU" smtClean="0"/>
+              <a:t>Четвертый уровень</a:t>
+            </a:r>
+          </a:p>
+          <a:p>
+            <a:pPr lvl="4"/>
+            <a:r>
+              <a:rPr lang="ru-RU" smtClean="0"/>
+              <a:t>Пятый уровень</a:t>
+            </a:r>
+            <a:endParaRPr lang="ru-RU"/>
+          </a:p>
+        </p:txBody>
+      </p:sp>
+      <p:sp>
+        <p:nvSpPr>
+          <p:cNvPr id="6" name="Нижний колонтитул 5"/>
+          <p:cNvSpPr>
+            <a:spLocks noGrp="1"/>
+          </p:cNvSpPr>
+          <p:nvPr>
+            <p:ph type="ftr" sz="quarter" idx="4"/>
+          </p:nvPr>
+        </p:nvSpPr>
+        <p:spPr>
+          <a:xfrm>
+            <a:off x="0" y="8685213"/>
+            <a:ext cx="2971800" cy="457200"/>
+          </a:xfrm>
+          <a:prstGeom prst="rect">
+            <a:avLst/>
+          </a:prstGeom>
+        </p:spPr>
+        <p:txBody>
+          <a:bodyPr vert="horz" lIns="91440" tIns="45720" rIns="91440" bIns="45720" rtlCol="0" anchor="b"/>
+          <a:lstStyle>
+            <a:lvl1pPr algn="l">
+              <a:defRPr sz="1200"/>
+            </a:lvl1pPr>
+          </a:lstStyle>
+          <a:p>
+            <a:endParaRPr lang="ru-RU"/>
+          </a:p>
+        </p:txBody>
+      </p:sp>
+      <p:sp>
+        <p:nvSpPr>
+          <p:cNvPr id="7" name="Номер слайда 6"/>
+          <p:cNvSpPr>
+            <a:spLocks noGrp="1"/>
+          </p:cNvSpPr>
+          <p:nvPr>
+            <p:ph type="sldNum" sz="quarter" idx="5"/>
+          </p:nvPr>
+        </p:nvSpPr>
+        <p:spPr>
+          <a:xfrm>
+            <a:off x="3884613" y="8685213"/>
+            <a:ext cx="2971800" cy="457200"/>
+          </a:xfrm>
+          <a:prstGeom prst="rect">
+            <a:avLst/>
+          </a:prstGeom>
+        </p:spPr>
+        <p:txBody>
+          <a:bodyPr vert="horz" lIns="91440" tIns="45720" rIns="91440" bIns="45720" rtlCol="0" anchor="b"/>
+          <a:lstStyle>
+            <a:lvl1pPr algn="r">
+              <a:defRPr sz="1200"/>
+            </a:lvl1pPr>
+          </a:lstStyle>
+          <a:p>
+            <a:fld id="{BDC165E3-FF89-43D0-89EE-776611E63829}" type="slidenum">
+              <a:rPr lang="ru-RU" smtClean="0"/>
+              <a:t>‹#›</a:t>
+            </a:fld>
+            <a:endParaRPr lang="ru-RU"/>
+          </a:p>
+        </p:txBody>
+      </p:sp>
+    </p:spTree>
+    <p:extLst>
+      <p:ext uri="{BB962C8B-B14F-4D97-AF65-F5344CB8AC3E}">
+        <p14:creationId xmlns:p14="http://schemas.microsoft.com/office/powerpoint/2010/main" val="1051926793"/>
+      </p:ext>
+    </p:extLst>
+  </p:cSld>
+  <p:clrMap bg1="lt1" tx1="dk1" bg2="lt2" tx2="dk2" accent1="accent1" accent2="accent2" accent3="accent3" accent4="accent4" accent5="accent5" accent6="accent6" hlink="hlink" folHlink="folHlink"/>
+  <p:notesStyle>
+    <a:lvl1pPr marL="0" algn="l" defTabSz="914400" rtl="0" eaLnBrk="1" latinLnBrk="0" hangingPunct="1">
+      <a:defRPr sz="1200" kern="1200">
+        <a:solidFill>
+          <a:schemeClr val="tx1"/>
+        </a:solidFill>
+        <a:latin typeface="+mn-lt"/>
+        <a:ea typeface="+mn-ea"/>
+        <a:cs typeface="+mn-cs"/>
+      </a:defRPr>
+    </a:lvl1pPr>
+    <a:lvl2pPr marL="457200" algn="l" defTabSz="914400" rtl="0" eaLnBrk="1" latinLnBrk="0" hangingPunct="1">
+      <a:defRPr sz="1200" kern="1200">
+        <a:solidFill>
+          <a:schemeClr val="tx1"/>
+        </a:solidFill>
+        <a:latin typeface="+mn-lt"/>
+        <a:ea typeface="+mn-ea"/>
+        <a:cs typeface="+mn-cs"/>
+      </a:defRPr>
+    </a:lvl2pPr>
+    <a:lvl3pPr marL="914400" algn="l" defTabSz="914400" rtl="0" eaLnBrk="1" latinLnBrk="0" hangingPunct="1">
+      <a:defRPr sz="1200" kern="1200">
+        <a:solidFill>
+          <a:schemeClr val="tx1"/>
+        </a:solidFill>
+        <a:latin typeface="+mn-lt"/>
+        <a:ea typeface="+mn-ea"/>
+        <a:cs typeface="+mn-cs"/>
+      </a:defRPr>
+    </a:lvl3pPr>
+    <a:lvl4pPr marL="1371600" algn="l" defTabSz="914400" rtl="0" eaLnBrk="1" latinLnBrk="0" hangingPunct="1">
+      <a:defRPr sz="1200" kern="1200">
+        <a:solidFill>
+          <a:schemeClr val="tx1"/>
+        </a:solidFill>
+        <a:latin typeface="+mn-lt"/>
+        <a:ea typeface="+mn-ea"/>
+        <a:cs typeface="+mn-cs"/>
+      </a:defRPr>
+    </a:lvl4pPr>
+    <a:lvl5pPr marL="1828800" algn="l" defTabSz="914400" rtl="0" eaLnBrk="1" latinLnBrk="0" hangingPunct="1">
+      <a:defRPr sz="1200" kern="1200">
+        <a:solidFill>
+          <a:schemeClr val="tx1"/>
+        </a:solidFill>
+        <a:latin typeface="+mn-lt"/>
+        <a:ea typeface="+mn-ea"/>
+        <a:cs typeface="+mn-cs"/>
+      </a:defRPr>
+    </a:lvl5pPr>
+    <a:lvl6pPr marL="2286000" algn="l" defTabSz="914400" rtl="0" eaLnBrk="1" latinLnBrk="0" hangingPunct="1">
+      <a:defRPr sz="1200" kern="1200">
+        <a:solidFill>
+          <a:schemeClr val="tx1"/>
+        </a:solidFill>
+        <a:latin typeface="+mn-lt"/>
+        <a:ea typeface="+mn-ea"/>
+        <a:cs typeface="+mn-cs"/>
+      </a:defRPr>
+    </a:lvl6pPr>
+    <a:lvl7pPr marL="2743200" algn="l" defTabSz="914400" rtl="0" eaLnBrk="1" latinLnBrk="0" hangingPunct="1">
+      <a:defRPr sz="1200" kern="1200">
+        <a:solidFill>
+          <a:schemeClr val="tx1"/>
+        </a:solidFill>
+        <a:latin typeface="+mn-lt"/>
+        <a:ea typeface="+mn-ea"/>
+        <a:cs typeface="+mn-cs"/>
+      </a:defRPr>
+    </a:lvl7pPr>
+    <a:lvl8pPr marL="3200400" algn="l" defTabSz="914400" rtl="0" eaLnBrk="1" latinLnBrk="0" hangingPunct="1">
+      <a:defRPr sz="1200" kern="1200">
+        <a:solidFill>
+          <a:schemeClr val="tx1"/>
+        </a:solidFill>
+        <a:latin typeface="+mn-lt"/>
+        <a:ea typeface="+mn-ea"/>
+        <a:cs typeface="+mn-cs"/>
+      </a:defRPr>
+    </a:lvl8pPr>
+    <a:lvl9pPr marL="3657600" algn="l" defTabSz="914400" rtl="0" eaLnBrk="1" latinLnBrk="0" hangingPunct="1">
+      <a:defRPr sz="1200" kern="1200">
+        <a:solidFill>
+          <a:schemeClr val="tx1"/>
+        </a:solidFill>
+        <a:latin typeface="+mn-lt"/>
+        <a:ea typeface="+mn-ea"/>
+        <a:cs typeface="+mn-cs"/>
+      </a:defRPr>
+    </a:lvl9pPr>
+  </p:notesStyle>
+</p:notesMaster>
+</file>
+
+<file path=ppt/notesSlides/notesSlide1.xml><?xml version="1.0" encoding="utf-8"?>
+<p:notes xmlns:a="http://schemas.openxmlformats.org/drawingml/2006/main" xmlns:r="http://schemas.openxmlformats.org/officeDocument/2006/relationships" xmlns:p="http://schemas.openxmlformats.org/presentationml/2006/main">
+  <p:cSld>
+    <p:spTree>
+      <p:nvGrpSpPr>
+        <p:cNvPr id="1" name=""/>
+        <p:cNvGrpSpPr/>
+        <p:nvPr/>
+      </p:nvGrpSpPr>
+      <p:grpSpPr>
+        <a:xfrm>
+          <a:off x="0" y="0"/>
+          <a:ext cx="0" cy="0"/>
+          <a:chOff x="0" y="0"/>
+          <a:chExt cx="0" cy="0"/>
+        </a:xfrm>
+      </p:grpSpPr>
+      <p:sp>
+        <p:nvSpPr>
+          <p:cNvPr id="2" name="Образ слайда 1"/>
+          <p:cNvSpPr>
+            <a:spLocks noGrp="1" noRot="1" noChangeAspect="1"/>
+          </p:cNvSpPr>
+          <p:nvPr>
+            <p:ph type="sldImg"/>
+          </p:nvPr>
+        </p:nvSpPr>
+        <p:spPr/>
+      </p:sp>
+      <p:sp>
+        <p:nvSpPr>
+          <p:cNvPr id="3" name="Заметки 2"/>
+          <p:cNvSpPr>
+            <a:spLocks noGrp="1"/>
+          </p:cNvSpPr>
+          <p:nvPr>
+            <p:ph type="body" idx="1"/>
+          </p:nvPr>
+        </p:nvSpPr>
+        <p:spPr/>
+        <p:txBody>
+          <a:bodyPr/>
+          <a:lstStyle/>
+          <a:p>
+            <a:endParaRPr lang="ru-RU"/>
+          </a:p>
+        </p:txBody>
+      </p:sp>
+      <p:sp>
+        <p:nvSpPr>
+          <p:cNvPr id="4" name="Номер слайда 3"/>
+          <p:cNvSpPr>
+            <a:spLocks noGrp="1"/>
+          </p:cNvSpPr>
+          <p:nvPr>
+            <p:ph type="sldNum" sz="quarter" idx="10"/>
+          </p:nvPr>
+        </p:nvSpPr>
+        <p:spPr/>
+        <p:txBody>
+          <a:bodyPr/>
+          <a:lstStyle/>
+          <a:p>
+            <a:fld id="{BDC165E3-FF89-43D0-89EE-776611E63829}" type="slidenum">
+              <a:rPr lang="ru-RU" smtClean="0"/>
+              <a:t>8</a:t>
+            </a:fld>
+            <a:endParaRPr lang="ru-RU"/>
+          </a:p>
+        </p:txBody>
+      </p:sp>
+    </p:spTree>
+    <p:extLst>
+      <p:ext uri="{BB962C8B-B14F-4D97-AF65-F5344CB8AC3E}">
+        <p14:creationId xmlns:p14="http://schemas.microsoft.com/office/powerpoint/2010/main" val="2662440187"/>
+      </p:ext>
+    </p:extLst>
+  </p:cSld>
+  <p:clrMapOvr>
+    <a:masterClrMapping/>
+  </p:clrMapOvr>
+</p:notes>
 </file>
 
 <file path=ppt/slideLayouts/slideLayout1.xml><?xml version="1.0" encoding="utf-8"?>
@@ -327,9 +760,9 @@
           <a:bodyPr/>
           <a:lstStyle/>
           <a:p>
-            <a:fld id="{6B14797A-E77F-476E-9909-190254B74B0D}" type="datetimeFigureOut">
-              <a:rPr lang="ru-RU" smtClean="0"/>
-              <a:t>29.06.2019</a:t>
+            <a:fld id="{D2137B0A-7148-46AD-B4BE-3D77D06C0035}" type="datetime1">
+              <a:rPr lang="ru-RU" smtClean="0"/>
+              <a:t>30.06.2019</a:t>
             </a:fld>
             <a:endParaRPr lang="ru-RU"/>
           </a:p>
@@ -350,6 +783,10 @@
           <a:bodyPr/>
           <a:lstStyle/>
           <a:p>
+            <a:r>
+              <a:rPr lang="ru-RU" smtClean="0"/>
+              <a:t>4</a:t>
+            </a:r>
             <a:endParaRPr lang="ru-RU"/>
           </a:p>
         </p:txBody>
@@ -497,9 +934,9 @@
           <a:bodyPr/>
           <a:lstStyle/>
           <a:p>
-            <a:fld id="{6B14797A-E77F-476E-9909-190254B74B0D}" type="datetimeFigureOut">
-              <a:rPr lang="ru-RU" smtClean="0"/>
-              <a:t>29.06.2019</a:t>
+            <a:fld id="{D2529940-8B4E-4796-9B68-2DBF06634EC1}" type="datetime1">
+              <a:rPr lang="ru-RU" smtClean="0"/>
+              <a:t>30.06.2019</a:t>
             </a:fld>
             <a:endParaRPr lang="ru-RU"/>
           </a:p>
@@ -520,6 +957,10 @@
           <a:bodyPr/>
           <a:lstStyle/>
           <a:p>
+            <a:r>
+              <a:rPr lang="ru-RU" smtClean="0"/>
+              <a:t>4</a:t>
+            </a:r>
             <a:endParaRPr lang="ru-RU"/>
           </a:p>
         </p:txBody>
@@ -677,9 +1118,9 @@
           <a:bodyPr/>
           <a:lstStyle/>
           <a:p>
-            <a:fld id="{6B14797A-E77F-476E-9909-190254B74B0D}" type="datetimeFigureOut">
-              <a:rPr lang="ru-RU" smtClean="0"/>
-              <a:t>29.06.2019</a:t>
+            <a:fld id="{C53AFEDB-912F-490E-8418-D1B8344213A8}" type="datetime1">
+              <a:rPr lang="ru-RU" smtClean="0"/>
+              <a:t>30.06.2019</a:t>
             </a:fld>
             <a:endParaRPr lang="ru-RU"/>
           </a:p>
@@ -700,6 +1141,10 @@
           <a:bodyPr/>
           <a:lstStyle/>
           <a:p>
+            <a:r>
+              <a:rPr lang="ru-RU" smtClean="0"/>
+              <a:t>4</a:t>
+            </a:r>
             <a:endParaRPr lang="ru-RU"/>
           </a:p>
         </p:txBody>
@@ -847,9 +1292,9 @@
           <a:bodyPr/>
           <a:lstStyle/>
           <a:p>
-            <a:fld id="{6B14797A-E77F-476E-9909-190254B74B0D}" type="datetimeFigureOut">
-              <a:rPr lang="ru-RU" smtClean="0"/>
-              <a:t>29.06.2019</a:t>
+            <a:fld id="{62FD37B6-BCAF-4093-93C6-A26760DC7949}" type="datetime1">
+              <a:rPr lang="ru-RU" smtClean="0"/>
+              <a:t>30.06.2019</a:t>
             </a:fld>
             <a:endParaRPr lang="ru-RU"/>
           </a:p>
@@ -870,6 +1315,10 @@
           <a:bodyPr/>
           <a:lstStyle/>
           <a:p>
+            <a:r>
+              <a:rPr lang="ru-RU" smtClean="0"/>
+              <a:t>4</a:t>
+            </a:r>
             <a:endParaRPr lang="ru-RU"/>
           </a:p>
         </p:txBody>
@@ -1093,9 +1542,9 @@
           <a:bodyPr/>
           <a:lstStyle/>
           <a:p>
-            <a:fld id="{6B14797A-E77F-476E-9909-190254B74B0D}" type="datetimeFigureOut">
-              <a:rPr lang="ru-RU" smtClean="0"/>
-              <a:t>29.06.2019</a:t>
+            <a:fld id="{6F1B0634-AB63-4A42-8ADE-D1E786A7D854}" type="datetime1">
+              <a:rPr lang="ru-RU" smtClean="0"/>
+              <a:t>30.06.2019</a:t>
             </a:fld>
             <a:endParaRPr lang="ru-RU"/>
           </a:p>
@@ -1116,6 +1565,10 @@
           <a:bodyPr/>
           <a:lstStyle/>
           <a:p>
+            <a:r>
+              <a:rPr lang="ru-RU" smtClean="0"/>
+              <a:t>4</a:t>
+            </a:r>
             <a:endParaRPr lang="ru-RU"/>
           </a:p>
         </p:txBody>
@@ -1381,9 +1834,9 @@
           <a:bodyPr/>
           <a:lstStyle/>
           <a:p>
-            <a:fld id="{6B14797A-E77F-476E-9909-190254B74B0D}" type="datetimeFigureOut">
-              <a:rPr lang="ru-RU" smtClean="0"/>
-              <a:t>29.06.2019</a:t>
+            <a:fld id="{C06AB76A-0864-4DD5-9C28-DF771274A521}" type="datetime1">
+              <a:rPr lang="ru-RU" smtClean="0"/>
+              <a:t>30.06.2019</a:t>
             </a:fld>
             <a:endParaRPr lang="ru-RU"/>
           </a:p>
@@ -1404,6 +1857,10 @@
           <a:bodyPr/>
           <a:lstStyle/>
           <a:p>
+            <a:r>
+              <a:rPr lang="ru-RU" smtClean="0"/>
+              <a:t>4</a:t>
+            </a:r>
             <a:endParaRPr lang="ru-RU"/>
           </a:p>
         </p:txBody>
@@ -1803,9 +2260,9 @@
           <a:bodyPr/>
           <a:lstStyle/>
           <a:p>
-            <a:fld id="{6B14797A-E77F-476E-9909-190254B74B0D}" type="datetimeFigureOut">
-              <a:rPr lang="ru-RU" smtClean="0"/>
-              <a:t>29.06.2019</a:t>
+            <a:fld id="{B6B9B728-E017-463A-9E36-39993CB75C13}" type="datetime1">
+              <a:rPr lang="ru-RU" smtClean="0"/>
+              <a:t>30.06.2019</a:t>
             </a:fld>
             <a:endParaRPr lang="ru-RU"/>
           </a:p>
@@ -1826,6 +2283,10 @@
           <a:bodyPr/>
           <a:lstStyle/>
           <a:p>
+            <a:r>
+              <a:rPr lang="ru-RU" smtClean="0"/>
+              <a:t>4</a:t>
+            </a:r>
             <a:endParaRPr lang="ru-RU"/>
           </a:p>
         </p:txBody>
@@ -1921,9 +2382,9 @@
           <a:bodyPr/>
           <a:lstStyle/>
           <a:p>
-            <a:fld id="{6B14797A-E77F-476E-9909-190254B74B0D}" type="datetimeFigureOut">
-              <a:rPr lang="ru-RU" smtClean="0"/>
-              <a:t>29.06.2019</a:t>
+            <a:fld id="{77D2E863-DF8C-4AE1-A706-8184545D100D}" type="datetime1">
+              <a:rPr lang="ru-RU" smtClean="0"/>
+              <a:t>30.06.2019</a:t>
             </a:fld>
             <a:endParaRPr lang="ru-RU"/>
           </a:p>
@@ -1944,6 +2405,10 @@
           <a:bodyPr/>
           <a:lstStyle/>
           <a:p>
+            <a:r>
+              <a:rPr lang="ru-RU" smtClean="0"/>
+              <a:t>4</a:t>
+            </a:r>
             <a:endParaRPr lang="ru-RU"/>
           </a:p>
         </p:txBody>
@@ -2016,9 +2481,9 @@
           <a:bodyPr/>
           <a:lstStyle/>
           <a:p>
-            <a:fld id="{6B14797A-E77F-476E-9909-190254B74B0D}" type="datetimeFigureOut">
-              <a:rPr lang="ru-RU" smtClean="0"/>
-              <a:t>29.06.2019</a:t>
+            <a:fld id="{9EB10C25-BC35-49F2-8DDF-48F034AD1B8D}" type="datetime1">
+              <a:rPr lang="ru-RU" smtClean="0"/>
+              <a:t>30.06.2019</a:t>
             </a:fld>
             <a:endParaRPr lang="ru-RU"/>
           </a:p>
@@ -2039,6 +2504,10 @@
           <a:bodyPr/>
           <a:lstStyle/>
           <a:p>
+            <a:r>
+              <a:rPr lang="ru-RU" smtClean="0"/>
+              <a:t>4</a:t>
+            </a:r>
             <a:endParaRPr lang="ru-RU"/>
           </a:p>
         </p:txBody>
@@ -2293,9 +2762,9 @@
           <a:bodyPr/>
           <a:lstStyle/>
           <a:p>
-            <a:fld id="{6B14797A-E77F-476E-9909-190254B74B0D}" type="datetimeFigureOut">
-              <a:rPr lang="ru-RU" smtClean="0"/>
-              <a:t>29.06.2019</a:t>
+            <a:fld id="{1AC42BDB-0693-4F50-936C-AB9544AB6032}" type="datetime1">
+              <a:rPr lang="ru-RU" smtClean="0"/>
+              <a:t>30.06.2019</a:t>
             </a:fld>
             <a:endParaRPr lang="ru-RU"/>
           </a:p>
@@ -2316,6 +2785,10 @@
           <a:bodyPr/>
           <a:lstStyle/>
           <a:p>
+            <a:r>
+              <a:rPr lang="ru-RU" smtClean="0"/>
+              <a:t>4</a:t>
+            </a:r>
             <a:endParaRPr lang="ru-RU"/>
           </a:p>
         </p:txBody>
@@ -2546,9 +3019,9 @@
           <a:bodyPr/>
           <a:lstStyle/>
           <a:p>
-            <a:fld id="{6B14797A-E77F-476E-9909-190254B74B0D}" type="datetimeFigureOut">
-              <a:rPr lang="ru-RU" smtClean="0"/>
-              <a:t>29.06.2019</a:t>
+            <a:fld id="{8B1D7947-3CD7-4B69-AE6B-FD3AC55A9983}" type="datetime1">
+              <a:rPr lang="ru-RU" smtClean="0"/>
+              <a:t>30.06.2019</a:t>
             </a:fld>
             <a:endParaRPr lang="ru-RU"/>
           </a:p>
@@ -2569,6 +3042,10 @@
           <a:bodyPr/>
           <a:lstStyle/>
           <a:p>
+            <a:r>
+              <a:rPr lang="ru-RU" smtClean="0"/>
+              <a:t>4</a:t>
+            </a:r>
             <a:endParaRPr lang="ru-RU"/>
           </a:p>
         </p:txBody>
@@ -2759,9 +3236,9 @@
             </a:lvl1pPr>
           </a:lstStyle>
           <a:p>
-            <a:fld id="{6B14797A-E77F-476E-9909-190254B74B0D}" type="datetimeFigureOut">
-              <a:rPr lang="ru-RU" smtClean="0"/>
-              <a:t>29.06.2019</a:t>
+            <a:fld id="{15CC47D6-CEB5-4621-A53C-215BB16F9F5F}" type="datetime1">
+              <a:rPr lang="ru-RU" smtClean="0"/>
+              <a:t>30.06.2019</a:t>
             </a:fld>
             <a:endParaRPr lang="ru-RU"/>
           </a:p>
@@ -2800,6 +3277,10 @@
             </a:lvl1pPr>
           </a:lstStyle>
           <a:p>
+            <a:r>
+              <a:rPr lang="ru-RU" smtClean="0"/>
+              <a:t>4</a:t>
+            </a:r>
             <a:endParaRPr lang="ru-RU"/>
           </a:p>
         </p:txBody>
@@ -2866,6 +3347,7 @@
     <p:sldLayoutId id="2147483658" r:id="rId10"/>
     <p:sldLayoutId id="2147483659" r:id="rId11"/>
   </p:sldLayoutIdLst>
+  <p:hf hdr="0" ftr="0" dt="0"/>
   <p:txStyles>
     <p:titleStyle>
       <a:lvl1pPr algn="ctr" defTabSz="914400" rtl="0" eaLnBrk="1" latinLnBrk="0" hangingPunct="1">
@@ -3392,75 +3874,75 @@
         </p:nvSpPr>
         <p:spPr/>
         <p:txBody>
-          <a:bodyPr/>
-          <a:lstStyle/>
-          <a:p>
-            <a:r>
-              <a:rPr lang="ru-RU" dirty="0" smtClean="0"/>
-              <a:t>Структура приложения</a:t>
+          <a:bodyPr>
+            <a:normAutofit fontScale="90000"/>
+          </a:bodyPr>
+          <a:lstStyle/>
+          <a:p>
+            <a:r>
+              <a:rPr lang="ru-RU" dirty="0" smtClean="0"/>
+              <a:t>Структура аналитических модулей</a:t>
             </a:r>
             <a:endParaRPr lang="ru-RU" dirty="0"/>
           </a:p>
         </p:txBody>
       </p:sp>
-      <p:sp>
-        <p:nvSpPr>
-          <p:cNvPr id="3" name="Объект 2"/>
-          <p:cNvSpPr>
-            <a:spLocks noGrp="1"/>
-          </p:cNvSpPr>
+      <p:pic>
+        <p:nvPicPr>
+          <p:cNvPr id="4" name="Объект 3"/>
+          <p:cNvPicPr>
+            <a:picLocks noGrp="1" noChangeAspect="1"/>
+          </p:cNvPicPr>
           <p:nvPr>
             <p:ph idx="1"/>
           </p:nvPr>
-        </p:nvSpPr>
-        <p:spPr/>
-        <p:txBody>
-          <a:bodyPr>
-            <a:normAutofit lnSpcReduction="10000"/>
-          </a:bodyPr>
-          <a:lstStyle/>
-          <a:p>
-            <a:pPr marL="0" indent="0" algn="just">
-              <a:buNone/>
-            </a:pPr>
-            <a:r>
-              <a:rPr lang="ru-RU" dirty="0" smtClean="0"/>
-              <a:t>	Приложение реализовано с использованием технологии </a:t>
-            </a:r>
-            <a:r>
-              <a:rPr lang="en-US" dirty="0" err="1" smtClean="0"/>
-              <a:t>WinForms</a:t>
-            </a:r>
-            <a:r>
-              <a:rPr lang="ru-RU" dirty="0" smtClean="0"/>
-              <a:t>. </a:t>
-            </a:r>
-          </a:p>
-          <a:p>
-            <a:pPr marL="0" indent="0" algn="just">
-              <a:buNone/>
-            </a:pPr>
-            <a:r>
-              <a:rPr lang="ru-RU" dirty="0" smtClean="0"/>
-              <a:t>	Внутренние сущности описаны и организованы в соответствии с принципами модульной разработки и ООП.</a:t>
-            </a:r>
-          </a:p>
-          <a:p>
-            <a:pPr marL="0" indent="0" algn="just">
-              <a:buNone/>
-            </a:pPr>
-            <a:r>
-              <a:rPr lang="ru-RU" dirty="0" smtClean="0"/>
-              <a:t>	Для написания основной нагрузки приложения – анализа был взят за основу паттерн проектирования «фабричный метод».</a:t>
-            </a:r>
-            <a:endParaRPr lang="ru-RU" dirty="0"/>
+        </p:nvPicPr>
+        <p:blipFill>
+          <a:blip r:embed="rId2">
+            <a:extLst>
+              <a:ext uri="{28A0092B-C50C-407E-A947-70E740481C1C}">
+                <a14:useLocalDpi xmlns:a14="http://schemas.microsoft.com/office/drawing/2010/main" val="0"/>
+              </a:ext>
+            </a:extLst>
+          </a:blip>
+          <a:stretch>
+            <a:fillRect/>
+          </a:stretch>
+        </p:blipFill>
+        <p:spPr>
+          <a:xfrm>
+            <a:off x="2411760" y="1268760"/>
+            <a:ext cx="4392487" cy="5400600"/>
+          </a:xfrm>
+        </p:spPr>
+      </p:pic>
+      <p:sp>
+        <p:nvSpPr>
+          <p:cNvPr id="5" name="Номер слайда 4"/>
+          <p:cNvSpPr>
+            <a:spLocks noGrp="1"/>
+          </p:cNvSpPr>
+          <p:nvPr>
+            <p:ph type="sldNum" sz="quarter" idx="12"/>
+          </p:nvPr>
+        </p:nvSpPr>
+        <p:spPr/>
+        <p:txBody>
+          <a:bodyPr/>
+          <a:lstStyle/>
+          <a:p>
+            <a:fld id="{D4F4F136-4EF9-4426-A1A9-4E758533A474}" type="slidenum">
+              <a:rPr lang="ru-RU" smtClean="0"/>
+              <a:t>10</a:t>
+            </a:fld>
+            <a:endParaRPr lang="ru-RU"/>
           </a:p>
         </p:txBody>
       </p:sp>
     </p:spTree>
     <p:extLst>
       <p:ext uri="{BB962C8B-B14F-4D97-AF65-F5344CB8AC3E}">
-        <p14:creationId xmlns:p14="http://schemas.microsoft.com/office/powerpoint/2010/main" val="858146113"/>
+        <p14:creationId xmlns:p14="http://schemas.microsoft.com/office/powerpoint/2010/main" val="3315475377"/>
       </p:ext>
     </p:extLst>
   </p:cSld>
@@ -3499,52 +3981,138 @@
         </p:nvSpPr>
         <p:spPr/>
         <p:txBody>
+          <a:bodyPr/>
+          <a:lstStyle/>
+          <a:p>
+            <a:r>
+              <a:rPr lang="ru-RU" dirty="0" smtClean="0"/>
+              <a:t>Сбор и сохранение данных</a:t>
+            </a:r>
+            <a:endParaRPr lang="ru-RU" dirty="0"/>
+          </a:p>
+        </p:txBody>
+      </p:sp>
+      <p:sp>
+        <p:nvSpPr>
+          <p:cNvPr id="3" name="Объект 2"/>
+          <p:cNvSpPr>
+            <a:spLocks noGrp="1"/>
+          </p:cNvSpPr>
+          <p:nvPr>
+            <p:ph idx="1"/>
+          </p:nvPr>
+        </p:nvSpPr>
+        <p:spPr/>
+        <p:txBody>
           <a:bodyPr>
-            <a:normAutofit fontScale="90000"/>
+            <a:normAutofit fontScale="77500" lnSpcReduction="20000"/>
           </a:bodyPr>
           <a:lstStyle/>
           <a:p>
-            <a:r>
-              <a:rPr lang="ru-RU" dirty="0" smtClean="0"/>
-              <a:t>Структура аналитических модулей</a:t>
+            <a:pPr marL="0" indent="0" algn="just">
+              <a:buNone/>
+            </a:pPr>
+            <a:r>
+              <a:rPr lang="ru-RU" dirty="0" smtClean="0"/>
+              <a:t>	Сбор данных ведётся посредством </a:t>
+            </a:r>
+            <a:r>
+              <a:rPr lang="ru-RU" dirty="0" err="1" smtClean="0"/>
+              <a:t>парсинга</a:t>
+            </a:r>
+            <a:r>
+              <a:rPr lang="ru-RU" dirty="0" smtClean="0"/>
+              <a:t> веб-страницы с торгами. Проверяется, активна ли площадка, и если да, то данные собираются раз в минуту. Иначе – перепроверка через 10 минут.</a:t>
+            </a:r>
+          </a:p>
+          <a:p>
+            <a:pPr marL="0" indent="0" algn="just">
+              <a:buNone/>
+            </a:pPr>
+            <a:r>
+              <a:rPr lang="ru-RU" dirty="0" smtClean="0"/>
+              <a:t>	Как только получена цена акции, она пишется в </a:t>
+            </a:r>
+            <a:r>
+              <a:rPr lang="ru-RU" dirty="0" smtClean="0"/>
+              <a:t>файл</a:t>
+            </a:r>
+            <a:r>
+              <a:rPr lang="ru-RU" dirty="0" smtClean="0"/>
+              <a:t>. При последующем запуске приложения файл будет прочитан, данные будут занесены во внутренний	 список для дальнейшей работы с ними</a:t>
+            </a:r>
+            <a:r>
+              <a:rPr lang="ru-RU" dirty="0" smtClean="0"/>
+              <a:t>.</a:t>
+            </a:r>
+          </a:p>
+          <a:p>
+            <a:pPr marL="0" indent="0" algn="just">
+              <a:buNone/>
+            </a:pPr>
+            <a:r>
+              <a:rPr lang="ru-RU" dirty="0"/>
+              <a:t>	</a:t>
+            </a:r>
+            <a:r>
+              <a:rPr lang="ru-RU" dirty="0" smtClean="0"/>
+              <a:t>Для сохранения данных был выбран формат данных </a:t>
+            </a:r>
+            <a:r>
+              <a:rPr lang="en-US" dirty="0" smtClean="0"/>
+              <a:t>JSON</a:t>
+            </a:r>
+            <a:r>
+              <a:rPr lang="ru-RU" dirty="0" smtClean="0"/>
+              <a:t>, основанный на языке программирования </a:t>
+            </a:r>
+            <a:r>
+              <a:rPr lang="en-US" dirty="0" smtClean="0"/>
+              <a:t>JavaScript. </a:t>
+            </a:r>
+            <a:r>
+              <a:rPr lang="ru-RU" dirty="0" smtClean="0"/>
+              <a:t>Данные пишутся в формате дата-цена, где дата в формате </a:t>
+            </a:r>
+            <a:r>
+              <a:rPr lang="en-US" dirty="0" smtClean="0"/>
+              <a:t>UNIX</a:t>
+            </a:r>
+            <a:r>
+              <a:rPr lang="ru-RU" dirty="0" smtClean="0"/>
+              <a:t>, а цена в формате числа с плавающей точкой двойной точности. Пример такого файла приведён на следующем слайде.</a:t>
             </a:r>
             <a:endParaRPr lang="ru-RU" dirty="0"/>
           </a:p>
         </p:txBody>
       </p:sp>
-      <p:pic>
-        <p:nvPicPr>
-          <p:cNvPr id="4" name="Объект 3"/>
-          <p:cNvPicPr>
-            <a:picLocks noGrp="1" noChangeAspect="1"/>
-          </p:cNvPicPr>
-          <p:nvPr>
-            <p:ph idx="1"/>
-          </p:nvPr>
-        </p:nvPicPr>
-        <p:blipFill>
-          <a:blip r:embed="rId2">
-            <a:extLst>
-              <a:ext uri="{28A0092B-C50C-407E-A947-70E740481C1C}">
-                <a14:useLocalDpi xmlns:a14="http://schemas.microsoft.com/office/drawing/2010/main" val="0"/>
-              </a:ext>
-            </a:extLst>
-          </a:blip>
-          <a:stretch>
-            <a:fillRect/>
-          </a:stretch>
-        </p:blipFill>
-        <p:spPr>
-          <a:xfrm>
-            <a:off x="2411760" y="1268760"/>
-            <a:ext cx="4392487" cy="5400600"/>
-          </a:xfrm>
-        </p:spPr>
-      </p:pic>
+      <p:sp>
+        <p:nvSpPr>
+          <p:cNvPr id="5" name="Номер слайда 4"/>
+          <p:cNvSpPr>
+            <a:spLocks noGrp="1"/>
+          </p:cNvSpPr>
+          <p:nvPr>
+            <p:ph type="sldNum" sz="quarter" idx="12"/>
+          </p:nvPr>
+        </p:nvSpPr>
+        <p:spPr/>
+        <p:txBody>
+          <a:bodyPr/>
+          <a:lstStyle/>
+          <a:p>
+            <a:fld id="{D4F4F136-4EF9-4426-A1A9-4E758533A474}" type="slidenum">
+              <a:rPr lang="ru-RU" smtClean="0"/>
+              <a:t>11</a:t>
+            </a:fld>
+            <a:endParaRPr lang="ru-RU"/>
+          </a:p>
+        </p:txBody>
+      </p:sp>
     </p:spTree>
     <p:extLst>
       <p:ext uri="{BB962C8B-B14F-4D97-AF65-F5344CB8AC3E}">
-        <p14:creationId xmlns:p14="http://schemas.microsoft.com/office/powerpoint/2010/main" val="3315475377"/>
+        <p14:creationId xmlns:p14="http://schemas.microsoft.com/office/powerpoint/2010/main" val="1448339129"/>
       </p:ext>
     </p:extLst>
   </p:cSld>
@@ -3588,77 +4156,76 @@
           <a:p>
             <a:r>
               <a:rPr lang="ru-RU" dirty="0" smtClean="0"/>
-              <a:t>Сбор и сохранение данных</a:t>
+              <a:t>Пример </a:t>
+            </a:r>
+            <a:r>
+              <a:rPr lang="en-US" dirty="0" smtClean="0"/>
+              <a:t>JSON-</a:t>
+            </a:r>
+            <a:r>
+              <a:rPr lang="ru-RU" dirty="0" smtClean="0"/>
+              <a:t>файла с данными</a:t>
             </a:r>
             <a:endParaRPr lang="ru-RU" dirty="0"/>
           </a:p>
         </p:txBody>
       </p:sp>
-      <p:sp>
-        <p:nvSpPr>
-          <p:cNvPr id="3" name="Объект 2"/>
-          <p:cNvSpPr>
-            <a:spLocks noGrp="1"/>
-          </p:cNvSpPr>
+      <p:pic>
+        <p:nvPicPr>
+          <p:cNvPr id="4" name="Объект 3"/>
+          <p:cNvPicPr>
+            <a:picLocks noGrp="1" noChangeAspect="1"/>
+          </p:cNvPicPr>
           <p:nvPr>
             <p:ph idx="1"/>
           </p:nvPr>
-        </p:nvSpPr>
-        <p:spPr/>
-        <p:txBody>
-          <a:bodyPr>
-            <a:normAutofit fontScale="92500" lnSpcReduction="10000"/>
-          </a:bodyPr>
-          <a:lstStyle/>
-          <a:p>
-            <a:pPr marL="0" indent="0" algn="just">
-              <a:buNone/>
-            </a:pPr>
-            <a:r>
-              <a:rPr lang="ru-RU" dirty="0" smtClean="0"/>
-              <a:t>	Сбор данных ведётся посредством </a:t>
-            </a:r>
-            <a:r>
-              <a:rPr lang="ru-RU" dirty="0" err="1" smtClean="0"/>
-              <a:t>парсинга</a:t>
-            </a:r>
-            <a:r>
-              <a:rPr lang="ru-RU" dirty="0" smtClean="0"/>
-              <a:t> веб-страницы с торгами. Проверяется, активна ли площадка, и если да, то данные собираются раз в минуту. Иначе – перепроверка через 10 минут.</a:t>
-            </a:r>
-          </a:p>
-          <a:p>
-            <a:pPr marL="0" indent="0" algn="just">
-              <a:buNone/>
-            </a:pPr>
-            <a:r>
-              <a:rPr lang="ru-RU" dirty="0" smtClean="0"/>
-              <a:t>	Как только получена цена акции, она пишется в </a:t>
-            </a:r>
-            <a:r>
-              <a:rPr lang="en-US" dirty="0" smtClean="0"/>
-              <a:t>.</a:t>
-            </a:r>
-            <a:r>
-              <a:rPr lang="en-US" dirty="0" err="1" smtClean="0"/>
-              <a:t>json</a:t>
-            </a:r>
-            <a:r>
-              <a:rPr lang="en-US" dirty="0" smtClean="0"/>
-              <a:t>-</a:t>
-            </a:r>
-            <a:r>
-              <a:rPr lang="ru-RU" dirty="0" smtClean="0"/>
-              <a:t>файл. При последующем запуске приложения файл будет прочитан, данные будут занесены во внутренний	 список для дальнейшей работы с ними.</a:t>
-            </a:r>
-            <a:endParaRPr lang="ru-RU" dirty="0"/>
+        </p:nvPicPr>
+        <p:blipFill>
+          <a:blip r:embed="rId2">
+            <a:extLst>
+              <a:ext uri="{28A0092B-C50C-407E-A947-70E740481C1C}">
+                <a14:useLocalDpi xmlns:a14="http://schemas.microsoft.com/office/drawing/2010/main" val="0"/>
+              </a:ext>
+            </a:extLst>
+          </a:blip>
+          <a:stretch>
+            <a:fillRect/>
+          </a:stretch>
+        </p:blipFill>
+        <p:spPr>
+          <a:xfrm>
+            <a:off x="1763688" y="1495535"/>
+            <a:ext cx="5832648" cy="4917419"/>
+          </a:xfrm>
+        </p:spPr>
+      </p:pic>
+      <p:sp>
+        <p:nvSpPr>
+          <p:cNvPr id="6" name="Номер слайда 5"/>
+          <p:cNvSpPr>
+            <a:spLocks noGrp="1"/>
+          </p:cNvSpPr>
+          <p:nvPr>
+            <p:ph type="sldNum" sz="quarter" idx="12"/>
+          </p:nvPr>
+        </p:nvSpPr>
+        <p:spPr/>
+        <p:txBody>
+          <a:bodyPr/>
+          <a:lstStyle/>
+          <a:p>
+            <a:fld id="{D4F4F136-4EF9-4426-A1A9-4E758533A474}" type="slidenum">
+              <a:rPr lang="ru-RU" smtClean="0"/>
+              <a:t>12</a:t>
+            </a:fld>
+            <a:endParaRPr lang="ru-RU"/>
           </a:p>
         </p:txBody>
       </p:sp>
     </p:spTree>
     <p:extLst>
       <p:ext uri="{BB962C8B-B14F-4D97-AF65-F5344CB8AC3E}">
-        <p14:creationId xmlns:p14="http://schemas.microsoft.com/office/powerpoint/2010/main" val="1448339129"/>
+        <p14:creationId xmlns:p14="http://schemas.microsoft.com/office/powerpoint/2010/main" val="274893344"/>
       </p:ext>
     </p:extLst>
   </p:cSld>
@@ -3702,305 +4269,68 @@
           <a:p>
             <a:r>
               <a:rPr lang="ru-RU" dirty="0" smtClean="0"/>
-              <a:t>Анализ данных</a:t>
+              <a:t>Пример работы приложения</a:t>
             </a:r>
             <a:endParaRPr lang="ru-RU" dirty="0"/>
           </a:p>
         </p:txBody>
       </p:sp>
-      <mc:AlternateContent xmlns:mc="http://schemas.openxmlformats.org/markup-compatibility/2006">
-        <mc:Choice xmlns:a14="http://schemas.microsoft.com/office/drawing/2010/main" Requires="a14">
-          <p:sp>
-            <p:nvSpPr>
-              <p:cNvPr id="3" name="Объект 2"/>
-              <p:cNvSpPr>
-                <a:spLocks noGrp="1"/>
-              </p:cNvSpPr>
-              <p:nvPr>
-                <p:ph idx="1"/>
-              </p:nvPr>
-            </p:nvSpPr>
-            <p:spPr/>
-            <p:txBody>
-              <a:bodyPr>
-                <a:normAutofit fontScale="92500" lnSpcReduction="10000"/>
-              </a:bodyPr>
-              <a:lstStyle/>
-              <a:p>
-                <a:pPr marL="0" indent="0" algn="just">
-                  <a:buNone/>
-                </a:pPr>
-                <a:r>
-                  <a:rPr lang="ru-RU" dirty="0" smtClean="0"/>
-                  <a:t>	В ходе анализа данных методом </a:t>
-                </a:r>
-                <a:r>
-                  <a:rPr lang="ru-RU" u="sng" dirty="0" smtClean="0"/>
-                  <a:t>простого скользящего среднего</a:t>
-                </a:r>
-                <a:r>
-                  <a:rPr lang="ru-RU" dirty="0" smtClean="0"/>
-                  <a:t> используется следующая формула:</a:t>
-                </a:r>
-              </a:p>
-              <a:p>
-                <a:pPr marL="0" indent="0">
-                  <a:buNone/>
-                </a:pPr>
-                <a14:m>
-                  <m:oMathPara xmlns:m="http://schemas.openxmlformats.org/officeDocument/2006/math">
-                    <m:oMathParaPr>
-                      <m:jc m:val="centerGroup"/>
-                    </m:oMathParaPr>
-                    <m:oMath xmlns:m="http://schemas.openxmlformats.org/officeDocument/2006/math">
-                      <m:sSub>
-                        <m:sSubPr>
-                          <m:ctrlPr>
-                            <a:rPr lang="en-US" b="0" i="1" smtClean="0">
-                              <a:latin typeface="Cambria Math"/>
-                            </a:rPr>
-                          </m:ctrlPr>
-                        </m:sSubPr>
-                        <m:e>
-                          <m:r>
-                            <a:rPr lang="en-US" b="0" i="1" smtClean="0">
-                              <a:latin typeface="Cambria Math"/>
-                            </a:rPr>
-                            <m:t>𝑋</m:t>
-                          </m:r>
-                        </m:e>
-                        <m:sub>
-                          <m:r>
-                            <a:rPr lang="en-US" b="0" i="1" smtClean="0">
-                              <a:latin typeface="Cambria Math"/>
-                            </a:rPr>
-                            <m:t>𝑛</m:t>
-                          </m:r>
-                          <m:r>
-                            <a:rPr lang="en-US" b="0" i="1" smtClean="0">
-                              <a:latin typeface="Cambria Math"/>
-                            </a:rPr>
-                            <m:t>+1</m:t>
-                          </m:r>
-                        </m:sub>
-                      </m:sSub>
-                      <m:r>
-                        <a:rPr lang="en-US" b="0" i="1" smtClean="0">
-                          <a:latin typeface="Cambria Math"/>
-                        </a:rPr>
-                        <m:t>=</m:t>
-                      </m:r>
-                      <m:f>
-                        <m:fPr>
-                          <m:ctrlPr>
-                            <a:rPr lang="en-US" b="0" i="1" smtClean="0">
-                              <a:latin typeface="Cambria Math"/>
-                            </a:rPr>
-                          </m:ctrlPr>
-                        </m:fPr>
-                        <m:num>
-                          <m:r>
-                            <a:rPr lang="en-US" b="0" i="1" smtClean="0">
-                              <a:latin typeface="Cambria Math"/>
-                            </a:rPr>
-                            <m:t>1</m:t>
-                          </m:r>
-                        </m:num>
-                        <m:den>
-                          <m:r>
-                            <a:rPr lang="en-US" b="0" i="1" smtClean="0">
-                              <a:latin typeface="Cambria Math"/>
-                            </a:rPr>
-                            <m:t>𝑝</m:t>
-                          </m:r>
-                        </m:den>
-                      </m:f>
-                      <m:nary>
-                        <m:naryPr>
-                          <m:chr m:val="∑"/>
-                          <m:ctrlPr>
-                            <a:rPr lang="en-US" b="0" i="1" smtClean="0">
-                              <a:latin typeface="Cambria Math"/>
-                            </a:rPr>
-                          </m:ctrlPr>
-                        </m:naryPr>
-                        <m:sub>
-                          <m:r>
-                            <m:rPr>
-                              <m:brk m:alnAt="23"/>
-                            </m:rPr>
-                            <a:rPr lang="en-US" b="0" i="1" smtClean="0">
-                              <a:latin typeface="Cambria Math"/>
-                            </a:rPr>
-                            <m:t>𝑖</m:t>
-                          </m:r>
-                          <m:r>
-                            <a:rPr lang="en-US" b="0" i="1" smtClean="0">
-                              <a:latin typeface="Cambria Math"/>
-                            </a:rPr>
-                            <m:t>=</m:t>
-                          </m:r>
-                          <m:r>
-                            <a:rPr lang="en-US" b="0" i="1" smtClean="0">
-                              <a:latin typeface="Cambria Math"/>
-                            </a:rPr>
-                            <m:t>𝑛</m:t>
-                          </m:r>
-                          <m:r>
-                            <a:rPr lang="en-US" b="0" i="1" smtClean="0">
-                              <a:latin typeface="Cambria Math"/>
-                            </a:rPr>
-                            <m:t>−</m:t>
-                          </m:r>
-                          <m:r>
-                            <a:rPr lang="en-US" b="0" i="1" smtClean="0">
-                              <a:latin typeface="Cambria Math"/>
-                            </a:rPr>
-                            <m:t>𝑝</m:t>
-                          </m:r>
-                        </m:sub>
-                        <m:sup>
-                          <m:r>
-                            <a:rPr lang="en-US" b="0" i="1" smtClean="0">
-                              <a:latin typeface="Cambria Math"/>
-                            </a:rPr>
-                            <m:t>𝑝</m:t>
-                          </m:r>
-                        </m:sup>
-                        <m:e>
-                          <m:sSub>
-                            <m:sSubPr>
-                              <m:ctrlPr>
-                                <a:rPr lang="en-US" b="0" i="1" smtClean="0">
-                                  <a:latin typeface="Cambria Math"/>
-                                </a:rPr>
-                              </m:ctrlPr>
-                            </m:sSubPr>
-                            <m:e>
-                              <m:r>
-                                <a:rPr lang="en-US" b="0" i="1" smtClean="0">
-                                  <a:latin typeface="Cambria Math"/>
-                                </a:rPr>
-                                <m:t>𝑋</m:t>
-                              </m:r>
-                            </m:e>
-                            <m:sub>
-                              <m:r>
-                                <a:rPr lang="en-US" b="0" i="1" smtClean="0">
-                                  <a:latin typeface="Cambria Math"/>
-                                </a:rPr>
-                                <m:t>𝑖</m:t>
-                              </m:r>
-                            </m:sub>
-                          </m:sSub>
-                        </m:e>
-                      </m:nary>
-                      <m:r>
-                        <a:rPr lang="ru-RU" b="0" i="1" smtClean="0">
-                          <a:latin typeface="Cambria Math"/>
-                        </a:rPr>
-                        <m:t>,</m:t>
-                      </m:r>
-                    </m:oMath>
-                  </m:oMathPara>
-                </a14:m>
-                <a:endParaRPr lang="ru-RU" dirty="0" smtClean="0"/>
-              </a:p>
-              <a:p>
-                <a:pPr marL="0" indent="0" algn="just">
-                  <a:buNone/>
-                </a:pPr>
-                <a:r>
-                  <a:rPr lang="ru-RU" dirty="0" smtClean="0"/>
-                  <a:t>где</a:t>
-                </a:r>
-                <a:r>
-                  <a:rPr lang="en-US" dirty="0" smtClean="0"/>
-                  <a:t> </a:t>
-                </a:r>
-                <a:r>
-                  <a:rPr lang="en-US" i="1" dirty="0" smtClean="0"/>
-                  <a:t>p</a:t>
-                </a:r>
-                <a:r>
-                  <a:rPr lang="en-US" dirty="0" smtClean="0"/>
-                  <a:t> – </a:t>
-                </a:r>
-                <a:r>
-                  <a:rPr lang="ru-RU" dirty="0" smtClean="0"/>
-                  <a:t>величина «окна», </a:t>
-                </a:r>
-                <a:r>
-                  <a:rPr lang="en-US" i="1" dirty="0" smtClean="0"/>
-                  <a:t>n – </a:t>
-                </a:r>
-                <a:r>
-                  <a:rPr lang="ru-RU" dirty="0" smtClean="0"/>
-                  <a:t>количество значений в выборке, </a:t>
-                </a:r>
-                <a:r>
-                  <a:rPr lang="en-US" i="1" dirty="0" smtClean="0"/>
-                  <a:t>X – </a:t>
-                </a:r>
-                <a:r>
-                  <a:rPr lang="ru-RU" dirty="0" smtClean="0"/>
-                  <a:t>значения ряда.</a:t>
-                </a:r>
-              </a:p>
-              <a:p>
-                <a:pPr marL="0" indent="0" algn="just">
-                  <a:buNone/>
-                </a:pPr>
-                <a:r>
-                  <a:rPr lang="ru-RU" dirty="0"/>
-                  <a:t>	</a:t>
-                </a:r>
-                <a:r>
-                  <a:rPr lang="ru-RU" dirty="0" smtClean="0"/>
-                  <a:t>Этот же метод используется для прогнозирования значений.</a:t>
-                </a:r>
-              </a:p>
-            </p:txBody>
-          </p:sp>
-        </mc:Choice>
-        <mc:Fallback>
-          <p:sp>
-            <p:nvSpPr>
-              <p:cNvPr id="3" name="Объект 2"/>
-              <p:cNvSpPr>
-                <a:spLocks noGrp="1" noRot="1" noChangeAspect="1" noMove="1" noResize="1" noEditPoints="1" noAdjustHandles="1" noChangeArrowheads="1" noChangeShapeType="1" noTextEdit="1"/>
-              </p:cNvSpPr>
-              <p:nvPr>
-                <p:ph idx="1"/>
-              </p:nvPr>
-            </p:nvSpPr>
-            <p:spPr>
-              <a:blipFill rotWithShape="1">
-                <a:blip r:embed="rId2"/>
-                <a:stretch>
-                  <a:fillRect l="-1704" t="-2695" r="-1704" b="-2561"/>
-                </a:stretch>
-              </a:blipFill>
-            </p:spPr>
-            <p:txBody>
-              <a:bodyPr/>
-              <a:lstStyle/>
-              <a:p>
-                <a:r>
-                  <a:rPr lang="ru-RU">
-                    <a:noFill/>
-                  </a:rPr>
-                  <a:t> </a:t>
-                </a:r>
-              </a:p>
-            </p:txBody>
-          </p:sp>
-        </mc:Fallback>
-      </mc:AlternateContent>
+      <p:pic>
+        <p:nvPicPr>
+          <p:cNvPr id="6" name="Объект 5"/>
+          <p:cNvPicPr>
+            <a:picLocks noGrp="1" noChangeAspect="1"/>
+          </p:cNvPicPr>
+          <p:nvPr>
+            <p:ph idx="1"/>
+          </p:nvPr>
+        </p:nvPicPr>
+        <p:blipFill>
+          <a:blip r:embed="rId2">
+            <a:extLst>
+              <a:ext uri="{28A0092B-C50C-407E-A947-70E740481C1C}">
+                <a14:useLocalDpi xmlns:a14="http://schemas.microsoft.com/office/drawing/2010/main" val="0"/>
+              </a:ext>
+            </a:extLst>
+          </a:blip>
+          <a:stretch>
+            <a:fillRect/>
+          </a:stretch>
+        </p:blipFill>
+        <p:spPr>
+          <a:xfrm>
+            <a:off x="457200" y="1812383"/>
+            <a:ext cx="8229600" cy="4101597"/>
+          </a:xfrm>
+        </p:spPr>
+      </p:pic>
+      <p:sp>
+        <p:nvSpPr>
+          <p:cNvPr id="4" name="Номер слайда 3"/>
+          <p:cNvSpPr>
+            <a:spLocks noGrp="1"/>
+          </p:cNvSpPr>
+          <p:nvPr>
+            <p:ph type="sldNum" sz="quarter" idx="12"/>
+          </p:nvPr>
+        </p:nvSpPr>
+        <p:spPr/>
+        <p:txBody>
+          <a:bodyPr/>
+          <a:lstStyle/>
+          <a:p>
+            <a:fld id="{D4F4F136-4EF9-4426-A1A9-4E758533A474}" type="slidenum">
+              <a:rPr lang="ru-RU" smtClean="0"/>
+              <a:t>13</a:t>
+            </a:fld>
+            <a:endParaRPr lang="ru-RU"/>
+          </a:p>
+        </p:txBody>
+      </p:sp>
     </p:spTree>
     <p:extLst>
       <p:ext uri="{BB962C8B-B14F-4D97-AF65-F5344CB8AC3E}">
-        <p14:creationId xmlns:p14="http://schemas.microsoft.com/office/powerpoint/2010/main" val="4110338960"/>
+        <p14:creationId xmlns:p14="http://schemas.microsoft.com/office/powerpoint/2010/main" val="4236014341"/>
       </p:ext>
     </p:extLst>
   </p:cSld>
@@ -4044,7 +4374,1226 @@
           <a:p>
             <a:r>
               <a:rPr lang="ru-RU" dirty="0" smtClean="0"/>
-              <a:t>Анализ данных</a:t>
+              <a:t>Заключение</a:t>
+            </a:r>
+            <a:endParaRPr lang="ru-RU" dirty="0"/>
+          </a:p>
+        </p:txBody>
+      </p:sp>
+      <p:sp>
+        <p:nvSpPr>
+          <p:cNvPr id="3" name="Объект 2"/>
+          <p:cNvSpPr>
+            <a:spLocks noGrp="1"/>
+          </p:cNvSpPr>
+          <p:nvPr>
+            <p:ph idx="1"/>
+          </p:nvPr>
+        </p:nvSpPr>
+        <p:spPr/>
+        <p:txBody>
+          <a:bodyPr>
+            <a:normAutofit fontScale="85000" lnSpcReduction="20000"/>
+          </a:bodyPr>
+          <a:lstStyle/>
+          <a:p>
+            <a:pPr marL="0" indent="0" algn="just">
+              <a:buNone/>
+            </a:pPr>
+            <a:r>
+              <a:rPr lang="ru-RU" dirty="0"/>
+              <a:t>	</a:t>
+            </a:r>
+            <a:r>
+              <a:rPr lang="ru-RU" dirty="0" smtClean="0"/>
+              <a:t>В результате выполнения работы было построено приложение, способное:</a:t>
+            </a:r>
+          </a:p>
+          <a:p>
+            <a:pPr algn="just"/>
+            <a:r>
+              <a:rPr lang="ru-RU" dirty="0" smtClean="0"/>
+              <a:t> автономно выполнять поиск значений акций посредством </a:t>
+            </a:r>
+            <a:r>
+              <a:rPr lang="ru-RU" dirty="0" err="1" smtClean="0"/>
+              <a:t>парсинга</a:t>
+            </a:r>
+            <a:r>
+              <a:rPr lang="ru-RU" dirty="0" smtClean="0"/>
+              <a:t> веб-страницы;</a:t>
+            </a:r>
+          </a:p>
+          <a:p>
+            <a:pPr algn="just"/>
+            <a:r>
+              <a:rPr lang="ru-RU" dirty="0" smtClean="0"/>
+              <a:t>записывать сохранённые результаты в файл и читать их в дальнейшем;</a:t>
+            </a:r>
+          </a:p>
+          <a:p>
+            <a:pPr algn="just"/>
+            <a:r>
+              <a:rPr lang="ru-RU" dirty="0" smtClean="0"/>
+              <a:t>проводить анализ собранных данных и строить прогноз на их основе;</a:t>
+            </a:r>
+          </a:p>
+          <a:p>
+            <a:pPr algn="just"/>
+            <a:r>
+              <a:rPr lang="ru-RU" dirty="0" smtClean="0"/>
+              <a:t>выводить результаты анализа и прогноза на график.</a:t>
+            </a:r>
+          </a:p>
+          <a:p>
+            <a:pPr marL="0" indent="0" algn="just">
+              <a:buNone/>
+            </a:pPr>
+            <a:r>
+              <a:rPr lang="ru-RU" dirty="0" smtClean="0"/>
+              <a:t>	Таким образом, все цели и задачи были достигнуты.</a:t>
+            </a:r>
+            <a:endParaRPr lang="ru-RU" dirty="0"/>
+          </a:p>
+        </p:txBody>
+      </p:sp>
+      <p:sp>
+        <p:nvSpPr>
+          <p:cNvPr id="5" name="Номер слайда 4"/>
+          <p:cNvSpPr>
+            <a:spLocks noGrp="1"/>
+          </p:cNvSpPr>
+          <p:nvPr>
+            <p:ph type="sldNum" sz="quarter" idx="12"/>
+          </p:nvPr>
+        </p:nvSpPr>
+        <p:spPr/>
+        <p:txBody>
+          <a:bodyPr/>
+          <a:lstStyle/>
+          <a:p>
+            <a:fld id="{D4F4F136-4EF9-4426-A1A9-4E758533A474}" type="slidenum">
+              <a:rPr lang="ru-RU" smtClean="0"/>
+              <a:t>14</a:t>
+            </a:fld>
+            <a:endParaRPr lang="ru-RU"/>
+          </a:p>
+        </p:txBody>
+      </p:sp>
+    </p:spTree>
+    <p:extLst>
+      <p:ext uri="{BB962C8B-B14F-4D97-AF65-F5344CB8AC3E}">
+        <p14:creationId xmlns:p14="http://schemas.microsoft.com/office/powerpoint/2010/main" val="2124593734"/>
+      </p:ext>
+    </p:extLst>
+  </p:cSld>
+  <p:clrMapOvr>
+    <a:masterClrMapping/>
+  </p:clrMapOvr>
+</p:sld>
+</file>
+
+<file path=ppt/slides/slide2.xml><?xml version="1.0" encoding="utf-8"?>
+<p:sld xmlns:a="http://schemas.openxmlformats.org/drawingml/2006/main" xmlns:r="http://schemas.openxmlformats.org/officeDocument/2006/relationships" xmlns:p="http://schemas.openxmlformats.org/presentationml/2006/main">
+  <p:cSld>
+    <p:spTree>
+      <p:nvGrpSpPr>
+        <p:cNvPr id="1" name=""/>
+        <p:cNvGrpSpPr/>
+        <p:nvPr/>
+      </p:nvGrpSpPr>
+      <p:grpSpPr>
+        <a:xfrm>
+          <a:off x="0" y="0"/>
+          <a:ext cx="0" cy="0"/>
+          <a:chOff x="0" y="0"/>
+          <a:chExt cx="0" cy="0"/>
+        </a:xfrm>
+      </p:grpSpPr>
+      <p:sp>
+        <p:nvSpPr>
+          <p:cNvPr id="2" name="Заголовок 1"/>
+          <p:cNvSpPr>
+            <a:spLocks noGrp="1"/>
+          </p:cNvSpPr>
+          <p:nvPr>
+            <p:ph type="title"/>
+          </p:nvPr>
+        </p:nvSpPr>
+        <p:spPr/>
+        <p:txBody>
+          <a:bodyPr/>
+          <a:lstStyle/>
+          <a:p>
+            <a:r>
+              <a:rPr lang="ru-RU" dirty="0" smtClean="0"/>
+              <a:t>Содержание работы</a:t>
+            </a:r>
+            <a:endParaRPr lang="ru-RU" dirty="0"/>
+          </a:p>
+        </p:txBody>
+      </p:sp>
+      <p:sp>
+        <p:nvSpPr>
+          <p:cNvPr id="4" name="TextBox 3"/>
+          <p:cNvSpPr txBox="1"/>
+          <p:nvPr/>
+        </p:nvSpPr>
+        <p:spPr>
+          <a:xfrm>
+            <a:off x="395536" y="1988840"/>
+            <a:ext cx="8424936" cy="4832092"/>
+          </a:xfrm>
+          <a:prstGeom prst="rect">
+            <a:avLst/>
+          </a:prstGeom>
+          <a:noFill/>
+        </p:spPr>
+        <p:txBody>
+          <a:bodyPr wrap="square" rtlCol="0">
+            <a:spAutoFit/>
+          </a:bodyPr>
+          <a:lstStyle/>
+          <a:p>
+            <a:pPr algn="just"/>
+            <a:r>
+              <a:rPr lang="ru-RU" sz="2800" dirty="0" smtClean="0"/>
+              <a:t>	Работа посвящена автоматизированному сбору цен на акции «</a:t>
+            </a:r>
+            <a:r>
+              <a:rPr lang="en-US" sz="2800" dirty="0" smtClean="0"/>
+              <a:t>Samsung</a:t>
+            </a:r>
+            <a:r>
+              <a:rPr lang="ru-RU" sz="2800" dirty="0" smtClean="0"/>
+              <a:t> </a:t>
+            </a:r>
+            <a:r>
+              <a:rPr lang="en-US" sz="2800" dirty="0" smtClean="0"/>
+              <a:t>Electronics Co.</a:t>
+            </a:r>
+            <a:r>
+              <a:rPr lang="ru-RU" sz="2800" dirty="0" smtClean="0"/>
+              <a:t>» и последующему анализу и прогнозированию полученного временного ряда</a:t>
+            </a:r>
+            <a:r>
+              <a:rPr lang="ru-RU" sz="2800" dirty="0" smtClean="0"/>
+              <a:t>.</a:t>
+            </a:r>
+            <a:endParaRPr lang="en-US" sz="2800" dirty="0" smtClean="0"/>
+          </a:p>
+          <a:p>
+            <a:pPr algn="just"/>
+            <a:endParaRPr lang="en-US" sz="2800" dirty="0"/>
+          </a:p>
+          <a:p>
+            <a:pPr algn="just"/>
+            <a:endParaRPr lang="en-US" sz="2800" dirty="0" smtClean="0"/>
+          </a:p>
+          <a:p>
+            <a:pPr algn="just"/>
+            <a:endParaRPr lang="en-US" sz="2800" dirty="0"/>
+          </a:p>
+          <a:p>
+            <a:pPr algn="just"/>
+            <a:endParaRPr lang="en-US" sz="2800" dirty="0" smtClean="0"/>
+          </a:p>
+          <a:p>
+            <a:pPr algn="just"/>
+            <a:endParaRPr lang="en-US" sz="2800" dirty="0"/>
+          </a:p>
+          <a:p>
+            <a:pPr algn="ctr"/>
+            <a:endParaRPr lang="en-US" sz="2800" dirty="0" smtClean="0"/>
+          </a:p>
+          <a:p>
+            <a:pPr algn="ctr"/>
+            <a:endParaRPr lang="ru-RU" sz="1600" dirty="0"/>
+          </a:p>
+        </p:txBody>
+      </p:sp>
+      <p:sp>
+        <p:nvSpPr>
+          <p:cNvPr id="5" name="Номер слайда 4"/>
+          <p:cNvSpPr>
+            <a:spLocks noGrp="1"/>
+          </p:cNvSpPr>
+          <p:nvPr>
+            <p:ph type="sldNum" sz="quarter" idx="12"/>
+          </p:nvPr>
+        </p:nvSpPr>
+        <p:spPr/>
+        <p:txBody>
+          <a:bodyPr/>
+          <a:lstStyle/>
+          <a:p>
+            <a:fld id="{D4F4F136-4EF9-4426-A1A9-4E758533A474}" type="slidenum">
+              <a:rPr lang="ru-RU" smtClean="0"/>
+              <a:t>2</a:t>
+            </a:fld>
+            <a:endParaRPr lang="ru-RU"/>
+          </a:p>
+        </p:txBody>
+      </p:sp>
+    </p:spTree>
+    <p:extLst>
+      <p:ext uri="{BB962C8B-B14F-4D97-AF65-F5344CB8AC3E}">
+        <p14:creationId xmlns:p14="http://schemas.microsoft.com/office/powerpoint/2010/main" val="2861991348"/>
+      </p:ext>
+    </p:extLst>
+  </p:cSld>
+  <p:clrMapOvr>
+    <a:masterClrMapping/>
+  </p:clrMapOvr>
+</p:sld>
+</file>
+
+<file path=ppt/slides/slide3.xml><?xml version="1.0" encoding="utf-8"?>
+<p:sld xmlns:a="http://schemas.openxmlformats.org/drawingml/2006/main" xmlns:r="http://schemas.openxmlformats.org/officeDocument/2006/relationships" xmlns:p="http://schemas.openxmlformats.org/presentationml/2006/main">
+  <p:cSld>
+    <p:spTree>
+      <p:nvGrpSpPr>
+        <p:cNvPr id="1" name=""/>
+        <p:cNvGrpSpPr/>
+        <p:nvPr/>
+      </p:nvGrpSpPr>
+      <p:grpSpPr>
+        <a:xfrm>
+          <a:off x="0" y="0"/>
+          <a:ext cx="0" cy="0"/>
+          <a:chOff x="0" y="0"/>
+          <a:chExt cx="0" cy="0"/>
+        </a:xfrm>
+      </p:grpSpPr>
+      <p:sp>
+        <p:nvSpPr>
+          <p:cNvPr id="2" name="Заголовок 1"/>
+          <p:cNvSpPr>
+            <a:spLocks noGrp="1"/>
+          </p:cNvSpPr>
+          <p:nvPr>
+            <p:ph type="title"/>
+          </p:nvPr>
+        </p:nvSpPr>
+        <p:spPr/>
+        <p:txBody>
+          <a:bodyPr/>
+          <a:lstStyle/>
+          <a:p>
+            <a:r>
+              <a:rPr lang="ru-RU" dirty="0" smtClean="0"/>
+              <a:t>Цель </a:t>
+            </a:r>
+            <a:r>
+              <a:rPr lang="ru-RU" dirty="0" smtClean="0"/>
+              <a:t>работы</a:t>
+            </a:r>
+            <a:endParaRPr lang="ru-RU" dirty="0"/>
+          </a:p>
+        </p:txBody>
+      </p:sp>
+      <p:sp>
+        <p:nvSpPr>
+          <p:cNvPr id="3" name="Объект 2"/>
+          <p:cNvSpPr>
+            <a:spLocks noGrp="1"/>
+          </p:cNvSpPr>
+          <p:nvPr>
+            <p:ph idx="1"/>
+          </p:nvPr>
+        </p:nvSpPr>
+        <p:spPr>
+          <a:xfrm>
+            <a:off x="457200" y="1600200"/>
+            <a:ext cx="8229600" cy="4997152"/>
+          </a:xfrm>
+        </p:spPr>
+        <p:txBody>
+          <a:bodyPr>
+            <a:normAutofit/>
+          </a:bodyPr>
+          <a:lstStyle/>
+          <a:p>
+            <a:pPr marL="0" indent="0" algn="just">
+              <a:buNone/>
+            </a:pPr>
+            <a:r>
+              <a:rPr lang="ru-RU" dirty="0" smtClean="0"/>
+              <a:t>	Исследование </a:t>
+            </a:r>
+            <a:r>
+              <a:rPr lang="ru-RU" dirty="0" smtClean="0"/>
+              <a:t>методов анализа и прогнозирования временных рядов, применение полученных знаний на </a:t>
+            </a:r>
+            <a:r>
+              <a:rPr lang="ru-RU" dirty="0" smtClean="0"/>
+              <a:t>практике, сбор </a:t>
+            </a:r>
+            <a:r>
+              <a:rPr lang="ru-RU" dirty="0" smtClean="0"/>
+              <a:t>данных о стоимости акций в реальном </a:t>
+            </a:r>
+            <a:r>
+              <a:rPr lang="ru-RU" dirty="0" smtClean="0"/>
+              <a:t>времени, а также анализ </a:t>
+            </a:r>
+            <a:r>
+              <a:rPr lang="ru-RU" dirty="0" smtClean="0"/>
+              <a:t>и прогнозирование полученного ряда с помощью исследованных </a:t>
+            </a:r>
+            <a:r>
+              <a:rPr lang="ru-RU" dirty="0" smtClean="0"/>
+              <a:t>методов.</a:t>
+            </a:r>
+            <a:endParaRPr lang="en-US" dirty="0" smtClean="0"/>
+          </a:p>
+          <a:p>
+            <a:pPr marL="0" indent="0" algn="just">
+              <a:buNone/>
+            </a:pPr>
+            <a:endParaRPr lang="en-US" dirty="0" smtClean="0"/>
+          </a:p>
+          <a:p>
+            <a:pPr marL="0" indent="0" algn="ctr">
+              <a:buNone/>
+            </a:pPr>
+            <a:endParaRPr lang="en-US" dirty="0" smtClean="0"/>
+          </a:p>
+          <a:p>
+            <a:pPr marL="0" indent="0" algn="ctr">
+              <a:buNone/>
+            </a:pPr>
+            <a:endParaRPr lang="en-US" sz="1800" dirty="0" smtClean="0"/>
+          </a:p>
+        </p:txBody>
+      </p:sp>
+      <p:sp>
+        <p:nvSpPr>
+          <p:cNvPr id="5" name="Номер слайда 4"/>
+          <p:cNvSpPr>
+            <a:spLocks noGrp="1"/>
+          </p:cNvSpPr>
+          <p:nvPr>
+            <p:ph type="sldNum" sz="quarter" idx="12"/>
+          </p:nvPr>
+        </p:nvSpPr>
+        <p:spPr/>
+        <p:txBody>
+          <a:bodyPr/>
+          <a:lstStyle/>
+          <a:p>
+            <a:fld id="{D4F4F136-4EF9-4426-A1A9-4E758533A474}" type="slidenum">
+              <a:rPr lang="ru-RU" smtClean="0"/>
+              <a:t>3</a:t>
+            </a:fld>
+            <a:endParaRPr lang="ru-RU"/>
+          </a:p>
+        </p:txBody>
+      </p:sp>
+    </p:spTree>
+    <p:extLst>
+      <p:ext uri="{BB962C8B-B14F-4D97-AF65-F5344CB8AC3E}">
+        <p14:creationId xmlns:p14="http://schemas.microsoft.com/office/powerpoint/2010/main" val="994191475"/>
+      </p:ext>
+    </p:extLst>
+  </p:cSld>
+  <p:clrMapOvr>
+    <a:masterClrMapping/>
+  </p:clrMapOvr>
+</p:sld>
+</file>
+
+<file path=ppt/slides/slide4.xml><?xml version="1.0" encoding="utf-8"?>
+<p:sld xmlns:a="http://schemas.openxmlformats.org/drawingml/2006/main" xmlns:r="http://schemas.openxmlformats.org/officeDocument/2006/relationships" xmlns:p="http://schemas.openxmlformats.org/presentationml/2006/main">
+  <p:cSld>
+    <p:spTree>
+      <p:nvGrpSpPr>
+        <p:cNvPr id="1" name=""/>
+        <p:cNvGrpSpPr/>
+        <p:nvPr/>
+      </p:nvGrpSpPr>
+      <p:grpSpPr>
+        <a:xfrm>
+          <a:off x="0" y="0"/>
+          <a:ext cx="0" cy="0"/>
+          <a:chOff x="0" y="0"/>
+          <a:chExt cx="0" cy="0"/>
+        </a:xfrm>
+      </p:grpSpPr>
+      <p:sp>
+        <p:nvSpPr>
+          <p:cNvPr id="2" name="Заголовок 1"/>
+          <p:cNvSpPr>
+            <a:spLocks noGrp="1"/>
+          </p:cNvSpPr>
+          <p:nvPr>
+            <p:ph type="title"/>
+          </p:nvPr>
+        </p:nvSpPr>
+        <p:spPr/>
+        <p:txBody>
+          <a:bodyPr/>
+          <a:lstStyle/>
+          <a:p>
+            <a:r>
+              <a:rPr lang="ru-RU" dirty="0" smtClean="0"/>
+              <a:t>Задачи</a:t>
+            </a:r>
+            <a:endParaRPr lang="ru-RU" dirty="0"/>
+          </a:p>
+        </p:txBody>
+      </p:sp>
+      <p:sp>
+        <p:nvSpPr>
+          <p:cNvPr id="3" name="Объект 2"/>
+          <p:cNvSpPr>
+            <a:spLocks noGrp="1"/>
+          </p:cNvSpPr>
+          <p:nvPr>
+            <p:ph idx="1"/>
+          </p:nvPr>
+        </p:nvSpPr>
+        <p:spPr>
+          <a:xfrm>
+            <a:off x="457200" y="1600200"/>
+            <a:ext cx="8229600" cy="4997152"/>
+          </a:xfrm>
+        </p:spPr>
+        <p:txBody>
+          <a:bodyPr>
+            <a:normAutofit/>
+          </a:bodyPr>
+          <a:lstStyle/>
+          <a:p>
+            <a:r>
+              <a:rPr lang="ru-RU" dirty="0" smtClean="0"/>
+              <a:t>Провести обзор предметной области</a:t>
+            </a:r>
+          </a:p>
+          <a:p>
+            <a:r>
+              <a:rPr lang="ru-RU" dirty="0" smtClean="0"/>
+              <a:t>Выбрать используемые методы</a:t>
+            </a:r>
+          </a:p>
+          <a:p>
+            <a:r>
+              <a:rPr lang="ru-RU" dirty="0" smtClean="0"/>
+              <a:t>Реализовать методы программно</a:t>
+            </a:r>
+          </a:p>
+          <a:p>
+            <a:r>
+              <a:rPr lang="ru-RU" dirty="0" smtClean="0"/>
+              <a:t>Реализовать в полученном приложении пользовательский интерфейс</a:t>
+            </a:r>
+          </a:p>
+          <a:p>
+            <a:r>
+              <a:rPr lang="ru-RU" dirty="0" smtClean="0"/>
+              <a:t>Реализовать автоматизированный сбор </a:t>
+            </a:r>
+            <a:r>
+              <a:rPr lang="ru-RU" dirty="0" smtClean="0"/>
+              <a:t>данных</a:t>
+            </a:r>
+            <a:endParaRPr lang="en-US" dirty="0" smtClean="0"/>
+          </a:p>
+          <a:p>
+            <a:pPr marL="0" indent="0" algn="ctr">
+              <a:buNone/>
+            </a:pPr>
+            <a:endParaRPr lang="en-US" sz="1800" dirty="0" smtClean="0"/>
+          </a:p>
+          <a:p>
+            <a:pPr marL="0" indent="0" algn="ctr">
+              <a:buNone/>
+            </a:pPr>
+            <a:endParaRPr lang="en-US" sz="1800" dirty="0"/>
+          </a:p>
+          <a:p>
+            <a:pPr marL="0" indent="0" algn="ctr">
+              <a:buNone/>
+            </a:pPr>
+            <a:endParaRPr lang="ru-RU" sz="1800" dirty="0"/>
+          </a:p>
+        </p:txBody>
+      </p:sp>
+      <p:sp>
+        <p:nvSpPr>
+          <p:cNvPr id="5" name="Номер слайда 4"/>
+          <p:cNvSpPr>
+            <a:spLocks noGrp="1"/>
+          </p:cNvSpPr>
+          <p:nvPr>
+            <p:ph type="sldNum" sz="quarter" idx="12"/>
+          </p:nvPr>
+        </p:nvSpPr>
+        <p:spPr/>
+        <p:txBody>
+          <a:bodyPr/>
+          <a:lstStyle/>
+          <a:p>
+            <a:fld id="{D4F4F136-4EF9-4426-A1A9-4E758533A474}" type="slidenum">
+              <a:rPr lang="ru-RU" smtClean="0"/>
+              <a:t>4</a:t>
+            </a:fld>
+            <a:endParaRPr lang="ru-RU"/>
+          </a:p>
+        </p:txBody>
+      </p:sp>
+    </p:spTree>
+    <p:extLst>
+      <p:ext uri="{BB962C8B-B14F-4D97-AF65-F5344CB8AC3E}">
+        <p14:creationId xmlns:p14="http://schemas.microsoft.com/office/powerpoint/2010/main" val="1979472986"/>
+      </p:ext>
+    </p:extLst>
+  </p:cSld>
+  <p:clrMapOvr>
+    <a:masterClrMapping/>
+  </p:clrMapOvr>
+</p:sld>
+</file>
+
+<file path=ppt/slides/slide5.xml><?xml version="1.0" encoding="utf-8"?>
+<p:sld xmlns:a="http://schemas.openxmlformats.org/drawingml/2006/main" xmlns:r="http://schemas.openxmlformats.org/officeDocument/2006/relationships" xmlns:p="http://schemas.openxmlformats.org/presentationml/2006/main">
+  <p:cSld>
+    <p:spTree>
+      <p:nvGrpSpPr>
+        <p:cNvPr id="1" name=""/>
+        <p:cNvGrpSpPr/>
+        <p:nvPr/>
+      </p:nvGrpSpPr>
+      <p:grpSpPr>
+        <a:xfrm>
+          <a:off x="0" y="0"/>
+          <a:ext cx="0" cy="0"/>
+          <a:chOff x="0" y="0"/>
+          <a:chExt cx="0" cy="0"/>
+        </a:xfrm>
+      </p:grpSpPr>
+      <p:sp>
+        <p:nvSpPr>
+          <p:cNvPr id="2" name="Заголовок 1"/>
+          <p:cNvSpPr>
+            <a:spLocks noGrp="1"/>
+          </p:cNvSpPr>
+          <p:nvPr>
+            <p:ph type="title"/>
+          </p:nvPr>
+        </p:nvSpPr>
+        <p:spPr/>
+        <p:txBody>
+          <a:bodyPr/>
+          <a:lstStyle/>
+          <a:p>
+            <a:r>
+              <a:rPr lang="ru-RU" dirty="0" smtClean="0"/>
+              <a:t>Общая информация</a:t>
+            </a:r>
+            <a:endParaRPr lang="ru-RU" dirty="0"/>
+          </a:p>
+        </p:txBody>
+      </p:sp>
+      <p:sp>
+        <p:nvSpPr>
+          <p:cNvPr id="3" name="Объект 2"/>
+          <p:cNvSpPr>
+            <a:spLocks noGrp="1"/>
+          </p:cNvSpPr>
+          <p:nvPr>
+            <p:ph idx="1"/>
+          </p:nvPr>
+        </p:nvSpPr>
+        <p:spPr>
+          <a:xfrm>
+            <a:off x="457200" y="1600200"/>
+            <a:ext cx="8229600" cy="5069160"/>
+          </a:xfrm>
+        </p:spPr>
+        <p:txBody>
+          <a:bodyPr>
+            <a:normAutofit fontScale="70000" lnSpcReduction="20000"/>
+          </a:bodyPr>
+          <a:lstStyle/>
+          <a:p>
+            <a:pPr marL="0" indent="0" algn="just">
+              <a:buNone/>
+            </a:pPr>
+            <a:r>
+              <a:rPr lang="ru-RU" dirty="0" smtClean="0"/>
+              <a:t>	</a:t>
+            </a:r>
+            <a:r>
+              <a:rPr lang="ru-RU" sz="3400" dirty="0" smtClean="0"/>
+              <a:t>На текущий момент большая доля рынка представлена акциями, цены на которые меняются часто</a:t>
+            </a:r>
+            <a:r>
+              <a:rPr lang="ru-RU" sz="3400" dirty="0" smtClean="0"/>
+              <a:t>.</a:t>
+            </a:r>
+          </a:p>
+          <a:p>
+            <a:pPr marL="0" indent="0" algn="just">
+              <a:buNone/>
+            </a:pPr>
+            <a:r>
+              <a:rPr lang="ru-RU" sz="3400" dirty="0"/>
+              <a:t>	</a:t>
+            </a:r>
+            <a:r>
+              <a:rPr lang="ru-RU" sz="3400" dirty="0" smtClean="0"/>
+              <a:t>Предсказывая цены на акции возможно получать доход с покупки</a:t>
+            </a:r>
+            <a:r>
+              <a:rPr lang="en-US" sz="3400" dirty="0" smtClean="0"/>
+              <a:t>/</a:t>
+            </a:r>
+            <a:r>
+              <a:rPr lang="ru-RU" sz="3400" dirty="0" smtClean="0"/>
+              <a:t>продажи акций. </a:t>
+            </a:r>
+          </a:p>
+          <a:p>
+            <a:pPr marL="0" indent="0" algn="just">
+              <a:buNone/>
+            </a:pPr>
+            <a:r>
+              <a:rPr lang="ru-RU" sz="3400" dirty="0"/>
+              <a:t>	</a:t>
+            </a:r>
+            <a:r>
+              <a:rPr lang="ru-RU" sz="3400" dirty="0" smtClean="0"/>
+              <a:t>На данный момент существуют решения, которые позволяют предсказывать будущие значения. Среди них встроенный сервис на сайте </a:t>
+            </a:r>
+            <a:r>
+              <a:rPr lang="en-US" sz="3400" dirty="0" smtClean="0"/>
+              <a:t>Investing.com</a:t>
+            </a:r>
+            <a:r>
+              <a:rPr lang="ru-RU" sz="3400" dirty="0" smtClean="0"/>
+              <a:t>, который не имеет явной реализации, а ввиду этого должен быть проверен. Подобная реализация существует на сайте </a:t>
+            </a:r>
+            <a:r>
+              <a:rPr lang="en-US" sz="3400" dirty="0" smtClean="0"/>
+              <a:t>dohod.ru</a:t>
+            </a:r>
+            <a:r>
+              <a:rPr lang="ru-RU" sz="3400" dirty="0" smtClean="0"/>
+              <a:t>, но интерфейс не дружелюбен для пользователя, а открытость реализации оставляет желать лучшего.</a:t>
+            </a:r>
+            <a:endParaRPr lang="ru-RU" sz="3400" dirty="0" smtClean="0"/>
+          </a:p>
+          <a:p>
+            <a:pPr marL="0" indent="0" algn="just">
+              <a:buNone/>
+            </a:pPr>
+            <a:r>
+              <a:rPr lang="ru-RU" sz="3400" dirty="0" smtClean="0"/>
+              <a:t>	</a:t>
+            </a:r>
+            <a:r>
+              <a:rPr lang="ru-RU" sz="3400" dirty="0" smtClean="0"/>
+              <a:t>Ввиду этих обстоятельств </a:t>
+            </a:r>
+            <a:r>
+              <a:rPr lang="ru-RU" sz="3400" dirty="0" smtClean="0"/>
+              <a:t>были использованы методы анализа и прогнозирования временных рядов и процесс был автоматизирован</a:t>
+            </a:r>
+            <a:r>
+              <a:rPr lang="ru-RU" sz="3400" dirty="0" smtClean="0"/>
+              <a:t>.</a:t>
+            </a:r>
+            <a:endParaRPr lang="en-US" sz="1800" dirty="0"/>
+          </a:p>
+          <a:p>
+            <a:pPr marL="0" indent="0" algn="ctr">
+              <a:buNone/>
+            </a:pPr>
+            <a:endParaRPr lang="en-US" sz="1800" dirty="0"/>
+          </a:p>
+          <a:p>
+            <a:pPr marL="0" indent="0" algn="ctr">
+              <a:buNone/>
+            </a:pPr>
+            <a:endParaRPr lang="ru-RU" sz="3400" dirty="0"/>
+          </a:p>
+        </p:txBody>
+      </p:sp>
+      <p:sp>
+        <p:nvSpPr>
+          <p:cNvPr id="5" name="Номер слайда 4"/>
+          <p:cNvSpPr>
+            <a:spLocks noGrp="1"/>
+          </p:cNvSpPr>
+          <p:nvPr>
+            <p:ph type="sldNum" sz="quarter" idx="12"/>
+          </p:nvPr>
+        </p:nvSpPr>
+        <p:spPr/>
+        <p:txBody>
+          <a:bodyPr/>
+          <a:lstStyle/>
+          <a:p>
+            <a:fld id="{D4F4F136-4EF9-4426-A1A9-4E758533A474}" type="slidenum">
+              <a:rPr lang="ru-RU" smtClean="0"/>
+              <a:t>5</a:t>
+            </a:fld>
+            <a:endParaRPr lang="ru-RU"/>
+          </a:p>
+        </p:txBody>
+      </p:sp>
+    </p:spTree>
+    <p:extLst>
+      <p:ext uri="{BB962C8B-B14F-4D97-AF65-F5344CB8AC3E}">
+        <p14:creationId xmlns:p14="http://schemas.microsoft.com/office/powerpoint/2010/main" val="1175327059"/>
+      </p:ext>
+    </p:extLst>
+  </p:cSld>
+  <p:clrMapOvr>
+    <a:masterClrMapping/>
+  </p:clrMapOvr>
+</p:sld>
+</file>
+
+<file path=ppt/slides/slide6.xml><?xml version="1.0" encoding="utf-8"?>
+<p:sld xmlns:a="http://schemas.openxmlformats.org/drawingml/2006/main" xmlns:r="http://schemas.openxmlformats.org/officeDocument/2006/relationships" xmlns:p="http://schemas.openxmlformats.org/presentationml/2006/main">
+  <p:cSld>
+    <p:spTree>
+      <p:nvGrpSpPr>
+        <p:cNvPr id="1" name=""/>
+        <p:cNvGrpSpPr/>
+        <p:nvPr/>
+      </p:nvGrpSpPr>
+      <p:grpSpPr>
+        <a:xfrm>
+          <a:off x="0" y="0"/>
+          <a:ext cx="0" cy="0"/>
+          <a:chOff x="0" y="0"/>
+          <a:chExt cx="0" cy="0"/>
+        </a:xfrm>
+      </p:grpSpPr>
+      <p:sp>
+        <p:nvSpPr>
+          <p:cNvPr id="2" name="Заголовок 1"/>
+          <p:cNvSpPr>
+            <a:spLocks noGrp="1"/>
+          </p:cNvSpPr>
+          <p:nvPr>
+            <p:ph type="title"/>
+          </p:nvPr>
+        </p:nvSpPr>
+        <p:spPr/>
+        <p:txBody>
+          <a:bodyPr/>
+          <a:lstStyle/>
+          <a:p>
+            <a:r>
+              <a:rPr lang="ru-RU" dirty="0" smtClean="0"/>
+              <a:t>Аналитическое приложение</a:t>
+            </a:r>
+            <a:endParaRPr lang="ru-RU" dirty="0"/>
+          </a:p>
+        </p:txBody>
+      </p:sp>
+      <p:sp>
+        <p:nvSpPr>
+          <p:cNvPr id="3" name="Объект 2"/>
+          <p:cNvSpPr>
+            <a:spLocks noGrp="1"/>
+          </p:cNvSpPr>
+          <p:nvPr>
+            <p:ph idx="1"/>
+          </p:nvPr>
+        </p:nvSpPr>
+        <p:spPr>
+          <a:xfrm>
+            <a:off x="457200" y="1600200"/>
+            <a:ext cx="8229600" cy="5257800"/>
+          </a:xfrm>
+        </p:spPr>
+        <p:txBody>
+          <a:bodyPr>
+            <a:normAutofit/>
+          </a:bodyPr>
+          <a:lstStyle/>
+          <a:p>
+            <a:pPr marL="0" indent="0" algn="just">
+              <a:buNone/>
+            </a:pPr>
+            <a:r>
+              <a:rPr lang="ru-RU" dirty="0" smtClean="0"/>
+              <a:t>	Было построено приложение, способное в автономном режиме собирать данные о состоянии торговой площадки и текущей цены на акцию.</a:t>
+            </a:r>
+          </a:p>
+          <a:p>
+            <a:pPr marL="0" indent="0" algn="just">
+              <a:buNone/>
+            </a:pPr>
+            <a:r>
+              <a:rPr lang="ru-RU" dirty="0" smtClean="0"/>
+              <a:t>	После сбора данные возможно выполнить анализ и прогноз будущих значений.</a:t>
+            </a:r>
+          </a:p>
+          <a:p>
+            <a:pPr marL="0" indent="0" algn="just">
+              <a:buNone/>
+            </a:pPr>
+            <a:r>
+              <a:rPr lang="ru-RU" dirty="0" smtClean="0"/>
+              <a:t>	Результаты </a:t>
+            </a:r>
+            <a:r>
+              <a:rPr lang="ru-RU" dirty="0" smtClean="0"/>
+              <a:t>анализа и прогноза отображаются в приложении на графике</a:t>
+            </a:r>
+            <a:r>
+              <a:rPr lang="ru-RU" dirty="0" smtClean="0"/>
+              <a:t>.</a:t>
+            </a:r>
+            <a:endParaRPr lang="en-US" dirty="0" smtClean="0"/>
+          </a:p>
+          <a:p>
+            <a:pPr marL="0" indent="0" algn="just">
+              <a:buNone/>
+            </a:pPr>
+            <a:endParaRPr lang="en-US" dirty="0"/>
+          </a:p>
+          <a:p>
+            <a:pPr marL="0" indent="0" algn="ctr">
+              <a:buNone/>
+            </a:pPr>
+            <a:endParaRPr lang="ru-RU" sz="2800" dirty="0" smtClean="0"/>
+          </a:p>
+        </p:txBody>
+      </p:sp>
+      <p:sp>
+        <p:nvSpPr>
+          <p:cNvPr id="5" name="Номер слайда 4"/>
+          <p:cNvSpPr>
+            <a:spLocks noGrp="1"/>
+          </p:cNvSpPr>
+          <p:nvPr>
+            <p:ph type="sldNum" sz="quarter" idx="12"/>
+          </p:nvPr>
+        </p:nvSpPr>
+        <p:spPr/>
+        <p:txBody>
+          <a:bodyPr/>
+          <a:lstStyle/>
+          <a:p>
+            <a:fld id="{D4F4F136-4EF9-4426-A1A9-4E758533A474}" type="slidenum">
+              <a:rPr lang="ru-RU" smtClean="0"/>
+              <a:t>6</a:t>
+            </a:fld>
+            <a:endParaRPr lang="ru-RU"/>
+          </a:p>
+        </p:txBody>
+      </p:sp>
+    </p:spTree>
+    <p:extLst>
+      <p:ext uri="{BB962C8B-B14F-4D97-AF65-F5344CB8AC3E}">
+        <p14:creationId xmlns:p14="http://schemas.microsoft.com/office/powerpoint/2010/main" val="895327777"/>
+      </p:ext>
+    </p:extLst>
+  </p:cSld>
+  <p:clrMapOvr>
+    <a:masterClrMapping/>
+  </p:clrMapOvr>
+</p:sld>
+</file>
+
+<file path=ppt/slides/slide7.xml><?xml version="1.0" encoding="utf-8"?>
+<p:sld xmlns:a="http://schemas.openxmlformats.org/drawingml/2006/main" xmlns:r="http://schemas.openxmlformats.org/officeDocument/2006/relationships" xmlns:p="http://schemas.openxmlformats.org/presentationml/2006/main">
+  <p:cSld>
+    <p:spTree>
+      <p:nvGrpSpPr>
+        <p:cNvPr id="1" name=""/>
+        <p:cNvGrpSpPr/>
+        <p:nvPr/>
+      </p:nvGrpSpPr>
+      <p:grpSpPr>
+        <a:xfrm>
+          <a:off x="0" y="0"/>
+          <a:ext cx="0" cy="0"/>
+          <a:chOff x="0" y="0"/>
+          <a:chExt cx="0" cy="0"/>
+        </a:xfrm>
+      </p:grpSpPr>
+      <p:sp>
+        <p:nvSpPr>
+          <p:cNvPr id="2" name="Заголовок 1"/>
+          <p:cNvSpPr>
+            <a:spLocks noGrp="1"/>
+          </p:cNvSpPr>
+          <p:nvPr>
+            <p:ph type="title"/>
+          </p:nvPr>
+        </p:nvSpPr>
+        <p:spPr/>
+        <p:txBody>
+          <a:bodyPr/>
+          <a:lstStyle/>
+          <a:p>
+            <a:r>
+              <a:rPr lang="ru-RU" dirty="0" smtClean="0"/>
+              <a:t>Структура приложения</a:t>
+            </a:r>
+            <a:endParaRPr lang="ru-RU" dirty="0"/>
+          </a:p>
+        </p:txBody>
+      </p:sp>
+      <p:sp>
+        <p:nvSpPr>
+          <p:cNvPr id="3" name="Объект 2"/>
+          <p:cNvSpPr>
+            <a:spLocks noGrp="1"/>
+          </p:cNvSpPr>
+          <p:nvPr>
+            <p:ph idx="1"/>
+          </p:nvPr>
+        </p:nvSpPr>
+        <p:spPr>
+          <a:xfrm>
+            <a:off x="457200" y="1600200"/>
+            <a:ext cx="8229600" cy="5069160"/>
+          </a:xfrm>
+        </p:spPr>
+        <p:txBody>
+          <a:bodyPr>
+            <a:normAutofit/>
+          </a:bodyPr>
+          <a:lstStyle/>
+          <a:p>
+            <a:pPr marL="0" indent="0" algn="just">
+              <a:buNone/>
+            </a:pPr>
+            <a:r>
+              <a:rPr lang="ru-RU" dirty="0" smtClean="0"/>
+              <a:t>	Приложение реализовано с использованием технологии </a:t>
+            </a:r>
+            <a:r>
+              <a:rPr lang="en-US" dirty="0" err="1" smtClean="0"/>
+              <a:t>WinForms</a:t>
+            </a:r>
+            <a:r>
+              <a:rPr lang="ru-RU" dirty="0" smtClean="0"/>
+              <a:t>. </a:t>
+            </a:r>
+          </a:p>
+          <a:p>
+            <a:pPr marL="0" indent="0" algn="just">
+              <a:buNone/>
+            </a:pPr>
+            <a:r>
+              <a:rPr lang="ru-RU" dirty="0" smtClean="0"/>
+              <a:t>	Внутренние сущности описаны и организованы в соответствии с принципами модульной разработки и ООП.</a:t>
+            </a:r>
+          </a:p>
+          <a:p>
+            <a:pPr marL="0" indent="0" algn="just">
+              <a:buNone/>
+            </a:pPr>
+            <a:r>
+              <a:rPr lang="ru-RU" dirty="0" smtClean="0"/>
+              <a:t>	Для написания основной нагрузки приложения – анализа был взят за основу паттерн проектирования «фабричный метод</a:t>
+            </a:r>
+            <a:r>
+              <a:rPr lang="ru-RU" dirty="0" smtClean="0"/>
+              <a:t>».</a:t>
+            </a:r>
+            <a:endParaRPr lang="en-US" dirty="0" smtClean="0"/>
+          </a:p>
+          <a:p>
+            <a:pPr marL="0" indent="0" algn="just">
+              <a:buNone/>
+            </a:pPr>
+            <a:endParaRPr lang="en-US" dirty="0"/>
+          </a:p>
+          <a:p>
+            <a:pPr marL="0" indent="0" algn="ctr">
+              <a:buNone/>
+            </a:pPr>
+            <a:endParaRPr lang="ru-RU" sz="1800" dirty="0"/>
+          </a:p>
+        </p:txBody>
+      </p:sp>
+      <p:sp>
+        <p:nvSpPr>
+          <p:cNvPr id="5" name="Номер слайда 4"/>
+          <p:cNvSpPr>
+            <a:spLocks noGrp="1"/>
+          </p:cNvSpPr>
+          <p:nvPr>
+            <p:ph type="sldNum" sz="quarter" idx="12"/>
+          </p:nvPr>
+        </p:nvSpPr>
+        <p:spPr/>
+        <p:txBody>
+          <a:bodyPr/>
+          <a:lstStyle/>
+          <a:p>
+            <a:fld id="{D4F4F136-4EF9-4426-A1A9-4E758533A474}" type="slidenum">
+              <a:rPr lang="ru-RU" smtClean="0"/>
+              <a:t>7</a:t>
+            </a:fld>
+            <a:endParaRPr lang="ru-RU"/>
+          </a:p>
+        </p:txBody>
+      </p:sp>
+    </p:spTree>
+    <p:extLst>
+      <p:ext uri="{BB962C8B-B14F-4D97-AF65-F5344CB8AC3E}">
+        <p14:creationId xmlns:p14="http://schemas.microsoft.com/office/powerpoint/2010/main" val="858146113"/>
+      </p:ext>
+    </p:extLst>
+  </p:cSld>
+  <p:clrMapOvr>
+    <a:masterClrMapping/>
+  </p:clrMapOvr>
+</p:sld>
+</file>
+
+<file path=ppt/slides/slide8.xml><?xml version="1.0" encoding="utf-8"?>
+<p:sld xmlns:a="http://schemas.openxmlformats.org/drawingml/2006/main" xmlns:r="http://schemas.openxmlformats.org/officeDocument/2006/relationships" xmlns:p="http://schemas.openxmlformats.org/presentationml/2006/main">
+  <p:cSld>
+    <p:spTree>
+      <p:nvGrpSpPr>
+        <p:cNvPr id="1" name=""/>
+        <p:cNvGrpSpPr/>
+        <p:nvPr/>
+      </p:nvGrpSpPr>
+      <p:grpSpPr>
+        <a:xfrm>
+          <a:off x="0" y="0"/>
+          <a:ext cx="0" cy="0"/>
+          <a:chOff x="0" y="0"/>
+          <a:chExt cx="0" cy="0"/>
+        </a:xfrm>
+      </p:grpSpPr>
+      <p:sp>
+        <p:nvSpPr>
+          <p:cNvPr id="2" name="Заголовок 1"/>
+          <p:cNvSpPr>
+            <a:spLocks noGrp="1"/>
+          </p:cNvSpPr>
+          <p:nvPr>
+            <p:ph type="title"/>
+          </p:nvPr>
+        </p:nvSpPr>
+        <p:spPr/>
+        <p:txBody>
+          <a:bodyPr/>
+          <a:lstStyle/>
+          <a:p>
+            <a:r>
+              <a:rPr lang="ru-RU" dirty="0" smtClean="0"/>
+              <a:t>Блок-схема работы приложения</a:t>
+            </a:r>
+            <a:endParaRPr lang="ru-RU" dirty="0"/>
+          </a:p>
+        </p:txBody>
+      </p:sp>
+      <p:pic>
+        <p:nvPicPr>
+          <p:cNvPr id="6" name="Объект 5"/>
+          <p:cNvPicPr>
+            <a:picLocks noGrp="1" noChangeAspect="1"/>
+          </p:cNvPicPr>
+          <p:nvPr>
+            <p:ph idx="1"/>
+          </p:nvPr>
+        </p:nvPicPr>
+        <p:blipFill>
+          <a:blip r:embed="rId3">
+            <a:extLst>
+              <a:ext uri="{28A0092B-C50C-407E-A947-70E740481C1C}">
+                <a14:useLocalDpi xmlns:a14="http://schemas.microsoft.com/office/drawing/2010/main" val="0"/>
+              </a:ext>
+            </a:extLst>
+          </a:blip>
+          <a:stretch>
+            <a:fillRect/>
+          </a:stretch>
+        </p:blipFill>
+        <p:spPr>
+          <a:xfrm>
+            <a:off x="2411760" y="1196752"/>
+            <a:ext cx="4769563" cy="5040560"/>
+          </a:xfrm>
+        </p:spPr>
+      </p:pic>
+      <p:sp>
+        <p:nvSpPr>
+          <p:cNvPr id="4" name="Номер слайда 3"/>
+          <p:cNvSpPr>
+            <a:spLocks noGrp="1"/>
+          </p:cNvSpPr>
+          <p:nvPr>
+            <p:ph type="sldNum" sz="quarter" idx="12"/>
+          </p:nvPr>
+        </p:nvSpPr>
+        <p:spPr/>
+        <p:txBody>
+          <a:bodyPr/>
+          <a:lstStyle/>
+          <a:p>
+            <a:fld id="{D4F4F136-4EF9-4426-A1A9-4E758533A474}" type="slidenum">
+              <a:rPr lang="ru-RU" smtClean="0"/>
+              <a:t>8</a:t>
+            </a:fld>
+            <a:endParaRPr lang="ru-RU"/>
+          </a:p>
+        </p:txBody>
+      </p:sp>
+    </p:spTree>
+    <p:extLst>
+      <p:ext uri="{BB962C8B-B14F-4D97-AF65-F5344CB8AC3E}">
+        <p14:creationId xmlns:p14="http://schemas.microsoft.com/office/powerpoint/2010/main" val="3477635487"/>
+      </p:ext>
+    </p:extLst>
+  </p:cSld>
+  <p:clrMapOvr>
+    <a:masterClrMapping/>
+  </p:clrMapOvr>
+</p:sld>
+</file>
+
+<file path=ppt/slides/slide9.xml><?xml version="1.0" encoding="utf-8"?>
+<p:sld xmlns:a="http://schemas.openxmlformats.org/drawingml/2006/main" xmlns:r="http://schemas.openxmlformats.org/officeDocument/2006/relationships" xmlns:p="http://schemas.openxmlformats.org/presentationml/2006/main">
+  <p:cSld>
+    <p:spTree>
+      <p:nvGrpSpPr>
+        <p:cNvPr id="1" name=""/>
+        <p:cNvGrpSpPr/>
+        <p:nvPr/>
+      </p:nvGrpSpPr>
+      <p:grpSpPr>
+        <a:xfrm>
+          <a:off x="0" y="0"/>
+          <a:ext cx="0" cy="0"/>
+          <a:chOff x="0" y="0"/>
+          <a:chExt cx="0" cy="0"/>
+        </a:xfrm>
+      </p:grpSpPr>
+      <p:sp>
+        <p:nvSpPr>
+          <p:cNvPr id="2" name="Заголовок 1"/>
+          <p:cNvSpPr>
+            <a:spLocks noGrp="1"/>
+          </p:cNvSpPr>
+          <p:nvPr>
+            <p:ph type="title"/>
+          </p:nvPr>
+        </p:nvSpPr>
+        <p:spPr/>
+        <p:txBody>
+          <a:bodyPr/>
+          <a:lstStyle/>
+          <a:p>
+            <a:r>
+              <a:rPr lang="ru-RU" dirty="0" smtClean="0"/>
+              <a:t>Анализ и прогнозирование</a:t>
             </a:r>
             <a:endParaRPr lang="ru-RU" dirty="0"/>
           </a:p>
@@ -4065,24 +5614,26 @@
             <p:spPr/>
             <p:txBody>
               <a:bodyPr>
-                <a:normAutofit fontScale="92500" lnSpcReduction="20000"/>
+                <a:normAutofit fontScale="47500" lnSpcReduction="20000"/>
               </a:bodyPr>
               <a:lstStyle/>
               <a:p>
-                <a:pPr marL="0" indent="0" algn="just">
+                <a:pPr marL="0" indent="0">
                   <a:buNone/>
                 </a:pPr>
                 <a:r>
                   <a:rPr lang="ru-RU" dirty="0" smtClean="0"/>
-                  <a:t>	Для анализа методом </a:t>
+                  <a:t>	Для анализа данных используются три метода статистической обработки данных:</a:t>
                 </a:r>
+              </a:p>
+              <a:p>
                 <a:r>
-                  <a:rPr lang="ru-RU" u="sng" dirty="0" smtClean="0"/>
-                  <a:t>регрессионного скользящего среднего</a:t>
+                  <a:rPr lang="ru-RU" dirty="0" smtClean="0"/>
+                  <a:t>Простое скользящее </a:t>
                 </a:r>
                 <a:r>
                   <a:rPr lang="ru-RU" dirty="0" smtClean="0"/>
-                  <a:t> используется модифицированная модель простого скользящего среднего:</a:t>
+                  <a:t>среднее, для которого используется формула: </a:t>
                 </a:r>
               </a:p>
               <a:p>
@@ -4113,7 +5664,184 @@
                         </m:e>
                         <m:sub>
                           <m:r>
-                            <a:rPr lang="en-US" b="0" i="1" smtClean="0">
+                            <a:rPr lang="en-US" i="1">
+                              <a:latin typeface="Cambria Math"/>
+                            </a:rPr>
+                            <m:t>𝑛</m:t>
+                          </m:r>
+                          <m:r>
+                            <a:rPr lang="en-US" i="1">
+                              <a:latin typeface="Cambria Math"/>
+                            </a:rPr>
+                            <m:t>+1</m:t>
+                          </m:r>
+                        </m:sub>
+                      </m:sSub>
+                      <m:r>
+                        <a:rPr lang="en-US" i="1">
+                          <a:latin typeface="Cambria Math"/>
+                        </a:rPr>
+                        <m:t>=</m:t>
+                      </m:r>
+                      <m:f>
+                        <m:fPr>
+                          <m:ctrlPr>
+                            <a:rPr lang="en-US" i="1">
+                              <a:latin typeface="Cambria Math"/>
+                            </a:rPr>
+                          </m:ctrlPr>
+                        </m:fPr>
+                        <m:num>
+                          <m:r>
+                            <a:rPr lang="en-US" i="1">
+                              <a:latin typeface="Cambria Math"/>
+                            </a:rPr>
+                            <m:t>1</m:t>
+                          </m:r>
+                        </m:num>
+                        <m:den>
+                          <m:r>
+                            <a:rPr lang="en-US" i="1">
+                              <a:latin typeface="Cambria Math"/>
+                            </a:rPr>
+                            <m:t>𝑝</m:t>
+                          </m:r>
+                        </m:den>
+                      </m:f>
+                      <m:nary>
+                        <m:naryPr>
+                          <m:chr m:val="∑"/>
+                          <m:ctrlPr>
+                            <a:rPr lang="en-US" i="1">
+                              <a:latin typeface="Cambria Math"/>
+                            </a:rPr>
+                          </m:ctrlPr>
+                        </m:naryPr>
+                        <m:sub>
+                          <m:r>
+                            <m:rPr>
+                              <m:brk m:alnAt="23"/>
+                            </m:rPr>
+                            <a:rPr lang="en-US" i="1">
+                              <a:latin typeface="Cambria Math"/>
+                            </a:rPr>
+                            <m:t>𝑖</m:t>
+                          </m:r>
+                          <m:r>
+                            <a:rPr lang="en-US" i="1">
+                              <a:latin typeface="Cambria Math"/>
+                            </a:rPr>
+                            <m:t>=</m:t>
+                          </m:r>
+                          <m:r>
+                            <a:rPr lang="en-US" i="1">
+                              <a:latin typeface="Cambria Math"/>
+                            </a:rPr>
+                            <m:t>𝑛</m:t>
+                          </m:r>
+                          <m:r>
+                            <a:rPr lang="en-US" i="1">
+                              <a:latin typeface="Cambria Math"/>
+                            </a:rPr>
+                            <m:t>−</m:t>
+                          </m:r>
+                          <m:r>
+                            <a:rPr lang="en-US" i="1">
+                              <a:latin typeface="Cambria Math"/>
+                            </a:rPr>
+                            <m:t>𝑝</m:t>
+                          </m:r>
+                        </m:sub>
+                        <m:sup>
+                          <m:r>
+                            <a:rPr lang="en-US" i="1">
+                              <a:latin typeface="Cambria Math"/>
+                            </a:rPr>
+                            <m:t>𝑝</m:t>
+                          </m:r>
+                        </m:sup>
+                        <m:e>
+                          <m:sSub>
+                            <m:sSubPr>
+                              <m:ctrlPr>
+                                <a:rPr lang="en-US" i="1">
+                                  <a:latin typeface="Cambria Math"/>
+                                </a:rPr>
+                              </m:ctrlPr>
+                            </m:sSubPr>
+                            <m:e>
+                              <m:r>
+                                <a:rPr lang="en-US" i="1">
+                                  <a:latin typeface="Cambria Math"/>
+                                </a:rPr>
+                                <m:t>𝑋</m:t>
+                              </m:r>
+                            </m:e>
+                            <m:sub>
+                              <m:r>
+                                <a:rPr lang="en-US" i="1">
+                                  <a:latin typeface="Cambria Math"/>
+                                </a:rPr>
+                                <m:t>𝑖</m:t>
+                              </m:r>
+                            </m:sub>
+                          </m:sSub>
+                        </m:e>
+                      </m:nary>
+                      <m:r>
+                        <a:rPr lang="ru-RU" i="1">
+                          <a:latin typeface="Cambria Math"/>
+                        </a:rPr>
+                        <m:t>,</m:t>
+                      </m:r>
+                    </m:oMath>
+                  </m:oMathPara>
+                </a14:m>
+                <a:endParaRPr lang="ru-RU" dirty="0" smtClean="0"/>
+              </a:p>
+              <a:p>
+                <a:r>
+                  <a:rPr lang="ru-RU" dirty="0" err="1" smtClean="0"/>
+                  <a:t>Авторегрессионное</a:t>
+                </a:r>
+                <a:r>
+                  <a:rPr lang="ru-RU" dirty="0" smtClean="0"/>
+                  <a:t> скользящее </a:t>
+                </a:r>
+                <a:r>
+                  <a:rPr lang="ru-RU" dirty="0" smtClean="0"/>
+                  <a:t>среднее, вычисляемое по формуле:</a:t>
+                </a:r>
+              </a:p>
+              <a:p>
+                <a:pPr marL="0" indent="0">
+                  <a:buNone/>
+                </a:pPr>
+                <a14:m>
+                  <m:oMathPara xmlns:m="http://schemas.openxmlformats.org/officeDocument/2006/math">
+                    <m:oMathParaPr>
+                      <m:jc m:val="centerGroup"/>
+                    </m:oMathParaPr>
+                    <m:oMath xmlns:m="http://schemas.openxmlformats.org/officeDocument/2006/math">
+                      <m:sSub>
+                        <m:sSubPr>
+                          <m:ctrlPr>
+                            <a:rPr lang="en-US" i="1">
+                              <a:latin typeface="Cambria Math"/>
+                            </a:rPr>
+                          </m:ctrlPr>
+                        </m:sSubPr>
+                        <m:e>
+                          <m:r>
+                            <a:rPr lang="en-US" i="1">
+                              <a:latin typeface="Cambria Math"/>
+                            </a:rPr>
+                            <m:t>𝑋</m:t>
+                          </m:r>
+                        </m:e>
+                        <m:sub>
+                          <m:r>
+                            <a:rPr lang="en-US" i="1">
                               <a:latin typeface="Cambria Math"/>
                             </a:rPr>
                             <m:t>𝑡</m:t>
@@ -4121,19 +5849,19 @@
                         </m:sub>
                       </m:sSub>
                       <m:r>
-                        <a:rPr lang="en-US" i="1" smtClean="0">
+                        <a:rPr lang="en-US" i="1">
                           <a:latin typeface="Cambria Math"/>
                         </a:rPr>
                         <m:t>=</m:t>
                       </m:r>
                       <m:r>
-                        <a:rPr lang="en-US" b="0" i="1" smtClean="0">
+                        <a:rPr lang="en-US" i="1">
                           <a:latin typeface="Cambria Math"/>
                         </a:rPr>
                         <m:t>𝜀</m:t>
                       </m:r>
                       <m:r>
-                        <a:rPr lang="en-US" b="0" i="1" smtClean="0">
+                        <a:rPr lang="en-US" i="1">
                           <a:latin typeface="Cambria Math"/>
                         </a:rPr>
                         <m:t>+ </m:t>
@@ -4234,13 +5962,13 @@
                             </m:e>
                             <m:sub>
                               <m:r>
-                                <a:rPr lang="en-US" b="0" i="1" smtClean="0">
+                                <a:rPr lang="en-US" i="1">
                                   <a:latin typeface="Cambria Math"/>
                                 </a:rPr>
                                 <m:t>𝑡</m:t>
                               </m:r>
                               <m:r>
-                                <a:rPr lang="en-US" b="0" i="1" smtClean="0">
+                                <a:rPr lang="en-US" i="1">
                                   <a:latin typeface="Cambria Math"/>
                                 </a:rPr>
                                 <m:t>−</m:t>
@@ -4256,7 +5984,7 @@
                         </m:e>
                       </m:nary>
                       <m:r>
-                        <a:rPr lang="en-US" b="0" i="1" smtClean="0">
+                        <a:rPr lang="en-US" i="1">
                           <a:latin typeface="Cambria Math"/>
                         </a:rPr>
                         <m:t>+ </m:t>
@@ -4265,7 +5993,7 @@
                         <m:naryPr>
                           <m:chr m:val="∑"/>
                           <m:ctrlPr>
-                            <a:rPr lang="en-US" b="0" i="1" smtClean="0">
+                            <a:rPr lang="en-US" i="1">
                               <a:latin typeface="Cambria Math"/>
                             </a:rPr>
                           </m:ctrlPr>
@@ -4275,13 +6003,13 @@
                             <m:rPr>
                               <m:brk m:alnAt="23"/>
                             </m:rPr>
-                            <a:rPr lang="en-US" b="0" i="1" smtClean="0">
+                            <a:rPr lang="en-US" i="1">
                               <a:latin typeface="Cambria Math"/>
                             </a:rPr>
                             <m:t>𝑖</m:t>
                           </m:r>
                           <m:r>
-                            <a:rPr lang="en-US" b="0" i="1" smtClean="0">
+                            <a:rPr lang="en-US" i="1">
                               <a:latin typeface="Cambria Math"/>
                             </a:rPr>
                             <m:t>=1 </m:t>
@@ -4289,7 +6017,7 @@
                         </m:sub>
                         <m:sup>
                           <m:r>
-                            <a:rPr lang="en-US" b="0" i="1" smtClean="0">
+                            <a:rPr lang="en-US" i="1">
                               <a:latin typeface="Cambria Math"/>
                             </a:rPr>
                             <m:t>𝑞</m:t>
@@ -4299,14 +6027,14 @@
                           <m:sSub>
                             <m:sSubPr>
                               <m:ctrlPr>
-                                <a:rPr lang="en-US" b="0" i="1" smtClean="0">
+                                <a:rPr lang="en-US" i="1">
                                   <a:latin typeface="Cambria Math"/>
                                 </a:rPr>
                               </m:ctrlPr>
                             </m:sSubPr>
                             <m:e>
                               <m:r>
-                                <a:rPr lang="en-US" b="0" i="1" smtClean="0">
+                                <a:rPr lang="en-US" i="1">
                                   <a:latin typeface="Cambria Math"/>
                                 </a:rPr>
                                 <m:t>𝜑</m:t>
@@ -4314,7 +6042,7 @@
                             </m:e>
                             <m:sub>
                               <m:r>
-                                <a:rPr lang="en-US" b="0" i="1" smtClean="0">
+                                <a:rPr lang="en-US" i="1">
                                   <a:latin typeface="Cambria Math"/>
                                 </a:rPr>
                                 <m:t>𝑖</m:t>
@@ -4324,14 +6052,14 @@
                           <m:sSub>
                             <m:sSubPr>
                               <m:ctrlPr>
-                                <a:rPr lang="en-US" b="0" i="1" smtClean="0">
+                                <a:rPr lang="en-US" i="1">
                                   <a:latin typeface="Cambria Math"/>
                                 </a:rPr>
                               </m:ctrlPr>
                             </m:sSubPr>
                             <m:e>
                               <m:r>
-                                <a:rPr lang="en-US" b="0" i="1" smtClean="0">
+                                <a:rPr lang="en-US" i="1">
                                   <a:latin typeface="Cambria Math"/>
                                 </a:rPr>
                                 <m:t>𝑋</m:t>
@@ -4339,19 +6067,19 @@
                             </m:e>
                             <m:sub>
                               <m:r>
-                                <a:rPr lang="en-US" b="0" i="1" smtClean="0">
+                                <a:rPr lang="en-US" i="1">
                                   <a:latin typeface="Cambria Math"/>
                                 </a:rPr>
                                 <m:t>𝑡</m:t>
                               </m:r>
                               <m:r>
-                                <a:rPr lang="en-US" b="0" i="1" smtClean="0">
+                                <a:rPr lang="en-US" i="1">
                                   <a:latin typeface="Cambria Math"/>
                                 </a:rPr>
                                 <m:t>−</m:t>
                               </m:r>
                               <m:r>
-                                <a:rPr lang="en-US" b="0" i="1" smtClean="0">
+                                <a:rPr lang="en-US" i="1">
                                   <a:latin typeface="Cambria Math"/>
                                 </a:rPr>
                                 <m:t>𝑖</m:t>
@@ -4361,7 +6089,7 @@
                         </m:e>
                       </m:nary>
                       <m:r>
-                        <a:rPr lang="en-US" b="0" i="1" smtClean="0">
+                        <a:rPr lang="en-US" i="1">
                           <a:latin typeface="Cambria Math"/>
                         </a:rPr>
                         <m:t>,</m:t>
@@ -4369,7 +6097,75 @@
                     </m:oMath>
                   </m:oMathPara>
                 </a14:m>
-                <a:endParaRPr lang="en-US" dirty="0" smtClean="0"/>
+                <a:endParaRPr lang="en-US" dirty="0"/>
+              </a:p>
+              <a:p>
+                <a:pPr marL="0" indent="0">
+                  <a:buNone/>
+                </a:pPr>
+                <a:endParaRPr lang="ru-RU" dirty="0" smtClean="0"/>
+              </a:p>
+              <a:p>
+                <a:r>
+                  <a:rPr lang="ru-RU" dirty="0" smtClean="0"/>
+                  <a:t>Метод </a:t>
+                </a:r>
+                <a:r>
+                  <a:rPr lang="ru-RU" dirty="0" smtClean="0"/>
+                  <a:t>Гусеницы, реализуемый посредством алгоритма, состоящего из четырёх основных шагов:</a:t>
+                </a:r>
+              </a:p>
+              <a:p>
+                <a:pPr marL="514350" indent="-514350">
+                  <a:buFont typeface="+mj-lt"/>
+                  <a:buAutoNum type="arabicPeriod"/>
+                </a:pPr>
+                <a:r>
+                  <a:rPr lang="ru-RU" i="1" dirty="0"/>
+                  <a:t>Развёртка одномерного ряда в многомерный (запись его в матрицу)</a:t>
+                </a:r>
+              </a:p>
+              <a:p>
+                <a:pPr marL="514350" indent="-514350">
+                  <a:buFont typeface="+mj-lt"/>
+                  <a:buAutoNum type="arabicPeriod"/>
+                </a:pPr>
+                <a:r>
+                  <a:rPr lang="ru-RU" i="1" dirty="0"/>
+                  <a:t>Анализ главных компонент</a:t>
+                </a:r>
+              </a:p>
+              <a:p>
+                <a:pPr marL="514350" indent="-514350">
+                  <a:buFont typeface="+mj-lt"/>
+                  <a:buAutoNum type="arabicPeriod"/>
+                </a:pPr>
+                <a:r>
+                  <a:rPr lang="ru-RU" i="1" dirty="0" smtClean="0"/>
+                  <a:t>Отбор главных компонент</a:t>
+                </a:r>
+              </a:p>
+              <a:p>
+                <a:pPr marL="514350" indent="-514350">
+                  <a:buFont typeface="+mj-lt"/>
+                  <a:buAutoNum type="arabicPeriod"/>
+                </a:pPr>
+                <a:r>
+                  <a:rPr lang="ru-RU" i="1" dirty="0"/>
+                  <a:t>Восстановление </a:t>
+                </a:r>
+                <a:r>
+                  <a:rPr lang="ru-RU" i="1" dirty="0" smtClean="0"/>
+                  <a:t>ряда</a:t>
+                </a:r>
+                <a:endParaRPr lang="ru-RU" i="1" dirty="0"/>
+              </a:p>
+              <a:p>
+                <a:pPr marL="514350" indent="-514350">
+                  <a:buFont typeface="+mj-lt"/>
+                  <a:buAutoNum type="arabicPeriod"/>
+                </a:pPr>
+                <a:endParaRPr lang="ru-RU" dirty="0" smtClean="0"/>
               </a:p>
               <a:p>
                 <a:pPr marL="0" indent="0" algn="just">
@@ -4377,70 +6173,19 @@
                 </a:pPr>
                 <a:r>
                   <a:rPr lang="ru-RU" dirty="0" smtClean="0"/>
-                  <a:t>где </a:t>
-                </a:r>
-                <a14:m>
-                  <m:oMath xmlns:m="http://schemas.openxmlformats.org/officeDocument/2006/math">
-                    <m:r>
-                      <a:rPr lang="en-US" i="1">
-                        <a:latin typeface="Cambria Math"/>
-                      </a:rPr>
-                      <m:t>𝜀</m:t>
-                    </m:r>
-                  </m:oMath>
-                </a14:m>
-                <a:r>
-                  <a:rPr lang="ru-RU" dirty="0" smtClean="0"/>
-                  <a:t> – ошибка, нормально распределённая с нулевым средним и СКО по выборке, </a:t>
-                </a:r>
-                <a14:m>
-                  <m:oMath xmlns:m="http://schemas.openxmlformats.org/officeDocument/2006/math">
-                    <m:sSub>
-                      <m:sSubPr>
-                        <m:ctrlPr>
-                          <a:rPr lang="en-US" i="1">
-                            <a:latin typeface="Cambria Math"/>
-                          </a:rPr>
-                        </m:ctrlPr>
-                      </m:sSubPr>
-                      <m:e>
-                        <m:r>
-                          <a:rPr lang="en-US" i="1">
-                            <a:latin typeface="Cambria Math"/>
-                          </a:rPr>
-                          <m:t>𝜑</m:t>
-                        </m:r>
-                      </m:e>
-                      <m:sub>
-                        <m:r>
-                          <a:rPr lang="en-US" i="1">
-                            <a:latin typeface="Cambria Math"/>
-                          </a:rPr>
-                          <m:t>𝑖</m:t>
-                        </m:r>
-                      </m:sub>
-                    </m:sSub>
-                  </m:oMath>
-                </a14:m>
-                <a:r>
-                  <a:rPr lang="ru-RU" dirty="0" smtClean="0"/>
-                  <a:t> – коэффициенты </a:t>
+                  <a:t>	Для </a:t>
                 </a:r>
                 <a:r>
-                  <a:rPr lang="ru-RU" dirty="0" err="1" smtClean="0"/>
-                  <a:t>авторегрессионной</a:t>
+                  <a:rPr lang="ru-RU" u="sng" dirty="0" smtClean="0"/>
+                  <a:t>прогноза</a:t>
                 </a:r>
                 <a:r>
                   <a:rPr lang="ru-RU" dirty="0" smtClean="0"/>
-                  <a:t> модели, </a:t>
-                </a:r>
-                <a:r>
-                  <a:rPr lang="en-US" dirty="0" smtClean="0"/>
-                  <a:t>q – </a:t>
+                  <a:t> в работе </a:t>
                 </a:r>
                 <a:r>
                   <a:rPr lang="ru-RU" dirty="0" smtClean="0"/>
-                  <a:t>количество таких коэффициентов.</a:t>
+                  <a:t>используется простое скользящее среднее в виду удобства реализации.</a:t>
                 </a:r>
                 <a:endParaRPr lang="ru-RU" dirty="0"/>
               </a:p>
@@ -4462,7 +6207,7 @@
               <a:blipFill rotWithShape="1">
                 <a:blip r:embed="rId2"/>
                 <a:stretch>
-                  <a:fillRect l="-1704" t="-3504" r="-1704" b="-1752"/>
+                  <a:fillRect l="-296" t="-1078" r="-296"/>
                 </a:stretch>
               </a:blipFill>
             </p:spPr>
@@ -4481,853 +6226,26 @@
           </p:sp>
         </mc:Fallback>
       </mc:AlternateContent>
-    </p:spTree>
-    <p:extLst>
-      <p:ext uri="{BB962C8B-B14F-4D97-AF65-F5344CB8AC3E}">
-        <p14:creationId xmlns:p14="http://schemas.microsoft.com/office/powerpoint/2010/main" val="2566905748"/>
-      </p:ext>
-    </p:extLst>
-  </p:cSld>
-  <p:clrMapOvr>
-    <a:masterClrMapping/>
-  </p:clrMapOvr>
-</p:sld>
-</file>
-
-<file path=ppt/slides/slide15.xml><?xml version="1.0" encoding="utf-8"?>
-<p:sld xmlns:a="http://schemas.openxmlformats.org/drawingml/2006/main" xmlns:r="http://schemas.openxmlformats.org/officeDocument/2006/relationships" xmlns:p="http://schemas.openxmlformats.org/presentationml/2006/main">
-  <p:cSld>
-    <p:spTree>
-      <p:nvGrpSpPr>
-        <p:cNvPr id="1" name=""/>
-        <p:cNvGrpSpPr/>
-        <p:nvPr/>
-      </p:nvGrpSpPr>
-      <p:grpSpPr>
-        <a:xfrm>
-          <a:off x="0" y="0"/>
-          <a:ext cx="0" cy="0"/>
-          <a:chOff x="0" y="0"/>
-          <a:chExt cx="0" cy="0"/>
-        </a:xfrm>
-      </p:grpSpPr>
-      <p:sp>
-        <p:nvSpPr>
-          <p:cNvPr id="2" name="Заголовок 1"/>
-          <p:cNvSpPr>
-            <a:spLocks noGrp="1"/>
-          </p:cNvSpPr>
-          <p:nvPr>
-            <p:ph type="title"/>
-          </p:nvPr>
-        </p:nvSpPr>
-        <p:spPr/>
-        <p:txBody>
-          <a:bodyPr/>
-          <a:lstStyle/>
-          <a:p>
-            <a:r>
-              <a:rPr lang="ru-RU" dirty="0" smtClean="0"/>
-              <a:t>Анализ данных</a:t>
-            </a:r>
-            <a:endParaRPr lang="ru-RU" dirty="0"/>
-          </a:p>
-        </p:txBody>
-      </p:sp>
-      <p:sp>
-        <p:nvSpPr>
-          <p:cNvPr id="3" name="Объект 2"/>
-          <p:cNvSpPr>
-            <a:spLocks noGrp="1"/>
-          </p:cNvSpPr>
-          <p:nvPr>
-            <p:ph idx="1"/>
-          </p:nvPr>
-        </p:nvSpPr>
-        <p:spPr/>
-        <p:txBody>
-          <a:bodyPr>
-            <a:normAutofit fontScale="85000" lnSpcReduction="10000"/>
-          </a:bodyPr>
-          <a:lstStyle/>
-          <a:p>
-            <a:pPr marL="0" indent="0" algn="just">
-              <a:buNone/>
-            </a:pPr>
-            <a:r>
-              <a:rPr lang="ru-RU" dirty="0" smtClean="0"/>
-              <a:t>	В ходе анализа методом </a:t>
-            </a:r>
-            <a:r>
-              <a:rPr lang="ru-RU" u="sng" dirty="0" smtClean="0"/>
-              <a:t>Гусеницы</a:t>
-            </a:r>
-            <a:r>
-              <a:rPr lang="ru-RU" dirty="0" smtClean="0"/>
-              <a:t> используется следующий алгоритм:</a:t>
-            </a:r>
-          </a:p>
-          <a:p>
-            <a:r>
-              <a:rPr lang="ru-RU" dirty="0" smtClean="0"/>
-              <a:t>Развёртка одномерного ряда в многомерный (запись его в матрицу)</a:t>
-            </a:r>
-          </a:p>
-          <a:p>
-            <a:r>
-              <a:rPr lang="ru-RU" dirty="0" smtClean="0"/>
-              <a:t>Анализ главных компонент</a:t>
-            </a:r>
-          </a:p>
-          <a:p>
-            <a:r>
-              <a:rPr lang="ru-RU" dirty="0" smtClean="0"/>
-              <a:t>Отбор главных компонент</a:t>
-            </a:r>
-          </a:p>
-          <a:p>
-            <a:r>
-              <a:rPr lang="ru-RU" dirty="0" smtClean="0"/>
-              <a:t>Восстановление ряда</a:t>
-            </a:r>
-          </a:p>
-          <a:p>
-            <a:pPr marL="0" indent="0" algn="just">
-              <a:buNone/>
-            </a:pPr>
-            <a:r>
-              <a:rPr lang="ru-RU" dirty="0" smtClean="0"/>
-              <a:t>	Результатом такого алгоритма становится матрица, по которой можно восстановить исходный ряд. Более подробно алгоритм описан в работе.</a:t>
-            </a:r>
-            <a:endParaRPr lang="ru-RU" dirty="0"/>
-          </a:p>
-        </p:txBody>
-      </p:sp>
-    </p:spTree>
-    <p:extLst>
-      <p:ext uri="{BB962C8B-B14F-4D97-AF65-F5344CB8AC3E}">
-        <p14:creationId xmlns:p14="http://schemas.microsoft.com/office/powerpoint/2010/main" val="1119396792"/>
-      </p:ext>
-    </p:extLst>
-  </p:cSld>
-  <p:clrMapOvr>
-    <a:masterClrMapping/>
-  </p:clrMapOvr>
-</p:sld>
-</file>
-
-<file path=ppt/slides/slide16.xml><?xml version="1.0" encoding="utf-8"?>
-<p:sld xmlns:a="http://schemas.openxmlformats.org/drawingml/2006/main" xmlns:r="http://schemas.openxmlformats.org/officeDocument/2006/relationships" xmlns:p="http://schemas.openxmlformats.org/presentationml/2006/main">
-  <p:cSld>
-    <p:spTree>
-      <p:nvGrpSpPr>
-        <p:cNvPr id="1" name=""/>
-        <p:cNvGrpSpPr/>
-        <p:nvPr/>
-      </p:nvGrpSpPr>
-      <p:grpSpPr>
-        <a:xfrm>
-          <a:off x="0" y="0"/>
-          <a:ext cx="0" cy="0"/>
-          <a:chOff x="0" y="0"/>
-          <a:chExt cx="0" cy="0"/>
-        </a:xfrm>
-      </p:grpSpPr>
-      <p:sp>
-        <p:nvSpPr>
-          <p:cNvPr id="2" name="Заголовок 1"/>
-          <p:cNvSpPr>
-            <a:spLocks noGrp="1"/>
-          </p:cNvSpPr>
-          <p:nvPr>
-            <p:ph type="title"/>
-          </p:nvPr>
-        </p:nvSpPr>
-        <p:spPr/>
-        <p:txBody>
-          <a:bodyPr/>
-          <a:lstStyle/>
-          <a:p>
-            <a:r>
-              <a:rPr lang="ru-RU" dirty="0" smtClean="0"/>
-              <a:t>Заключение</a:t>
-            </a:r>
-            <a:endParaRPr lang="ru-RU" dirty="0"/>
-          </a:p>
-        </p:txBody>
-      </p:sp>
-      <p:sp>
-        <p:nvSpPr>
-          <p:cNvPr id="3" name="Объект 2"/>
-          <p:cNvSpPr>
-            <a:spLocks noGrp="1"/>
-          </p:cNvSpPr>
-          <p:nvPr>
-            <p:ph idx="1"/>
-          </p:nvPr>
-        </p:nvSpPr>
-        <p:spPr/>
-        <p:txBody>
-          <a:bodyPr>
-            <a:normAutofit fontScale="85000" lnSpcReduction="20000"/>
-          </a:bodyPr>
-          <a:lstStyle/>
-          <a:p>
-            <a:pPr marL="0" indent="0" algn="just">
-              <a:buNone/>
-            </a:pPr>
-            <a:r>
-              <a:rPr lang="ru-RU" dirty="0"/>
-              <a:t>	</a:t>
-            </a:r>
-            <a:r>
-              <a:rPr lang="ru-RU" dirty="0" smtClean="0"/>
-              <a:t>В результате выполнения работы было построено приложение, способное:</a:t>
-            </a:r>
-          </a:p>
-          <a:p>
-            <a:pPr algn="just"/>
-            <a:r>
-              <a:rPr lang="ru-RU" dirty="0" smtClean="0"/>
-              <a:t> автономно выполнять поиск значений акций посредством </a:t>
-            </a:r>
-            <a:r>
-              <a:rPr lang="ru-RU" dirty="0" err="1" smtClean="0"/>
-              <a:t>парсинга</a:t>
-            </a:r>
-            <a:r>
-              <a:rPr lang="ru-RU" dirty="0" smtClean="0"/>
-              <a:t> веб-страницы;</a:t>
-            </a:r>
-          </a:p>
-          <a:p>
-            <a:pPr algn="just"/>
-            <a:r>
-              <a:rPr lang="ru-RU" dirty="0" smtClean="0"/>
-              <a:t>записывать сохранённые результаты в файл и читать их в дальнейшем;</a:t>
-            </a:r>
-          </a:p>
-          <a:p>
-            <a:pPr algn="just"/>
-            <a:r>
-              <a:rPr lang="ru-RU" dirty="0" smtClean="0"/>
-              <a:t>проводить анализ собранных данных и строить прогноз на их основе;</a:t>
-            </a:r>
-          </a:p>
-          <a:p>
-            <a:pPr algn="just"/>
-            <a:r>
-              <a:rPr lang="ru-RU" dirty="0" smtClean="0"/>
-              <a:t>выводить результаты анализа и прогноза на график.</a:t>
-            </a:r>
-          </a:p>
-          <a:p>
-            <a:pPr marL="0" indent="0" algn="just">
-              <a:buNone/>
-            </a:pPr>
-            <a:r>
-              <a:rPr lang="ru-RU" dirty="0" smtClean="0"/>
-              <a:t>	Таким образом, все цели и задачи были достигнуты.</a:t>
-            </a:r>
-            <a:endParaRPr lang="ru-RU" dirty="0"/>
-          </a:p>
-        </p:txBody>
-      </p:sp>
-    </p:spTree>
-    <p:extLst>
-      <p:ext uri="{BB962C8B-B14F-4D97-AF65-F5344CB8AC3E}">
-        <p14:creationId xmlns:p14="http://schemas.microsoft.com/office/powerpoint/2010/main" val="2124593734"/>
-      </p:ext>
-    </p:extLst>
-  </p:cSld>
-  <p:clrMapOvr>
-    <a:masterClrMapping/>
-  </p:clrMapOvr>
-</p:sld>
-</file>
-
-<file path=ppt/slides/slide2.xml><?xml version="1.0" encoding="utf-8"?>
-<p:sld xmlns:a="http://schemas.openxmlformats.org/drawingml/2006/main" xmlns:r="http://schemas.openxmlformats.org/officeDocument/2006/relationships" xmlns:p="http://schemas.openxmlformats.org/presentationml/2006/main">
-  <p:cSld>
-    <p:spTree>
-      <p:nvGrpSpPr>
-        <p:cNvPr id="1" name=""/>
-        <p:cNvGrpSpPr/>
-        <p:nvPr/>
-      </p:nvGrpSpPr>
-      <p:grpSpPr>
-        <a:xfrm>
-          <a:off x="0" y="0"/>
-          <a:ext cx="0" cy="0"/>
-          <a:chOff x="0" y="0"/>
-          <a:chExt cx="0" cy="0"/>
-        </a:xfrm>
-      </p:grpSpPr>
-      <p:sp>
-        <p:nvSpPr>
-          <p:cNvPr id="2" name="Заголовок 1"/>
-          <p:cNvSpPr>
-            <a:spLocks noGrp="1"/>
-          </p:cNvSpPr>
-          <p:nvPr>
-            <p:ph type="title"/>
-          </p:nvPr>
-        </p:nvSpPr>
-        <p:spPr/>
-        <p:txBody>
-          <a:bodyPr/>
-          <a:lstStyle/>
-          <a:p>
-            <a:r>
-              <a:rPr lang="ru-RU" dirty="0" smtClean="0"/>
-              <a:t>Содержание работы</a:t>
-            </a:r>
-            <a:endParaRPr lang="ru-RU" dirty="0"/>
-          </a:p>
-        </p:txBody>
-      </p:sp>
-      <p:sp>
-        <p:nvSpPr>
-          <p:cNvPr id="4" name="TextBox 3"/>
-          <p:cNvSpPr txBox="1"/>
-          <p:nvPr/>
-        </p:nvSpPr>
-        <p:spPr>
-          <a:xfrm>
-            <a:off x="395536" y="1988840"/>
-            <a:ext cx="8424936" cy="1877437"/>
-          </a:xfrm>
-          <a:prstGeom prst="rect">
-            <a:avLst/>
-          </a:prstGeom>
-          <a:noFill/>
-        </p:spPr>
-        <p:txBody>
-          <a:bodyPr wrap="square" rtlCol="0">
-            <a:spAutoFit/>
-          </a:bodyPr>
-          <a:lstStyle/>
-          <a:p>
-            <a:pPr algn="just"/>
-            <a:r>
-              <a:rPr lang="ru-RU" sz="2800" dirty="0" smtClean="0"/>
-              <a:t>	Работа </a:t>
-            </a:r>
-            <a:r>
-              <a:rPr lang="ru-RU" sz="2800" dirty="0" smtClean="0"/>
-              <a:t>посвящена автоматизированному сбору цен на акции «</a:t>
-            </a:r>
-            <a:r>
-              <a:rPr lang="en-US" sz="2800" dirty="0" smtClean="0"/>
-              <a:t>Samsung</a:t>
-            </a:r>
-            <a:r>
-              <a:rPr lang="ru-RU" sz="2800" dirty="0" smtClean="0"/>
-              <a:t> </a:t>
-            </a:r>
-            <a:r>
-              <a:rPr lang="en-US" sz="2800" dirty="0" smtClean="0"/>
-              <a:t>Electronics Co.</a:t>
-            </a:r>
-            <a:r>
-              <a:rPr lang="ru-RU" sz="2800" dirty="0" smtClean="0"/>
-              <a:t>» и последующему анализу и </a:t>
-            </a:r>
-            <a:r>
-              <a:rPr lang="ru-RU" sz="3200" dirty="0" smtClean="0"/>
-              <a:t>прогнозированию</a:t>
-            </a:r>
-            <a:r>
-              <a:rPr lang="ru-RU" sz="2800" dirty="0" smtClean="0"/>
-              <a:t> полученного временного ряда.</a:t>
-            </a:r>
-            <a:endParaRPr lang="ru-RU" sz="2800" dirty="0"/>
-          </a:p>
-        </p:txBody>
-      </p:sp>
-    </p:spTree>
-    <p:extLst>
-      <p:ext uri="{BB962C8B-B14F-4D97-AF65-F5344CB8AC3E}">
-        <p14:creationId xmlns:p14="http://schemas.microsoft.com/office/powerpoint/2010/main" val="2861991348"/>
-      </p:ext>
-    </p:extLst>
-  </p:cSld>
-  <p:clrMapOvr>
-    <a:masterClrMapping/>
-  </p:clrMapOvr>
-</p:sld>
-</file>
-
-<file path=ppt/slides/slide3.xml><?xml version="1.0" encoding="utf-8"?>
-<p:sld xmlns:a="http://schemas.openxmlformats.org/drawingml/2006/main" xmlns:r="http://schemas.openxmlformats.org/officeDocument/2006/relationships" xmlns:p="http://schemas.openxmlformats.org/presentationml/2006/main">
-  <p:cSld>
-    <p:spTree>
-      <p:nvGrpSpPr>
-        <p:cNvPr id="1" name=""/>
-        <p:cNvGrpSpPr/>
-        <p:nvPr/>
-      </p:nvGrpSpPr>
-      <p:grpSpPr>
-        <a:xfrm>
-          <a:off x="0" y="0"/>
-          <a:ext cx="0" cy="0"/>
-          <a:chOff x="0" y="0"/>
-          <a:chExt cx="0" cy="0"/>
-        </a:xfrm>
-      </p:grpSpPr>
-      <p:sp>
-        <p:nvSpPr>
-          <p:cNvPr id="2" name="Заголовок 1"/>
-          <p:cNvSpPr>
-            <a:spLocks noGrp="1"/>
-          </p:cNvSpPr>
-          <p:nvPr>
-            <p:ph type="title"/>
-          </p:nvPr>
-        </p:nvSpPr>
-        <p:spPr/>
-        <p:txBody>
-          <a:bodyPr/>
-          <a:lstStyle/>
-          <a:p>
-            <a:r>
-              <a:rPr lang="ru-RU" dirty="0" smtClean="0"/>
-              <a:t>Цели работы</a:t>
-            </a:r>
-            <a:endParaRPr lang="ru-RU" dirty="0"/>
-          </a:p>
-        </p:txBody>
-      </p:sp>
-      <p:sp>
-        <p:nvSpPr>
-          <p:cNvPr id="3" name="Объект 2"/>
-          <p:cNvSpPr>
-            <a:spLocks noGrp="1"/>
-          </p:cNvSpPr>
-          <p:nvPr>
-            <p:ph idx="1"/>
-          </p:nvPr>
-        </p:nvSpPr>
-        <p:spPr/>
-        <p:txBody>
-          <a:bodyPr/>
-          <a:lstStyle/>
-          <a:p>
-            <a:r>
-              <a:rPr lang="ru-RU" dirty="0" smtClean="0"/>
-              <a:t>Исследование методов анализа и прогнозирования временных рядов, применение полученных знаний на практике</a:t>
-            </a:r>
-          </a:p>
-          <a:p>
-            <a:r>
-              <a:rPr lang="ru-RU" dirty="0" smtClean="0"/>
-              <a:t>Сбор данных о стоимости акций в реальном времени</a:t>
-            </a:r>
-          </a:p>
-          <a:p>
-            <a:r>
-              <a:rPr lang="ru-RU" dirty="0" smtClean="0"/>
-              <a:t>Анализ и прогнозирование полученного ряда с помощью исследованных методов</a:t>
-            </a:r>
-            <a:endParaRPr lang="ru-RU" dirty="0"/>
-          </a:p>
-        </p:txBody>
-      </p:sp>
-    </p:spTree>
-    <p:extLst>
-      <p:ext uri="{BB962C8B-B14F-4D97-AF65-F5344CB8AC3E}">
-        <p14:creationId xmlns:p14="http://schemas.microsoft.com/office/powerpoint/2010/main" val="994191475"/>
-      </p:ext>
-    </p:extLst>
-  </p:cSld>
-  <p:clrMapOvr>
-    <a:masterClrMapping/>
-  </p:clrMapOvr>
-</p:sld>
-</file>
-
-<file path=ppt/slides/slide4.xml><?xml version="1.0" encoding="utf-8"?>
-<p:sld xmlns:a="http://schemas.openxmlformats.org/drawingml/2006/main" xmlns:r="http://schemas.openxmlformats.org/officeDocument/2006/relationships" xmlns:p="http://schemas.openxmlformats.org/presentationml/2006/main">
-  <p:cSld>
-    <p:spTree>
-      <p:nvGrpSpPr>
-        <p:cNvPr id="1" name=""/>
-        <p:cNvGrpSpPr/>
-        <p:nvPr/>
-      </p:nvGrpSpPr>
-      <p:grpSpPr>
-        <a:xfrm>
-          <a:off x="0" y="0"/>
-          <a:ext cx="0" cy="0"/>
-          <a:chOff x="0" y="0"/>
-          <a:chExt cx="0" cy="0"/>
-        </a:xfrm>
-      </p:grpSpPr>
-      <p:sp>
-        <p:nvSpPr>
-          <p:cNvPr id="2" name="Заголовок 1"/>
-          <p:cNvSpPr>
-            <a:spLocks noGrp="1"/>
-          </p:cNvSpPr>
-          <p:nvPr>
-            <p:ph type="title"/>
-          </p:nvPr>
-        </p:nvSpPr>
-        <p:spPr/>
-        <p:txBody>
-          <a:bodyPr/>
-          <a:lstStyle/>
-          <a:p>
-            <a:r>
-              <a:rPr lang="ru-RU" dirty="0" smtClean="0"/>
-              <a:t>Задачи</a:t>
-            </a:r>
-            <a:endParaRPr lang="ru-RU" dirty="0"/>
-          </a:p>
-        </p:txBody>
-      </p:sp>
-      <p:sp>
-        <p:nvSpPr>
-          <p:cNvPr id="3" name="Объект 2"/>
-          <p:cNvSpPr>
-            <a:spLocks noGrp="1"/>
-          </p:cNvSpPr>
-          <p:nvPr>
-            <p:ph idx="1"/>
-          </p:nvPr>
-        </p:nvSpPr>
-        <p:spPr/>
-        <p:txBody>
-          <a:bodyPr/>
-          <a:lstStyle/>
-          <a:p>
-            <a:r>
-              <a:rPr lang="ru-RU" dirty="0" smtClean="0"/>
-              <a:t>Провести обзор предметной области</a:t>
-            </a:r>
-          </a:p>
-          <a:p>
-            <a:r>
-              <a:rPr lang="ru-RU" dirty="0" smtClean="0"/>
-              <a:t>Выбрать используемые методы</a:t>
-            </a:r>
-          </a:p>
-          <a:p>
-            <a:r>
-              <a:rPr lang="ru-RU" dirty="0" smtClean="0"/>
-              <a:t>Реализовать методы программно</a:t>
-            </a:r>
-          </a:p>
-          <a:p>
-            <a:r>
-              <a:rPr lang="ru-RU" dirty="0" smtClean="0"/>
-              <a:t>Реализовать в полученном приложении пользовательский интерфейс</a:t>
-            </a:r>
-          </a:p>
-          <a:p>
-            <a:r>
-              <a:rPr lang="ru-RU" dirty="0" smtClean="0"/>
-              <a:t>Реализовать автоматизированный сбор данных</a:t>
-            </a:r>
-            <a:endParaRPr lang="ru-RU" dirty="0"/>
-          </a:p>
-        </p:txBody>
-      </p:sp>
-    </p:spTree>
-    <p:extLst>
-      <p:ext uri="{BB962C8B-B14F-4D97-AF65-F5344CB8AC3E}">
-        <p14:creationId xmlns:p14="http://schemas.microsoft.com/office/powerpoint/2010/main" val="1979472986"/>
-      </p:ext>
-    </p:extLst>
-  </p:cSld>
-  <p:clrMapOvr>
-    <a:masterClrMapping/>
-  </p:clrMapOvr>
-</p:sld>
-</file>
-
-<file path=ppt/slides/slide5.xml><?xml version="1.0" encoding="utf-8"?>
-<p:sld xmlns:a="http://schemas.openxmlformats.org/drawingml/2006/main" xmlns:r="http://schemas.openxmlformats.org/officeDocument/2006/relationships" xmlns:p="http://schemas.openxmlformats.org/presentationml/2006/main">
-  <p:cSld>
-    <p:spTree>
-      <p:nvGrpSpPr>
-        <p:cNvPr id="1" name=""/>
-        <p:cNvGrpSpPr/>
-        <p:nvPr/>
-      </p:nvGrpSpPr>
-      <p:grpSpPr>
-        <a:xfrm>
-          <a:off x="0" y="0"/>
-          <a:ext cx="0" cy="0"/>
-          <a:chOff x="0" y="0"/>
-          <a:chExt cx="0" cy="0"/>
-        </a:xfrm>
-      </p:grpSpPr>
-      <p:sp>
-        <p:nvSpPr>
-          <p:cNvPr id="2" name="Заголовок 1"/>
-          <p:cNvSpPr>
-            <a:spLocks noGrp="1"/>
-          </p:cNvSpPr>
-          <p:nvPr>
-            <p:ph type="title"/>
-          </p:nvPr>
-        </p:nvSpPr>
-        <p:spPr/>
-        <p:txBody>
-          <a:bodyPr/>
-          <a:lstStyle/>
-          <a:p>
-            <a:r>
-              <a:rPr lang="ru-RU" dirty="0" smtClean="0"/>
-              <a:t>Общая информация</a:t>
-            </a:r>
-            <a:endParaRPr lang="ru-RU" dirty="0"/>
-          </a:p>
-        </p:txBody>
-      </p:sp>
-      <p:sp>
-        <p:nvSpPr>
-          <p:cNvPr id="3" name="Объект 2"/>
-          <p:cNvSpPr>
-            <a:spLocks noGrp="1"/>
-          </p:cNvSpPr>
-          <p:nvPr>
-            <p:ph idx="1"/>
-          </p:nvPr>
-        </p:nvSpPr>
-        <p:spPr/>
-        <p:txBody>
-          <a:bodyPr>
-            <a:normAutofit fontScale="92500"/>
-          </a:bodyPr>
-          <a:lstStyle/>
-          <a:p>
-            <a:pPr marL="0" indent="0" algn="just">
-              <a:buNone/>
-            </a:pPr>
-            <a:r>
-              <a:rPr lang="ru-RU" dirty="0" smtClean="0"/>
-              <a:t>	На текущий момент большая доля рынка представлена акциями, цены на которые меняются часто.</a:t>
-            </a:r>
-          </a:p>
-          <a:p>
-            <a:pPr marL="0" indent="0" algn="just">
-              <a:buNone/>
-            </a:pPr>
-            <a:r>
-              <a:rPr lang="ru-RU" dirty="0" smtClean="0"/>
-              <a:t>	Если научиться предсказывать поведение динамики изменения цен, то возможно получить прибыль посредством покупки или продажи. Для этого были использованы методы анализа и прогнозирования временных рядов и процесс был автоматизирован.</a:t>
-            </a:r>
-            <a:endParaRPr lang="ru-RU" dirty="0"/>
-          </a:p>
-        </p:txBody>
-      </p:sp>
-    </p:spTree>
-    <p:extLst>
-      <p:ext uri="{BB962C8B-B14F-4D97-AF65-F5344CB8AC3E}">
-        <p14:creationId xmlns:p14="http://schemas.microsoft.com/office/powerpoint/2010/main" val="1175327059"/>
-      </p:ext>
-    </p:extLst>
-  </p:cSld>
-  <p:clrMapOvr>
-    <a:masterClrMapping/>
-  </p:clrMapOvr>
-</p:sld>
-</file>
-
-<file path=ppt/slides/slide6.xml><?xml version="1.0" encoding="utf-8"?>
-<p:sld xmlns:a="http://schemas.openxmlformats.org/drawingml/2006/main" xmlns:r="http://schemas.openxmlformats.org/officeDocument/2006/relationships" xmlns:p="http://schemas.openxmlformats.org/presentationml/2006/main">
-  <p:cSld>
-    <p:spTree>
-      <p:nvGrpSpPr>
-        <p:cNvPr id="1" name=""/>
-        <p:cNvGrpSpPr/>
-        <p:nvPr/>
-      </p:nvGrpSpPr>
-      <p:grpSpPr>
-        <a:xfrm>
-          <a:off x="0" y="0"/>
-          <a:ext cx="0" cy="0"/>
-          <a:chOff x="0" y="0"/>
-          <a:chExt cx="0" cy="0"/>
-        </a:xfrm>
-      </p:grpSpPr>
-      <p:sp>
-        <p:nvSpPr>
-          <p:cNvPr id="2" name="Заголовок 1"/>
-          <p:cNvSpPr>
-            <a:spLocks noGrp="1"/>
-          </p:cNvSpPr>
-          <p:nvPr>
-            <p:ph type="title"/>
-          </p:nvPr>
-        </p:nvSpPr>
-        <p:spPr/>
-        <p:txBody>
-          <a:bodyPr/>
-          <a:lstStyle/>
-          <a:p>
-            <a:r>
-              <a:rPr lang="ru-RU" dirty="0" smtClean="0"/>
-              <a:t>Аналитическое приложение</a:t>
-            </a:r>
-            <a:endParaRPr lang="ru-RU" dirty="0"/>
-          </a:p>
-        </p:txBody>
-      </p:sp>
-      <p:sp>
-        <p:nvSpPr>
-          <p:cNvPr id="3" name="Объект 2"/>
-          <p:cNvSpPr>
-            <a:spLocks noGrp="1"/>
-          </p:cNvSpPr>
-          <p:nvPr>
-            <p:ph idx="1"/>
-          </p:nvPr>
-        </p:nvSpPr>
-        <p:spPr/>
-        <p:txBody>
-          <a:bodyPr>
-            <a:normAutofit lnSpcReduction="10000"/>
-          </a:bodyPr>
-          <a:lstStyle/>
-          <a:p>
-            <a:pPr marL="0" indent="0" algn="just">
-              <a:buNone/>
-            </a:pPr>
-            <a:r>
-              <a:rPr lang="ru-RU" dirty="0" smtClean="0"/>
-              <a:t>	Было построено приложение, способное в автономном режиме собирать данные о состоянии торговой площадки и текущей цены на акцию.</a:t>
-            </a:r>
-          </a:p>
-          <a:p>
-            <a:pPr marL="0" indent="0" algn="just">
-              <a:buNone/>
-            </a:pPr>
-            <a:r>
-              <a:rPr lang="ru-RU" dirty="0" smtClean="0"/>
-              <a:t>	После сбора данные возможно выполнить анализ и прогноз будущих значений.</a:t>
-            </a:r>
-          </a:p>
-          <a:p>
-            <a:pPr marL="0" indent="0" algn="just">
-              <a:buNone/>
-            </a:pPr>
-            <a:r>
-              <a:rPr lang="ru-RU" dirty="0" smtClean="0"/>
-              <a:t>Результаты анализа и прогноза отображаются в приложении на графике.</a:t>
-            </a:r>
-          </a:p>
-        </p:txBody>
-      </p:sp>
-    </p:spTree>
-    <p:extLst>
-      <p:ext uri="{BB962C8B-B14F-4D97-AF65-F5344CB8AC3E}">
-        <p14:creationId xmlns:p14="http://schemas.microsoft.com/office/powerpoint/2010/main" val="895327777"/>
-      </p:ext>
-    </p:extLst>
-  </p:cSld>
-  <p:clrMapOvr>
-    <a:masterClrMapping/>
-  </p:clrMapOvr>
-</p:sld>
-</file>
-
-<file path=ppt/slides/slide7.xml><?xml version="1.0" encoding="utf-8"?>
-<p:sld xmlns:a="http://schemas.openxmlformats.org/drawingml/2006/main" xmlns:r="http://schemas.openxmlformats.org/officeDocument/2006/relationships" xmlns:p="http://schemas.openxmlformats.org/presentationml/2006/main">
-  <p:cSld>
-    <p:spTree>
-      <p:nvGrpSpPr>
-        <p:cNvPr id="1" name=""/>
-        <p:cNvGrpSpPr/>
-        <p:nvPr/>
-      </p:nvGrpSpPr>
-      <p:grpSpPr>
-        <a:xfrm>
-          <a:off x="0" y="0"/>
-          <a:ext cx="0" cy="0"/>
-          <a:chOff x="0" y="0"/>
-          <a:chExt cx="0" cy="0"/>
-        </a:xfrm>
-      </p:grpSpPr>
-      <p:sp>
-        <p:nvSpPr>
-          <p:cNvPr id="2" name="Заголовок 1"/>
-          <p:cNvSpPr>
-            <a:spLocks noGrp="1"/>
-          </p:cNvSpPr>
-          <p:nvPr>
-            <p:ph type="title"/>
-          </p:nvPr>
-        </p:nvSpPr>
-        <p:spPr/>
-        <p:txBody>
-          <a:bodyPr/>
-          <a:lstStyle/>
-          <a:p>
-            <a:r>
-              <a:rPr lang="ru-RU" dirty="0" smtClean="0"/>
-              <a:t>Анализ и прогнозирование</a:t>
-            </a:r>
-            <a:endParaRPr lang="ru-RU" dirty="0"/>
-          </a:p>
-        </p:txBody>
-      </p:sp>
-      <p:sp>
-        <p:nvSpPr>
-          <p:cNvPr id="3" name="Объект 2"/>
-          <p:cNvSpPr>
-            <a:spLocks noGrp="1"/>
-          </p:cNvSpPr>
-          <p:nvPr>
-            <p:ph idx="1"/>
-          </p:nvPr>
-        </p:nvSpPr>
-        <p:spPr/>
-        <p:txBody>
-          <a:bodyPr/>
-          <a:lstStyle/>
-          <a:p>
-            <a:pPr marL="0" indent="0">
-              <a:buNone/>
-            </a:pPr>
-            <a:r>
-              <a:rPr lang="ru-RU" dirty="0" smtClean="0"/>
-              <a:t>	Для анализа данных используются три метода статистической обработки данных:</a:t>
-            </a:r>
-          </a:p>
-          <a:p>
-            <a:r>
-              <a:rPr lang="ru-RU" dirty="0" smtClean="0"/>
-              <a:t>Простое скользящее среднее</a:t>
-            </a:r>
-          </a:p>
-          <a:p>
-            <a:r>
-              <a:rPr lang="ru-RU" dirty="0" err="1" smtClean="0"/>
-              <a:t>Авторегрессионное</a:t>
-            </a:r>
-            <a:r>
-              <a:rPr lang="ru-RU" dirty="0" smtClean="0"/>
-              <a:t> скользящее среднее</a:t>
-            </a:r>
-          </a:p>
-          <a:p>
-            <a:r>
-              <a:rPr lang="ru-RU" dirty="0" smtClean="0"/>
-              <a:t>Метод Гусеницы</a:t>
-            </a:r>
-          </a:p>
-          <a:p>
-            <a:pPr marL="0" indent="0">
-              <a:buNone/>
-            </a:pPr>
-            <a:r>
-              <a:rPr lang="ru-RU" dirty="0" smtClean="0"/>
-              <a:t>	Для прогноза используется простое скользящее среднее в виду удобства реализации.</a:t>
-            </a:r>
-            <a:endParaRPr lang="ru-RU" dirty="0"/>
+      <p:sp>
+        <p:nvSpPr>
+          <p:cNvPr id="5" name="Номер слайда 4"/>
+          <p:cNvSpPr>
+            <a:spLocks noGrp="1"/>
+          </p:cNvSpPr>
+          <p:nvPr>
+            <p:ph type="sldNum" sz="quarter" idx="12"/>
+          </p:nvPr>
+        </p:nvSpPr>
+        <p:spPr/>
+        <p:txBody>
+          <a:bodyPr/>
+          <a:lstStyle/>
+          <a:p>
+            <a:fld id="{D4F4F136-4EF9-4426-A1A9-4E758533A474}" type="slidenum">
+              <a:rPr lang="ru-RU" smtClean="0"/>
+              <a:t>9</a:t>
+            </a:fld>
+            <a:endParaRPr lang="ru-RU"/>
           </a:p>
         </p:txBody>
       </p:sp>
@@ -5335,170 +6253,6 @@
     <p:extLst>
       <p:ext uri="{BB962C8B-B14F-4D97-AF65-F5344CB8AC3E}">
         <p14:creationId xmlns:p14="http://schemas.microsoft.com/office/powerpoint/2010/main" val="1665094675"/>
-      </p:ext>
-    </p:extLst>
-  </p:cSld>
-  <p:clrMapOvr>
-    <a:masterClrMapping/>
-  </p:clrMapOvr>
-</p:sld>
-</file>
-
-<file path=ppt/slides/slide8.xml><?xml version="1.0" encoding="utf-8"?>
-<p:sld xmlns:a="http://schemas.openxmlformats.org/drawingml/2006/main" xmlns:r="http://schemas.openxmlformats.org/officeDocument/2006/relationships" xmlns:p="http://schemas.openxmlformats.org/presentationml/2006/main">
-  <p:cSld>
-    <p:spTree>
-      <p:nvGrpSpPr>
-        <p:cNvPr id="1" name=""/>
-        <p:cNvGrpSpPr/>
-        <p:nvPr/>
-      </p:nvGrpSpPr>
-      <p:grpSpPr>
-        <a:xfrm>
-          <a:off x="0" y="0"/>
-          <a:ext cx="0" cy="0"/>
-          <a:chOff x="0" y="0"/>
-          <a:chExt cx="0" cy="0"/>
-        </a:xfrm>
-      </p:grpSpPr>
-      <p:sp>
-        <p:nvSpPr>
-          <p:cNvPr id="2" name="Заголовок 1"/>
-          <p:cNvSpPr>
-            <a:spLocks noGrp="1"/>
-          </p:cNvSpPr>
-          <p:nvPr>
-            <p:ph type="title"/>
-          </p:nvPr>
-        </p:nvSpPr>
-        <p:spPr/>
-        <p:txBody>
-          <a:bodyPr/>
-          <a:lstStyle/>
-          <a:p>
-            <a:r>
-              <a:rPr lang="ru-RU" dirty="0" smtClean="0"/>
-              <a:t>Пример работы приложения</a:t>
-            </a:r>
-            <a:endParaRPr lang="ru-RU" dirty="0"/>
-          </a:p>
-        </p:txBody>
-      </p:sp>
-      <p:pic>
-        <p:nvPicPr>
-          <p:cNvPr id="6" name="Объект 5"/>
-          <p:cNvPicPr>
-            <a:picLocks noGrp="1" noChangeAspect="1"/>
-          </p:cNvPicPr>
-          <p:nvPr>
-            <p:ph idx="1"/>
-          </p:nvPr>
-        </p:nvPicPr>
-        <p:blipFill>
-          <a:blip r:embed="rId2">
-            <a:extLst>
-              <a:ext uri="{28A0092B-C50C-407E-A947-70E740481C1C}">
-                <a14:useLocalDpi xmlns:a14="http://schemas.microsoft.com/office/drawing/2010/main" val="0"/>
-              </a:ext>
-            </a:extLst>
-          </a:blip>
-          <a:stretch>
-            <a:fillRect/>
-          </a:stretch>
-        </p:blipFill>
-        <p:spPr>
-          <a:xfrm>
-            <a:off x="457200" y="1812383"/>
-            <a:ext cx="8229600" cy="4101597"/>
-          </a:xfrm>
-        </p:spPr>
-      </p:pic>
-    </p:spTree>
-    <p:extLst>
-      <p:ext uri="{BB962C8B-B14F-4D97-AF65-F5344CB8AC3E}">
-        <p14:creationId xmlns:p14="http://schemas.microsoft.com/office/powerpoint/2010/main" val="4236014341"/>
-      </p:ext>
-    </p:extLst>
-  </p:cSld>
-  <p:clrMapOvr>
-    <a:masterClrMapping/>
-  </p:clrMapOvr>
-</p:sld>
-</file>
-
-<file path=ppt/slides/slide9.xml><?xml version="1.0" encoding="utf-8"?>
-<p:sld xmlns:a="http://schemas.openxmlformats.org/drawingml/2006/main" xmlns:r="http://schemas.openxmlformats.org/officeDocument/2006/relationships" xmlns:p="http://schemas.openxmlformats.org/presentationml/2006/main">
-  <p:cSld>
-    <p:spTree>
-      <p:nvGrpSpPr>
-        <p:cNvPr id="1" name=""/>
-        <p:cNvGrpSpPr/>
-        <p:nvPr/>
-      </p:nvGrpSpPr>
-      <p:grpSpPr>
-        <a:xfrm>
-          <a:off x="0" y="0"/>
-          <a:ext cx="0" cy="0"/>
-          <a:chOff x="0" y="0"/>
-          <a:chExt cx="0" cy="0"/>
-        </a:xfrm>
-      </p:grpSpPr>
-      <p:sp>
-        <p:nvSpPr>
-          <p:cNvPr id="2" name="Заголовок 1"/>
-          <p:cNvSpPr>
-            <a:spLocks noGrp="1"/>
-          </p:cNvSpPr>
-          <p:nvPr>
-            <p:ph type="title"/>
-          </p:nvPr>
-        </p:nvSpPr>
-        <p:spPr/>
-        <p:txBody>
-          <a:bodyPr/>
-          <a:lstStyle/>
-          <a:p>
-            <a:r>
-              <a:rPr lang="ru-RU" dirty="0" smtClean="0"/>
-              <a:t>Блок-схема работы приложения</a:t>
-            </a:r>
-            <a:endParaRPr lang="ru-RU" dirty="0"/>
-          </a:p>
-        </p:txBody>
-      </p:sp>
-      <p:pic>
-        <p:nvPicPr>
-          <p:cNvPr id="6" name="Объект 5"/>
-          <p:cNvPicPr>
-            <a:picLocks noGrp="1" noChangeAspect="1"/>
-          </p:cNvPicPr>
-          <p:nvPr>
-            <p:ph idx="1"/>
-          </p:nvPr>
-        </p:nvPicPr>
-        <p:blipFill>
-          <a:blip r:embed="rId2">
-            <a:extLst>
-              <a:ext uri="{28A0092B-C50C-407E-A947-70E740481C1C}">
-                <a14:useLocalDpi xmlns:a14="http://schemas.microsoft.com/office/drawing/2010/main" val="0"/>
-              </a:ext>
-            </a:extLst>
-          </a:blip>
-          <a:stretch>
-            <a:fillRect/>
-          </a:stretch>
-        </p:blipFill>
-        <p:spPr>
-          <a:xfrm>
-            <a:off x="2411760" y="1196752"/>
-            <a:ext cx="4769563" cy="5423520"/>
-          </a:xfrm>
-        </p:spPr>
-      </p:pic>
-    </p:spTree>
-    <p:extLst>
-      <p:ext uri="{BB962C8B-B14F-4D97-AF65-F5344CB8AC3E}">
-        <p14:creationId xmlns:p14="http://schemas.microsoft.com/office/powerpoint/2010/main" val="3477635487"/>
       </p:ext>
     </p:extLst>
   </p:cSld>
@@ -5791,4 +6545,289 @@
   <a:objectDefaults/>
   <a:extraClrSchemeLst/>
 </a:theme>
+</file>
+
+<file path=ppt/theme/theme2.xml><?xml version="1.0" encoding="utf-8"?>
+<a:theme xmlns:a="http://schemas.openxmlformats.org/drawingml/2006/main" name="Тема Office">
+  <a:themeElements>
+    <a:clrScheme name="Стандартная">
+      <a:dk1>
+        <a:sysClr val="windowText" lastClr="000000"/>
+      </a:dk1>
+      <a:lt1>
+        <a:sysClr val="window" lastClr="FFFFFF"/>
+      </a:lt1>
+      <a:dk2>
+        <a:srgbClr val="1F497D"/>
+      </a:dk2>
+      <a:lt2>
+        <a:srgbClr val="EEECE1"/>
+      </a:lt2>
+      <a:accent1>
+        <a:srgbClr val="4F81BD"/>
+      </a:accent1>
+      <a:accent2>
+        <a:srgbClr val="C0504D"/>
+      </a:accent2>
+      <a:accent3>
+        <a:srgbClr val="9BBB59"/>
+      </a:accent3>
+      <a:accent4>
+        <a:srgbClr val="8064A2"/>
+      </a:accent4>
+      <a:accent5>
+        <a:srgbClr val="4BACC6"/>
+      </a:accent5>
+      <a:accent6>
+        <a:srgbClr val="F79646"/>
+      </a:accent6>
+      <a:hlink>
+        <a:srgbClr val="0000FF"/>
+      </a:hlink>
+      <a:folHlink>
+        <a:srgbClr val="800080"/>
+      </a:folHlink>
+    </a:clrScheme>
+    <a:fontScheme name="Стандартная">
+      <a:majorFont>
+        <a:latin typeface="Calibri"/>
+        <a:ea typeface=""/>
+        <a:cs typeface=""/>
+        <a:font script="Jpan" typeface="ＭＳ Ｐゴシック"/>
+        <a:font script="Hang" typeface="맑은 고딕"/>
+        <a:font script="Hans" typeface="宋体"/>
+        <a:font script="Hant" typeface="新細明體"/>
+        <a:font script="Arab" typeface="Times New Roman"/>
+        <a:font script="Hebr" typeface="Times New Roman"/>
+        <a:font script="Thai" typeface="Angsana New"/>
+        <a:font script="Ethi" typeface="Nyala"/>
+        <a:font script="Beng" typeface="Vrinda"/>
+        <a:font script="Gujr" typeface="Shruti"/>
+        <a:font script="Khmr" typeface="MoolBoran"/>
+        <a:font script="Knda" typeface="Tunga"/>
+        <a:font script="Guru" typeface="Raavi"/>
+        <a:font script="Cans" typeface="Euphemia"/>
+        <a:font script="Cher" typeface="Plantagenet Cherokee"/>
+        <a:font script="Yiii" typeface="Microsoft Yi Baiti"/>
+        <a:font script="Tibt" typeface="Microsoft Himalaya"/>
+        <a:font script="Thaa" typeface="MV Boli"/>
+        <a:font script="Deva" typeface="Mangal"/>
+        <a:font script="Telu" typeface="Gautami"/>
+        <a:font script="Taml" typeface="Latha"/>
+        <a:font script="Syrc" typeface="Estrangelo Edessa"/>
+        <a:font script="Orya" typeface="Kalinga"/>
+        <a:font script="Mlym" typeface="Kartika"/>
+        <a:font script="Laoo" typeface="DokChampa"/>
+        <a:font script="Sinh" typeface="Iskoola Pota"/>
+        <a:font script="Mong" typeface="Mongolian Baiti"/>
+        <a:font script="Viet" typeface="Times New Roman"/>
+        <a:font script="Uigh" typeface="Microsoft Uighur"/>
+        <a:font script="Geor" typeface="Sylfaen"/>
+      </a:majorFont>
+      <a:minorFont>
+        <a:latin typeface="Calibri"/>
+        <a:ea typeface=""/>
+        <a:cs typeface=""/>
+        <a:font script="Jpan" typeface="ＭＳ Ｐゴシック"/>
+        <a:font script="Hang" typeface="맑은 고딕"/>
+        <a:font script="Hans" typeface="宋体"/>
+        <a:font script="Hant" typeface="新細明體"/>
+        <a:font script="Arab" typeface="Arial"/>
+        <a:font script="Hebr" typeface="Arial"/>
+        <a:font script="Thai" typeface="Cordia New"/>
+        <a:font script="Ethi" typeface="Nyala"/>
+        <a:font script="Beng" typeface="Vrinda"/>
+        <a:font script="Gujr" typeface="Shruti"/>
+        <a:font script="Khmr" typeface="DaunPenh"/>
+        <a:font script="Knda" typeface="Tunga"/>
+        <a:font script="Guru" typeface="Raavi"/>
+        <a:font script="Cans" typeface="Euphemia"/>
+        <a:font script="Cher" typeface="Plantagenet Cherokee"/>
+        <a:font script="Yiii" typeface="Microsoft Yi Baiti"/>
+        <a:font script="Tibt" typeface="Microsoft Himalaya"/>
+        <a:font script="Thaa" typeface="MV Boli"/>
+        <a:font script="Deva" typeface="Mangal"/>
+        <a:font script="Telu" typeface="Gautami"/>
+        <a:font script="Taml" typeface="Latha"/>
+        <a:font script="Syrc" typeface="Estrangelo Edessa"/>
+        <a:font script="Orya" typeface="Kalinga"/>
+        <a:font script="Mlym" typeface="Kartika"/>
+        <a:font script="Laoo" typeface="DokChampa"/>
+        <a:font script="Sinh" typeface="Iskoola Pota"/>
+        <a:font script="Mong" typeface="Mongolian Baiti"/>
+        <a:font script="Viet" typeface="Arial"/>
+        <a:font script="Uigh" typeface="Microsoft Uighur"/>
+        <a:font script="Geor" typeface="Sylfaen"/>
+      </a:minorFont>
+    </a:fontScheme>
+    <a:fmtScheme name="Стандартная">
+      <a:fillStyleLst>
+        <a:solidFill>
+          <a:schemeClr val="phClr"/>
+        </a:solidFill>
+        <a:gradFill rotWithShape="1">
+          <a:gsLst>
+            <a:gs pos="0">
+              <a:schemeClr val="phClr">
+                <a:tint val="50000"/>
+                <a:satMod val="300000"/>
+              </a:schemeClr>
+            </a:gs>
+            <a:gs pos="35000">
+              <a:schemeClr val="phClr">
+                <a:tint val="37000"/>
+                <a:satMod val="300000"/>
+              </a:schemeClr>
+            </a:gs>
+            <a:gs pos="100000">
+              <a:schemeClr val="phClr">
+                <a:tint val="15000"/>
+                <a:satMod val="350000"/>
+              </a:schemeClr>
+            </a:gs>
+          </a:gsLst>
+          <a:lin ang="16200000" scaled="1"/>
+        </a:gradFill>
+        <a:gradFill rotWithShape="1">
+          <a:gsLst>
+            <a:gs pos="0">
+              <a:schemeClr val="phClr">
+                <a:shade val="51000"/>
+                <a:satMod val="130000"/>
+              </a:schemeClr>
+            </a:gs>
+            <a:gs pos="80000">
+              <a:schemeClr val="phClr">
+                <a:shade val="93000"/>
+                <a:satMod val="130000"/>
+              </a:schemeClr>
+            </a:gs>
+            <a:gs pos="100000">
+              <a:schemeClr val="phClr">
+                <a:shade val="94000"/>
+                <a:satMod val="135000"/>
+              </a:schemeClr>
+            </a:gs>
+          </a:gsLst>
+          <a:lin ang="16200000" scaled="0"/>
+        </a:gradFill>
+      </a:fillStyleLst>
+      <a:lnStyleLst>
+        <a:ln w="9525" cap="flat" cmpd="sng" algn="ctr">
+          <a:solidFill>
+            <a:schemeClr val="phClr">
+              <a:shade val="95000"/>
+              <a:satMod val="105000"/>
+            </a:schemeClr>
+          </a:solidFill>
+          <a:prstDash val="solid"/>
+        </a:ln>
+        <a:ln w="25400" cap="flat" cmpd="sng" algn="ctr">
+          <a:solidFill>
+            <a:schemeClr val="phClr"/>
+          </a:solidFill>
+          <a:prstDash val="solid"/>
+        </a:ln>
+        <a:ln w="38100" cap="flat" cmpd="sng" algn="ctr">
+          <a:solidFill>
+            <a:schemeClr val="phClr"/>
+          </a:solidFill>
+          <a:prstDash val="solid"/>
+        </a:ln>
+      </a:lnStyleLst>
+      <a:effectStyleLst>
+        <a:effectStyle>
+          <a:effectLst>
+            <a:outerShdw blurRad="40000" dist="20000" dir="5400000" rotWithShape="0">
+              <a:srgbClr val="000000">
+                <a:alpha val="38000"/>
+              </a:srgbClr>
+            </a:outerShdw>
+          </a:effectLst>
+        </a:effectStyle>
+        <a:effectStyle>
+          <a:effectLst>
+            <a:outerShdw blurRad="40000" dist="23000" dir="5400000" rotWithShape="0">
+              <a:srgbClr val="000000">
+                <a:alpha val="35000"/>
+              </a:srgbClr>
+            </a:outerShdw>
+          </a:effectLst>
+        </a:effectStyle>
+        <a:effectStyle>
+          <a:effectLst>
+            <a:outerShdw blurRad="40000" dist="23000" dir="5400000" rotWithShape="0">
+              <a:srgbClr val="000000">
+                <a:alpha val="35000"/>
+              </a:srgbClr>
+            </a:outerShdw>
+          </a:effectLst>
+          <a:scene3d>
+            <a:camera prst="orthographicFront">
+              <a:rot lat="0" lon="0" rev="0"/>
+            </a:camera>
+            <a:lightRig rig="threePt" dir="t">
+              <a:rot lat="0" lon="0" rev="1200000"/>
+            </a:lightRig>
+          </a:scene3d>
+          <a:sp3d>
+            <a:bevelT w="63500" h="25400"/>
+          </a:sp3d>
+        </a:effectStyle>
+      </a:effectStyleLst>
+      <a:bgFillStyleLst>
+        <a:solidFill>
+          <a:schemeClr val="phClr"/>
+        </a:solidFill>
+        <a:gradFill rotWithShape="1">
+          <a:gsLst>
+            <a:gs pos="0">
+              <a:schemeClr val="phClr">
+                <a:tint val="40000"/>
+                <a:satMod val="350000"/>
+              </a:schemeClr>
+            </a:gs>
+            <a:gs pos="40000">
+              <a:schemeClr val="phClr">
+                <a:tint val="45000"/>
+                <a:shade val="99000"/>
+                <a:satMod val="350000"/>
+              </a:schemeClr>
+            </a:gs>
+            <a:gs pos="100000">
+              <a:schemeClr val="phClr">
+                <a:shade val="20000"/>
+                <a:satMod val="255000"/>
+              </a:schemeClr>
+            </a:gs>
+          </a:gsLst>
+          <a:path path="circle">
+            <a:fillToRect l="50000" t="-80000" r="50000" b="180000"/>
+          </a:path>
+        </a:gradFill>
+        <a:gradFill rotWithShape="1">
+          <a:gsLst>
+            <a:gs pos="0">
+              <a:schemeClr val="phClr">
+                <a:tint val="80000"/>
+                <a:satMod val="300000"/>
+              </a:schemeClr>
+            </a:gs>
+            <a:gs pos="100000">
+              <a:schemeClr val="phClr">
+                <a:shade val="30000"/>
+                <a:satMod val="200000"/>
+              </a:schemeClr>
+            </a:gs>
+          </a:gsLst>
+          <a:path path="circle">
+            <a:fillToRect l="50000" t="50000" r="50000" b="50000"/>
+          </a:path>
+        </a:gradFill>
+      </a:bgFillStyleLst>
+    </a:fmtScheme>
+  </a:themeElements>
+  <a:objectDefaults/>
+  <a:extraClrSchemeLst/>
+</a:theme>
 </file>
--- a/Презентация.pptx
+++ b/Презентация.pptx
@@ -1,6 +1,6 @@
 
 <file path=ppt/presentation.xml><?xml version="1.0" encoding="utf-8"?>
-<p:presentation xmlns:a="http://schemas.openxmlformats.org/drawingml/2006/main" xmlns:r="http://schemas.openxmlformats.org/officeDocument/2006/relationships" xmlns:p="http://schemas.openxmlformats.org/presentationml/2006/main" showSpecialPlsOnTitleSld="0" saveSubsetFonts="1">
+<p:presentation xmlns:a="http://schemas.openxmlformats.org/drawingml/2006/main" xmlns:r="http://schemas.openxmlformats.org/officeDocument/2006/relationships" xmlns:p="http://schemas.openxmlformats.org/presentationml/2006/main" saveSubsetFonts="1">
   <p:sldMasterIdLst>
     <p:sldMasterId id="2147483648" r:id="rId1"/>
   </p:sldMasterIdLst>
@@ -3627,7 +3627,7 @@
         <p:spPr>
           <a:xfrm>
             <a:off x="107504" y="116632"/>
-            <a:ext cx="9036496" cy="6740307"/>
+            <a:ext cx="8928992" cy="6463308"/>
           </a:xfrm>
           <a:prstGeom prst="rect">
             <a:avLst/>
@@ -3642,193 +3642,322 @@
           <a:p>
             <a:pPr algn="ctr"/>
             <a:r>
-              <a:rPr lang="ru-RU" dirty="0" smtClean="0"/>
+              <a:rPr lang="ru-RU" dirty="0" smtClean="0">
+                <a:latin typeface="Times New Roman" pitchFamily="18" charset="0"/>
+                <a:cs typeface="Times New Roman" pitchFamily="18" charset="0"/>
+              </a:rPr>
               <a:t>Министерство науки и высшего образования Российской Федерации</a:t>
             </a:r>
           </a:p>
           <a:p>
             <a:pPr algn="ctr"/>
             <a:r>
-              <a:rPr lang="ru-RU" dirty="0" smtClean="0"/>
+              <a:rPr lang="ru-RU" dirty="0" smtClean="0">
+                <a:latin typeface="Times New Roman" pitchFamily="18" charset="0"/>
+                <a:cs typeface="Times New Roman" pitchFamily="18" charset="0"/>
+              </a:rPr>
               <a:t>Федеральное государственное автономное образовательное учреждение</a:t>
             </a:r>
           </a:p>
           <a:p>
             <a:pPr algn="ctr"/>
             <a:r>
-              <a:rPr lang="ru-RU" dirty="0" smtClean="0"/>
+              <a:rPr lang="ru-RU" dirty="0" smtClean="0">
+                <a:latin typeface="Times New Roman" pitchFamily="18" charset="0"/>
+                <a:cs typeface="Times New Roman" pitchFamily="18" charset="0"/>
+              </a:rPr>
               <a:t>высшего образования</a:t>
             </a:r>
           </a:p>
           <a:p>
             <a:pPr algn="ctr"/>
             <a:r>
-              <a:rPr lang="ru-RU" dirty="0" smtClean="0"/>
+              <a:rPr lang="ru-RU" dirty="0" smtClean="0">
+                <a:latin typeface="Times New Roman" pitchFamily="18" charset="0"/>
+                <a:cs typeface="Times New Roman" pitchFamily="18" charset="0"/>
+              </a:rPr>
               <a:t>«Южно-Уральский государственный университет</a:t>
             </a:r>
           </a:p>
           <a:p>
             <a:pPr algn="ctr"/>
             <a:r>
-              <a:rPr lang="ru-RU" dirty="0" smtClean="0"/>
+              <a:rPr lang="ru-RU" dirty="0" smtClean="0">
+                <a:latin typeface="Times New Roman" pitchFamily="18" charset="0"/>
+                <a:cs typeface="Times New Roman" pitchFamily="18" charset="0"/>
+              </a:rPr>
               <a:t>(национальный исследовательский университет)»</a:t>
             </a:r>
           </a:p>
           <a:p>
             <a:pPr algn="ctr"/>
             <a:r>
-              <a:rPr lang="ru-RU" dirty="0" smtClean="0"/>
+              <a:rPr lang="ru-RU" dirty="0" smtClean="0">
+                <a:latin typeface="Times New Roman" pitchFamily="18" charset="0"/>
+                <a:cs typeface="Times New Roman" pitchFamily="18" charset="0"/>
+              </a:rPr>
               <a:t>Институт естественных и точных наук</a:t>
             </a:r>
           </a:p>
           <a:p>
             <a:pPr algn="ctr"/>
             <a:r>
-              <a:rPr lang="ru-RU" dirty="0" smtClean="0"/>
+              <a:rPr lang="ru-RU" dirty="0" smtClean="0">
+                <a:latin typeface="Times New Roman" pitchFamily="18" charset="0"/>
+                <a:cs typeface="Times New Roman" pitchFamily="18" charset="0"/>
+              </a:rPr>
               <a:t>Кафедра математического и компьютерного моделирования</a:t>
             </a:r>
-            <a:endParaRPr lang="en-US" dirty="0" smtClean="0"/>
+            <a:endParaRPr lang="en-US" dirty="0" smtClean="0">
+              <a:latin typeface="Times New Roman" pitchFamily="18" charset="0"/>
+              <a:cs typeface="Times New Roman" pitchFamily="18" charset="0"/>
+            </a:endParaRPr>
           </a:p>
           <a:p>
             <a:pPr algn="ctr"/>
-            <a:endParaRPr lang="en-US" dirty="0"/>
+            <a:endParaRPr lang="en-US" dirty="0">
+              <a:latin typeface="Times New Roman" pitchFamily="18" charset="0"/>
+              <a:cs typeface="Times New Roman" pitchFamily="18" charset="0"/>
+            </a:endParaRPr>
           </a:p>
           <a:p>
             <a:pPr algn="ctr"/>
-            <a:endParaRPr lang="en-US" dirty="0" smtClean="0"/>
+            <a:endParaRPr lang="en-US" dirty="0" smtClean="0">
+              <a:latin typeface="Times New Roman" pitchFamily="18" charset="0"/>
+              <a:cs typeface="Times New Roman" pitchFamily="18" charset="0"/>
+            </a:endParaRPr>
           </a:p>
           <a:p>
             <a:pPr algn="ctr"/>
             <a:r>
-              <a:rPr lang="ru-RU" b="1" dirty="0" smtClean="0"/>
+              <a:rPr lang="ru-RU" b="1" dirty="0" smtClean="0">
+                <a:latin typeface="Times New Roman" pitchFamily="18" charset="0"/>
+                <a:cs typeface="Times New Roman" pitchFamily="18" charset="0"/>
+              </a:rPr>
               <a:t>Выпускная квалификационная работа</a:t>
             </a:r>
           </a:p>
           <a:p>
             <a:pPr algn="ctr"/>
             <a:r>
-              <a:rPr lang="ru-RU" dirty="0" smtClean="0"/>
+              <a:rPr lang="ru-RU" dirty="0" smtClean="0">
+                <a:latin typeface="Times New Roman" pitchFamily="18" charset="0"/>
+                <a:cs typeface="Times New Roman" pitchFamily="18" charset="0"/>
+              </a:rPr>
               <a:t>На тему: «Анализ и прогнозирование динамики цен акций </a:t>
             </a:r>
             <a:r>
-              <a:rPr lang="en-US" dirty="0" smtClean="0"/>
+              <a:rPr lang="en-US" dirty="0" smtClean="0">
+                <a:latin typeface="Times New Roman" pitchFamily="18" charset="0"/>
+                <a:cs typeface="Times New Roman" pitchFamily="18" charset="0"/>
+              </a:rPr>
               <a:t>“</a:t>
             </a:r>
             <a:r>
-              <a:rPr lang="ru-RU" dirty="0" err="1" smtClean="0"/>
+              <a:rPr lang="ru-RU" dirty="0" err="1" smtClean="0">
+                <a:latin typeface="Times New Roman" pitchFamily="18" charset="0"/>
+                <a:cs typeface="Times New Roman" pitchFamily="18" charset="0"/>
+              </a:rPr>
               <a:t>Samsung</a:t>
             </a:r>
             <a:r>
-              <a:rPr lang="ru-RU" dirty="0" smtClean="0"/>
+              <a:rPr lang="ru-RU" dirty="0" smtClean="0">
+                <a:latin typeface="Times New Roman" pitchFamily="18" charset="0"/>
+                <a:cs typeface="Times New Roman" pitchFamily="18" charset="0"/>
+              </a:rPr>
               <a:t> </a:t>
             </a:r>
             <a:r>
-              <a:rPr lang="ru-RU" dirty="0" err="1" smtClean="0"/>
+              <a:rPr lang="ru-RU" dirty="0" err="1" smtClean="0">
+                <a:latin typeface="Times New Roman" pitchFamily="18" charset="0"/>
+                <a:cs typeface="Times New Roman" pitchFamily="18" charset="0"/>
+              </a:rPr>
               <a:t>Electronics</a:t>
             </a:r>
             <a:r>
-              <a:rPr lang="ru-RU" dirty="0" smtClean="0"/>
+              <a:rPr lang="ru-RU" dirty="0" smtClean="0">
+                <a:latin typeface="Times New Roman" pitchFamily="18" charset="0"/>
+                <a:cs typeface="Times New Roman" pitchFamily="18" charset="0"/>
+              </a:rPr>
               <a:t> </a:t>
             </a:r>
             <a:r>
-              <a:rPr lang="ru-RU" dirty="0" err="1" smtClean="0"/>
+              <a:rPr lang="ru-RU" dirty="0" err="1" smtClean="0">
+                <a:latin typeface="Times New Roman" pitchFamily="18" charset="0"/>
+                <a:cs typeface="Times New Roman" pitchFamily="18" charset="0"/>
+              </a:rPr>
               <a:t>Co</a:t>
             </a:r>
             <a:r>
-              <a:rPr lang="ru-RU" dirty="0" smtClean="0"/>
+              <a:rPr lang="ru-RU" dirty="0" smtClean="0">
+                <a:latin typeface="Times New Roman" pitchFamily="18" charset="0"/>
+                <a:cs typeface="Times New Roman" pitchFamily="18" charset="0"/>
+              </a:rPr>
               <a:t>.</a:t>
             </a:r>
             <a:r>
-              <a:rPr lang="en-US" dirty="0" smtClean="0"/>
+              <a:rPr lang="en-US" dirty="0" smtClean="0">
+                <a:latin typeface="Times New Roman" pitchFamily="18" charset="0"/>
+                <a:cs typeface="Times New Roman" pitchFamily="18" charset="0"/>
+              </a:rPr>
               <a:t>”</a:t>
             </a:r>
             <a:r>
-              <a:rPr lang="ru-RU" dirty="0" smtClean="0"/>
+              <a:rPr lang="ru-RU" dirty="0" smtClean="0">
+                <a:latin typeface="Times New Roman" pitchFamily="18" charset="0"/>
+                <a:cs typeface="Times New Roman" pitchFamily="18" charset="0"/>
+              </a:rPr>
               <a:t>»</a:t>
             </a:r>
-            <a:endParaRPr lang="en-US" dirty="0" smtClean="0"/>
+            <a:endParaRPr lang="en-US" dirty="0" smtClean="0">
+              <a:latin typeface="Times New Roman" pitchFamily="18" charset="0"/>
+              <a:cs typeface="Times New Roman" pitchFamily="18" charset="0"/>
+            </a:endParaRPr>
           </a:p>
           <a:p>
             <a:pPr algn="ctr"/>
-            <a:endParaRPr lang="en-US" dirty="0"/>
+            <a:endParaRPr lang="en-US" dirty="0">
+              <a:latin typeface="Times New Roman" pitchFamily="18" charset="0"/>
+              <a:cs typeface="Times New Roman" pitchFamily="18" charset="0"/>
+            </a:endParaRPr>
           </a:p>
           <a:p>
             <a:pPr algn="ctr"/>
-            <a:endParaRPr lang="en-US" dirty="0" smtClean="0"/>
+            <a:endParaRPr lang="en-US" dirty="0" smtClean="0">
+              <a:latin typeface="Times New Roman" pitchFamily="18" charset="0"/>
+              <a:cs typeface="Times New Roman" pitchFamily="18" charset="0"/>
+            </a:endParaRPr>
           </a:p>
           <a:p>
             <a:pPr algn="r"/>
             <a:r>
-              <a:rPr lang="ru-RU" dirty="0" smtClean="0"/>
+              <a:rPr lang="ru-RU" dirty="0" smtClean="0">
+                <a:latin typeface="Times New Roman" pitchFamily="18" charset="0"/>
+                <a:cs typeface="Times New Roman" pitchFamily="18" charset="0"/>
+              </a:rPr>
               <a:t>Автор работы:</a:t>
             </a:r>
           </a:p>
           <a:p>
             <a:pPr algn="r"/>
             <a:r>
-              <a:rPr lang="ru-RU" dirty="0" smtClean="0"/>
+              <a:rPr lang="ru-RU" dirty="0" smtClean="0">
+                <a:latin typeface="Times New Roman" pitchFamily="18" charset="0"/>
+                <a:cs typeface="Times New Roman" pitchFamily="18" charset="0"/>
+              </a:rPr>
               <a:t>Студент группы ЕТ-411</a:t>
             </a:r>
           </a:p>
           <a:p>
             <a:pPr algn="r"/>
             <a:r>
-              <a:rPr lang="ru-RU" dirty="0" smtClean="0"/>
+              <a:rPr lang="ru-RU" dirty="0" smtClean="0">
+                <a:latin typeface="Times New Roman" pitchFamily="18" charset="0"/>
+                <a:cs typeface="Times New Roman" pitchFamily="18" charset="0"/>
+              </a:rPr>
               <a:t>А.С. Клепиков</a:t>
             </a:r>
           </a:p>
           <a:p>
             <a:pPr algn="r"/>
-            <a:endParaRPr lang="ru-RU" dirty="0"/>
+            <a:endParaRPr lang="ru-RU" dirty="0">
+              <a:latin typeface="Times New Roman" pitchFamily="18" charset="0"/>
+              <a:cs typeface="Times New Roman" pitchFamily="18" charset="0"/>
+            </a:endParaRPr>
           </a:p>
           <a:p>
             <a:pPr algn="r"/>
             <a:r>
-              <a:rPr lang="ru-RU" dirty="0" smtClean="0"/>
+              <a:rPr lang="ru-RU" dirty="0" smtClean="0">
+                <a:latin typeface="Times New Roman" pitchFamily="18" charset="0"/>
+                <a:cs typeface="Times New Roman" pitchFamily="18" charset="0"/>
+              </a:rPr>
               <a:t>Руководитель:</a:t>
             </a:r>
           </a:p>
           <a:p>
             <a:pPr algn="r"/>
             <a:r>
-              <a:rPr lang="ru-RU" dirty="0" smtClean="0"/>
+              <a:rPr lang="ru-RU" dirty="0" smtClean="0">
+                <a:latin typeface="Times New Roman" pitchFamily="18" charset="0"/>
+                <a:cs typeface="Times New Roman" pitchFamily="18" charset="0"/>
+              </a:rPr>
               <a:t>Доцент кафедры, </a:t>
             </a:r>
           </a:p>
           <a:p>
             <a:pPr algn="r"/>
             <a:r>
-              <a:rPr lang="ru-RU" dirty="0" smtClean="0"/>
+              <a:rPr lang="ru-RU" dirty="0" smtClean="0">
+                <a:latin typeface="Times New Roman" pitchFamily="18" charset="0"/>
+                <a:cs typeface="Times New Roman" pitchFamily="18" charset="0"/>
+              </a:rPr>
               <a:t>к.ф.-м.н., доцент</a:t>
             </a:r>
           </a:p>
           <a:p>
             <a:pPr algn="r"/>
             <a:r>
-              <a:rPr lang="ru-RU" dirty="0" smtClean="0"/>
+              <a:rPr lang="ru-RU" dirty="0" smtClean="0">
+                <a:latin typeface="Times New Roman" pitchFamily="18" charset="0"/>
+                <a:cs typeface="Times New Roman" pitchFamily="18" charset="0"/>
+              </a:rPr>
               <a:t>М.А. </a:t>
             </a:r>
             <a:r>
-              <a:rPr lang="ru-RU" dirty="0" err="1" smtClean="0"/>
+              <a:rPr lang="ru-RU" dirty="0" err="1" smtClean="0">
+                <a:latin typeface="Times New Roman" pitchFamily="18" charset="0"/>
+                <a:cs typeface="Times New Roman" pitchFamily="18" charset="0"/>
+              </a:rPr>
               <a:t>Сагадеева</a:t>
             </a:r>
-            <a:endParaRPr lang="ru-RU" dirty="0" smtClean="0"/>
+            <a:endParaRPr lang="ru-RU" dirty="0" smtClean="0">
+              <a:latin typeface="Times New Roman" pitchFamily="18" charset="0"/>
+              <a:cs typeface="Times New Roman" pitchFamily="18" charset="0"/>
+            </a:endParaRPr>
           </a:p>
           <a:p>
             <a:pPr algn="r"/>
-            <a:endParaRPr lang="ru-RU" dirty="0"/>
+            <a:endParaRPr lang="ru-RU" dirty="0">
+              <a:latin typeface="Times New Roman" pitchFamily="18" charset="0"/>
+              <a:cs typeface="Times New Roman" pitchFamily="18" charset="0"/>
+            </a:endParaRPr>
           </a:p>
           <a:p>
             <a:pPr algn="r"/>
-            <a:endParaRPr lang="ru-RU" dirty="0" smtClean="0"/>
-          </a:p>
-          <a:p>
-            <a:pPr algn="ctr"/>
-            <a:r>
-              <a:rPr lang="ru-RU" dirty="0" smtClean="0"/>
+            <a:endParaRPr lang="ru-RU" dirty="0" smtClean="0">
+              <a:latin typeface="Times New Roman" pitchFamily="18" charset="0"/>
+              <a:cs typeface="Times New Roman" pitchFamily="18" charset="0"/>
+            </a:endParaRPr>
+          </a:p>
+        </p:txBody>
+      </p:sp>
+      <p:sp>
+        <p:nvSpPr>
+          <p:cNvPr id="2" name="Нижний колонтитул 1"/>
+          <p:cNvSpPr>
+            <a:spLocks noGrp="1"/>
+          </p:cNvSpPr>
+          <p:nvPr>
+            <p:ph type="ftr" sz="quarter" idx="11"/>
+          </p:nvPr>
+        </p:nvSpPr>
+        <p:spPr/>
+        <p:txBody>
+          <a:bodyPr/>
+          <a:lstStyle/>
+          <a:p>
+            <a:r>
+              <a:rPr lang="ru-RU" sz="1800" dirty="0" smtClean="0">
+                <a:latin typeface="Times New Roman" pitchFamily="18" charset="0"/>
+                <a:cs typeface="Times New Roman" pitchFamily="18" charset="0"/>
+              </a:rPr>
               <a:t>Челябинск 2019</a:t>
             </a:r>
-            <a:endParaRPr lang="ru-RU" dirty="0"/>
+            <a:endParaRPr lang="ru-RU" sz="1800" dirty="0">
+              <a:latin typeface="Times New Roman" pitchFamily="18" charset="0"/>
+              <a:cs typeface="Times New Roman" pitchFamily="18" charset="0"/>
+            </a:endParaRPr>
           </a:p>
         </p:txBody>
       </p:sp>
@@ -3880,10 +4009,16 @@
           <a:lstStyle/>
           <a:p>
             <a:r>
-              <a:rPr lang="ru-RU" dirty="0" smtClean="0"/>
+              <a:rPr lang="ru-RU" dirty="0" smtClean="0">
+                <a:latin typeface="Times New Roman" pitchFamily="18" charset="0"/>
+                <a:cs typeface="Times New Roman" pitchFamily="18" charset="0"/>
+              </a:rPr>
               <a:t>Структура аналитических модулей</a:t>
             </a:r>
-            <a:endParaRPr lang="ru-RU" dirty="0"/>
+            <a:endParaRPr lang="ru-RU" dirty="0">
+              <a:latin typeface="Times New Roman" pitchFamily="18" charset="0"/>
+              <a:cs typeface="Times New Roman" pitchFamily="18" charset="0"/>
+            </a:endParaRPr>
           </a:p>
         </p:txBody>
       </p:sp>
@@ -3985,10 +4120,16 @@
           <a:lstStyle/>
           <a:p>
             <a:r>
-              <a:rPr lang="ru-RU" dirty="0" smtClean="0"/>
+              <a:rPr lang="ru-RU" dirty="0" smtClean="0">
+                <a:latin typeface="Times New Roman" pitchFamily="18" charset="0"/>
+                <a:cs typeface="Times New Roman" pitchFamily="18" charset="0"/>
+              </a:rPr>
               <a:t>Сбор и сохранение данных</a:t>
             </a:r>
-            <a:endParaRPr lang="ru-RU" dirty="0"/>
+            <a:endParaRPr lang="ru-RU" dirty="0">
+              <a:latin typeface="Times New Roman" pitchFamily="18" charset="0"/>
+              <a:cs typeface="Times New Roman" pitchFamily="18" charset="0"/>
+            </a:endParaRPr>
           </a:p>
         </p:txBody>
       </p:sp>
@@ -4013,15 +4154,24 @@
               <a:buNone/>
             </a:pPr>
             <a:r>
-              <a:rPr lang="ru-RU" dirty="0" smtClean="0"/>
+              <a:rPr lang="ru-RU" dirty="0" smtClean="0">
+                <a:latin typeface="Times New Roman" pitchFamily="18" charset="0"/>
+                <a:cs typeface="Times New Roman" pitchFamily="18" charset="0"/>
+              </a:rPr>
               <a:t>	Сбор данных ведётся посредством </a:t>
             </a:r>
             <a:r>
-              <a:rPr lang="ru-RU" dirty="0" err="1" smtClean="0"/>
+              <a:rPr lang="ru-RU" dirty="0" err="1" smtClean="0">
+                <a:latin typeface="Times New Roman" pitchFamily="18" charset="0"/>
+                <a:cs typeface="Times New Roman" pitchFamily="18" charset="0"/>
+              </a:rPr>
               <a:t>парсинга</a:t>
             </a:r>
             <a:r>
-              <a:rPr lang="ru-RU" dirty="0" smtClean="0"/>
+              <a:rPr lang="ru-RU" dirty="0" smtClean="0">
+                <a:latin typeface="Times New Roman" pitchFamily="18" charset="0"/>
+                <a:cs typeface="Times New Roman" pitchFamily="18" charset="0"/>
+              </a:rPr>
               <a:t> веб-страницы с торгами. Проверяется, активна ли площадка, и если да, то данные собираются раз в минуту. Иначе – перепроверка через 10 минут.</a:t>
             </a:r>
           </a:p>
@@ -4030,20 +4180,11 @@
               <a:buNone/>
             </a:pPr>
             <a:r>
-              <a:rPr lang="ru-RU" dirty="0" smtClean="0"/>
-              <a:t>	Как только получена цена акции, она пишется в </a:t>
-            </a:r>
-            <a:r>
-              <a:rPr lang="ru-RU" dirty="0" smtClean="0"/>
-              <a:t>файл</a:t>
-            </a:r>
-            <a:r>
-              <a:rPr lang="ru-RU" dirty="0" smtClean="0"/>
-              <a:t>. При последующем запуске приложения файл будет прочитан, данные будут занесены во внутренний	 список для дальнейшей работы с ними</a:t>
-            </a:r>
-            <a:r>
-              <a:rPr lang="ru-RU" dirty="0" smtClean="0"/>
-              <a:t>.</a:t>
+              <a:rPr lang="ru-RU" dirty="0" smtClean="0">
+                <a:latin typeface="Times New Roman" pitchFamily="18" charset="0"/>
+                <a:cs typeface="Times New Roman" pitchFamily="18" charset="0"/>
+              </a:rPr>
+              <a:t>	Как только получена цена акции, она пишется в файл. При последующем запуске приложения файл будет прочитан, данные будут занесены во внутренний	 список для дальнейшей работы с ними.</a:t>
             </a:r>
           </a:p>
           <a:p>
@@ -4051,38 +4192,65 @@
               <a:buNone/>
             </a:pPr>
             <a:r>
-              <a:rPr lang="ru-RU" dirty="0"/>
+              <a:rPr lang="ru-RU" dirty="0">
+                <a:latin typeface="Times New Roman" pitchFamily="18" charset="0"/>
+                <a:cs typeface="Times New Roman" pitchFamily="18" charset="0"/>
+              </a:rPr>
               <a:t>	</a:t>
             </a:r>
             <a:r>
-              <a:rPr lang="ru-RU" dirty="0" smtClean="0"/>
+              <a:rPr lang="ru-RU" dirty="0" smtClean="0">
+                <a:latin typeface="Times New Roman" pitchFamily="18" charset="0"/>
+                <a:cs typeface="Times New Roman" pitchFamily="18" charset="0"/>
+              </a:rPr>
               <a:t>Для сохранения данных был выбран формат данных </a:t>
             </a:r>
             <a:r>
-              <a:rPr lang="en-US" dirty="0" smtClean="0"/>
+              <a:rPr lang="en-US" dirty="0" smtClean="0">
+                <a:latin typeface="Times New Roman" pitchFamily="18" charset="0"/>
+                <a:cs typeface="Times New Roman" pitchFamily="18" charset="0"/>
+              </a:rPr>
               <a:t>JSON</a:t>
             </a:r>
             <a:r>
-              <a:rPr lang="ru-RU" dirty="0" smtClean="0"/>
+              <a:rPr lang="ru-RU" dirty="0" smtClean="0">
+                <a:latin typeface="Times New Roman" pitchFamily="18" charset="0"/>
+                <a:cs typeface="Times New Roman" pitchFamily="18" charset="0"/>
+              </a:rPr>
               <a:t>, основанный на языке программирования </a:t>
             </a:r>
             <a:r>
-              <a:rPr lang="en-US" dirty="0" smtClean="0"/>
+              <a:rPr lang="en-US" dirty="0" smtClean="0">
+                <a:latin typeface="Times New Roman" pitchFamily="18" charset="0"/>
+                <a:cs typeface="Times New Roman" pitchFamily="18" charset="0"/>
+              </a:rPr>
               <a:t>JavaScript. </a:t>
             </a:r>
             <a:r>
-              <a:rPr lang="ru-RU" dirty="0" smtClean="0"/>
+              <a:rPr lang="ru-RU" dirty="0" smtClean="0">
+                <a:latin typeface="Times New Roman" pitchFamily="18" charset="0"/>
+                <a:cs typeface="Times New Roman" pitchFamily="18" charset="0"/>
+              </a:rPr>
               <a:t>Данные пишутся в формате дата-цена, где дата в формате </a:t>
             </a:r>
             <a:r>
-              <a:rPr lang="en-US" dirty="0" smtClean="0"/>
+              <a:rPr lang="en-US" dirty="0" smtClean="0">
+                <a:latin typeface="Times New Roman" pitchFamily="18" charset="0"/>
+                <a:cs typeface="Times New Roman" pitchFamily="18" charset="0"/>
+              </a:rPr>
               <a:t>UNIX</a:t>
             </a:r>
             <a:r>
-              <a:rPr lang="ru-RU" dirty="0" smtClean="0"/>
+              <a:rPr lang="ru-RU" dirty="0" smtClean="0">
+                <a:latin typeface="Times New Roman" pitchFamily="18" charset="0"/>
+                <a:cs typeface="Times New Roman" pitchFamily="18" charset="0"/>
+              </a:rPr>
               <a:t>, а цена в формате числа с плавающей точкой двойной точности. Пример такого файла приведён на следующем слайде.</a:t>
             </a:r>
-            <a:endParaRPr lang="ru-RU" dirty="0"/>
+            <a:endParaRPr lang="ru-RU" dirty="0">
+              <a:latin typeface="Times New Roman" pitchFamily="18" charset="0"/>
+              <a:cs typeface="Times New Roman" pitchFamily="18" charset="0"/>
+            </a:endParaRPr>
           </a:p>
         </p:txBody>
       </p:sp>
@@ -4155,18 +4323,30 @@
           <a:lstStyle/>
           <a:p>
             <a:r>
-              <a:rPr lang="ru-RU" dirty="0" smtClean="0"/>
+              <a:rPr lang="ru-RU" dirty="0" smtClean="0">
+                <a:latin typeface="Times New Roman" pitchFamily="18" charset="0"/>
+                <a:cs typeface="Times New Roman" pitchFamily="18" charset="0"/>
+              </a:rPr>
               <a:t>Пример </a:t>
             </a:r>
             <a:r>
-              <a:rPr lang="en-US" dirty="0" smtClean="0"/>
+              <a:rPr lang="en-US" dirty="0" smtClean="0">
+                <a:latin typeface="Times New Roman" pitchFamily="18" charset="0"/>
+                <a:cs typeface="Times New Roman" pitchFamily="18" charset="0"/>
+              </a:rPr>
               <a:t>JSON-</a:t>
             </a:r>
             <a:r>
-              <a:rPr lang="ru-RU" dirty="0" smtClean="0"/>
+              <a:rPr lang="ru-RU" dirty="0" smtClean="0">
+                <a:latin typeface="Times New Roman" pitchFamily="18" charset="0"/>
+                <a:cs typeface="Times New Roman" pitchFamily="18" charset="0"/>
+              </a:rPr>
               <a:t>файла с данными</a:t>
             </a:r>
-            <a:endParaRPr lang="ru-RU" dirty="0"/>
+            <a:endParaRPr lang="ru-RU" dirty="0">
+              <a:latin typeface="Times New Roman" pitchFamily="18" charset="0"/>
+              <a:cs typeface="Times New Roman" pitchFamily="18" charset="0"/>
+            </a:endParaRPr>
           </a:p>
         </p:txBody>
       </p:sp>
@@ -4268,10 +4448,16 @@
           <a:lstStyle/>
           <a:p>
             <a:r>
-              <a:rPr lang="ru-RU" dirty="0" smtClean="0"/>
+              <a:rPr lang="ru-RU" dirty="0" smtClean="0">
+                <a:latin typeface="Times New Roman" pitchFamily="18" charset="0"/>
+                <a:cs typeface="Times New Roman" pitchFamily="18" charset="0"/>
+              </a:rPr>
               <a:t>Пример работы приложения</a:t>
             </a:r>
-            <a:endParaRPr lang="ru-RU" dirty="0"/>
+            <a:endParaRPr lang="ru-RU" dirty="0">
+              <a:latin typeface="Times New Roman" pitchFamily="18" charset="0"/>
+              <a:cs typeface="Times New Roman" pitchFamily="18" charset="0"/>
+            </a:endParaRPr>
           </a:p>
         </p:txBody>
       </p:sp>
@@ -4373,10 +4559,16 @@
           <a:lstStyle/>
           <a:p>
             <a:r>
-              <a:rPr lang="ru-RU" dirty="0" smtClean="0"/>
+              <a:rPr lang="ru-RU" dirty="0" smtClean="0">
+                <a:latin typeface="Times New Roman" pitchFamily="18" charset="0"/>
+                <a:cs typeface="Times New Roman" pitchFamily="18" charset="0"/>
+              </a:rPr>
               <a:t>Заключение</a:t>
             </a:r>
-            <a:endParaRPr lang="ru-RU" dirty="0"/>
+            <a:endParaRPr lang="ru-RU" dirty="0">
+              <a:latin typeface="Times New Roman" pitchFamily="18" charset="0"/>
+              <a:cs typeface="Times New Roman" pitchFamily="18" charset="0"/>
+            </a:endParaRPr>
           </a:p>
         </p:txBody>
       </p:sp>
@@ -4401,47 +4593,71 @@
               <a:buNone/>
             </a:pPr>
             <a:r>
-              <a:rPr lang="ru-RU" dirty="0"/>
+              <a:rPr lang="ru-RU" dirty="0">
+                <a:latin typeface="Times New Roman" pitchFamily="18" charset="0"/>
+                <a:cs typeface="Times New Roman" pitchFamily="18" charset="0"/>
+              </a:rPr>
               <a:t>	</a:t>
             </a:r>
             <a:r>
-              <a:rPr lang="ru-RU" dirty="0" smtClean="0"/>
+              <a:rPr lang="ru-RU" dirty="0" smtClean="0">
+                <a:latin typeface="Times New Roman" pitchFamily="18" charset="0"/>
+                <a:cs typeface="Times New Roman" pitchFamily="18" charset="0"/>
+              </a:rPr>
               <a:t>В результате выполнения работы было построено приложение, способное:</a:t>
             </a:r>
           </a:p>
           <a:p>
             <a:pPr algn="just"/>
             <a:r>
-              <a:rPr lang="ru-RU" dirty="0" smtClean="0"/>
+              <a:rPr lang="ru-RU" dirty="0" smtClean="0">
+                <a:latin typeface="Times New Roman" pitchFamily="18" charset="0"/>
+                <a:cs typeface="Times New Roman" pitchFamily="18" charset="0"/>
+              </a:rPr>
               <a:t> автономно выполнять поиск значений акций посредством </a:t>
             </a:r>
             <a:r>
-              <a:rPr lang="ru-RU" dirty="0" err="1" smtClean="0"/>
+              <a:rPr lang="ru-RU" dirty="0" err="1" smtClean="0">
+                <a:latin typeface="Times New Roman" pitchFamily="18" charset="0"/>
+                <a:cs typeface="Times New Roman" pitchFamily="18" charset="0"/>
+              </a:rPr>
               <a:t>парсинга</a:t>
             </a:r>
             <a:r>
-              <a:rPr lang="ru-RU" dirty="0" smtClean="0"/>
+              <a:rPr lang="ru-RU" dirty="0" smtClean="0">
+                <a:latin typeface="Times New Roman" pitchFamily="18" charset="0"/>
+                <a:cs typeface="Times New Roman" pitchFamily="18" charset="0"/>
+              </a:rPr>
               <a:t> веб-страницы;</a:t>
             </a:r>
           </a:p>
           <a:p>
             <a:pPr algn="just"/>
             <a:r>
-              <a:rPr lang="ru-RU" dirty="0" smtClean="0"/>
+              <a:rPr lang="ru-RU" dirty="0" smtClean="0">
+                <a:latin typeface="Times New Roman" pitchFamily="18" charset="0"/>
+                <a:cs typeface="Times New Roman" pitchFamily="18" charset="0"/>
+              </a:rPr>
               <a:t>записывать сохранённые результаты в файл и читать их в дальнейшем;</a:t>
             </a:r>
           </a:p>
           <a:p>
             <a:pPr algn="just"/>
             <a:r>
-              <a:rPr lang="ru-RU" dirty="0" smtClean="0"/>
+              <a:rPr lang="ru-RU" dirty="0" smtClean="0">
+                <a:latin typeface="Times New Roman" pitchFamily="18" charset="0"/>
+                <a:cs typeface="Times New Roman" pitchFamily="18" charset="0"/>
+              </a:rPr>
               <a:t>проводить анализ собранных данных и строить прогноз на их основе;</a:t>
             </a:r>
           </a:p>
           <a:p>
             <a:pPr algn="just"/>
             <a:r>
-              <a:rPr lang="ru-RU" dirty="0" smtClean="0"/>
+              <a:rPr lang="ru-RU" dirty="0" smtClean="0">
+                <a:latin typeface="Times New Roman" pitchFamily="18" charset="0"/>
+                <a:cs typeface="Times New Roman" pitchFamily="18" charset="0"/>
+              </a:rPr>
               <a:t>выводить результаты анализа и прогноза на график.</a:t>
             </a:r>
           </a:p>
@@ -4450,10 +4666,16 @@
               <a:buNone/>
             </a:pPr>
             <a:r>
-              <a:rPr lang="ru-RU" dirty="0" smtClean="0"/>
+              <a:rPr lang="ru-RU" dirty="0" smtClean="0">
+                <a:latin typeface="Times New Roman" pitchFamily="18" charset="0"/>
+                <a:cs typeface="Times New Roman" pitchFamily="18" charset="0"/>
+              </a:rPr>
               <a:t>	Таким образом, все цели и задачи были достигнуты.</a:t>
             </a:r>
-            <a:endParaRPr lang="ru-RU" dirty="0"/>
+            <a:endParaRPr lang="ru-RU" dirty="0">
+              <a:latin typeface="Times New Roman" pitchFamily="18" charset="0"/>
+              <a:cs typeface="Times New Roman" pitchFamily="18" charset="0"/>
+            </a:endParaRPr>
           </a:p>
         </p:txBody>
       </p:sp>
@@ -4526,10 +4748,16 @@
           <a:lstStyle/>
           <a:p>
             <a:r>
-              <a:rPr lang="ru-RU" dirty="0" smtClean="0"/>
+              <a:rPr lang="ru-RU" dirty="0" smtClean="0">
+                <a:latin typeface="Times New Roman" pitchFamily="18" charset="0"/>
+                <a:cs typeface="Times New Roman" pitchFamily="18" charset="0"/>
+              </a:rPr>
               <a:t>Содержание работы</a:t>
             </a:r>
-            <a:endParaRPr lang="ru-RU" dirty="0"/>
+            <a:endParaRPr lang="ru-RU" dirty="0">
+              <a:latin typeface="Times New Roman" pitchFamily="18" charset="0"/>
+              <a:cs typeface="Times New Roman" pitchFamily="18" charset="0"/>
+            </a:endParaRPr>
           </a:p>
         </p:txBody>
       </p:sp>
@@ -4557,58 +4785,93 @@
           <a:p>
             <a:pPr algn="just"/>
             <a:r>
-              <a:rPr lang="ru-RU" sz="2800" dirty="0" smtClean="0"/>
+              <a:rPr lang="ru-RU" sz="2800" dirty="0" smtClean="0">
+                <a:latin typeface="Times New Roman" pitchFamily="18" charset="0"/>
+                <a:cs typeface="Times New Roman" pitchFamily="18" charset="0"/>
+              </a:rPr>
               <a:t>	Работа посвящена автоматизированному сбору цен на акции «</a:t>
             </a:r>
             <a:r>
-              <a:rPr lang="en-US" sz="2800" dirty="0" smtClean="0"/>
+              <a:rPr lang="en-US" sz="2800" dirty="0" smtClean="0">
+                <a:latin typeface="Times New Roman" pitchFamily="18" charset="0"/>
+                <a:cs typeface="Times New Roman" pitchFamily="18" charset="0"/>
+              </a:rPr>
               <a:t>Samsung</a:t>
             </a:r>
             <a:r>
-              <a:rPr lang="ru-RU" sz="2800" dirty="0" smtClean="0"/>
+              <a:rPr lang="ru-RU" sz="2800" dirty="0" smtClean="0">
+                <a:latin typeface="Times New Roman" pitchFamily="18" charset="0"/>
+                <a:cs typeface="Times New Roman" pitchFamily="18" charset="0"/>
+              </a:rPr>
               <a:t> </a:t>
             </a:r>
             <a:r>
-              <a:rPr lang="en-US" sz="2800" dirty="0" smtClean="0"/>
+              <a:rPr lang="en-US" sz="2800" dirty="0" smtClean="0">
+                <a:latin typeface="Times New Roman" pitchFamily="18" charset="0"/>
+                <a:cs typeface="Times New Roman" pitchFamily="18" charset="0"/>
+              </a:rPr>
               <a:t>Electronics Co.</a:t>
             </a:r>
             <a:r>
-              <a:rPr lang="ru-RU" sz="2800" dirty="0" smtClean="0"/>
-              <a:t>» и последующему анализу и прогнозированию полученного временного ряда</a:t>
-            </a:r>
-            <a:r>
-              <a:rPr lang="ru-RU" sz="2800" dirty="0" smtClean="0"/>
-              <a:t>.</a:t>
-            </a:r>
-            <a:endParaRPr lang="en-US" sz="2800" dirty="0" smtClean="0"/>
+              <a:rPr lang="ru-RU" sz="2800" dirty="0" smtClean="0">
+                <a:latin typeface="Times New Roman" pitchFamily="18" charset="0"/>
+                <a:cs typeface="Times New Roman" pitchFamily="18" charset="0"/>
+              </a:rPr>
+              <a:t>» и последующему анализу и прогнозированию полученного временного ряда.</a:t>
+            </a:r>
+            <a:endParaRPr lang="en-US" sz="2800" dirty="0" smtClean="0">
+              <a:latin typeface="Times New Roman" pitchFamily="18" charset="0"/>
+              <a:cs typeface="Times New Roman" pitchFamily="18" charset="0"/>
+            </a:endParaRPr>
           </a:p>
           <a:p>
             <a:pPr algn="just"/>
-            <a:endParaRPr lang="en-US" sz="2800" dirty="0"/>
+            <a:endParaRPr lang="en-US" sz="2800" dirty="0">
+              <a:latin typeface="Times New Roman" pitchFamily="18" charset="0"/>
+              <a:cs typeface="Times New Roman" pitchFamily="18" charset="0"/>
+            </a:endParaRPr>
           </a:p>
           <a:p>
             <a:pPr algn="just"/>
-            <a:endParaRPr lang="en-US" sz="2800" dirty="0" smtClean="0"/>
+            <a:endParaRPr lang="en-US" sz="2800" dirty="0" smtClean="0">
+              <a:latin typeface="Times New Roman" pitchFamily="18" charset="0"/>
+              <a:cs typeface="Times New Roman" pitchFamily="18" charset="0"/>
+            </a:endParaRPr>
           </a:p>
           <a:p>
             <a:pPr algn="just"/>
-            <a:endParaRPr lang="en-US" sz="2800" dirty="0"/>
+            <a:endParaRPr lang="en-US" sz="2800" dirty="0">
+              <a:latin typeface="Times New Roman" pitchFamily="18" charset="0"/>
+              <a:cs typeface="Times New Roman" pitchFamily="18" charset="0"/>
+            </a:endParaRPr>
           </a:p>
           <a:p>
             <a:pPr algn="just"/>
-            <a:endParaRPr lang="en-US" sz="2800" dirty="0" smtClean="0"/>
+            <a:endParaRPr lang="en-US" sz="2800" dirty="0" smtClean="0">
+              <a:latin typeface="Times New Roman" pitchFamily="18" charset="0"/>
+              <a:cs typeface="Times New Roman" pitchFamily="18" charset="0"/>
+            </a:endParaRPr>
           </a:p>
           <a:p>
             <a:pPr algn="just"/>
-            <a:endParaRPr lang="en-US" sz="2800" dirty="0"/>
+            <a:endParaRPr lang="en-US" sz="2800" dirty="0">
+              <a:latin typeface="Times New Roman" pitchFamily="18" charset="0"/>
+              <a:cs typeface="Times New Roman" pitchFamily="18" charset="0"/>
+            </a:endParaRPr>
           </a:p>
           <a:p>
             <a:pPr algn="ctr"/>
-            <a:endParaRPr lang="en-US" sz="2800" dirty="0" smtClean="0"/>
+            <a:endParaRPr lang="en-US" sz="2800" dirty="0" smtClean="0">
+              <a:latin typeface="Times New Roman" pitchFamily="18" charset="0"/>
+              <a:cs typeface="Times New Roman" pitchFamily="18" charset="0"/>
+            </a:endParaRPr>
           </a:p>
           <a:p>
             <a:pPr algn="ctr"/>
-            <a:endParaRPr lang="ru-RU" sz="1600" dirty="0"/>
+            <a:endParaRPr lang="ru-RU" sz="1600" dirty="0">
+              <a:latin typeface="Times New Roman" pitchFamily="18" charset="0"/>
+              <a:cs typeface="Times New Roman" pitchFamily="18" charset="0"/>
+            </a:endParaRPr>
           </a:p>
         </p:txBody>
       </p:sp>
@@ -4681,14 +4944,27 @@
           <a:lstStyle/>
           <a:p>
             <a:r>
+              <a:rPr lang="ru-RU" dirty="0" smtClean="0">
+                <a:latin typeface="Times New Roman" pitchFamily="18" charset="0"/>
+                <a:cs typeface="Times New Roman" pitchFamily="18" charset="0"/>
+              </a:rPr>
+              <a:t>Цель</a:t>
+            </a:r>
+            <a:r>
               <a:rPr lang="ru-RU" dirty="0" smtClean="0"/>
-              <a:t>Цель </a:t>
-            </a:r>
-            <a:r>
-              <a:rPr lang="ru-RU" dirty="0" smtClean="0"/>
+              <a:t> </a:t>
+            </a:r>
+            <a:r>
+              <a:rPr lang="ru-RU" dirty="0" smtClean="0">
+                <a:latin typeface="Times New Roman" pitchFamily="18" charset="0"/>
+                <a:cs typeface="Times New Roman" pitchFamily="18" charset="0"/>
+              </a:rPr>
               <a:t>работы</a:t>
             </a:r>
-            <a:endParaRPr lang="ru-RU" dirty="0"/>
+            <a:endParaRPr lang="ru-RU" dirty="0">
+              <a:latin typeface="Times New Roman" pitchFamily="18" charset="0"/>
+              <a:cs typeface="Times New Roman" pitchFamily="18" charset="0"/>
+            </a:endParaRPr>
           </a:p>
         </p:txBody>
       </p:sp>
@@ -4718,52 +4994,43 @@
               <a:buNone/>
             </a:pPr>
             <a:r>
-              <a:rPr lang="ru-RU" dirty="0" smtClean="0"/>
-              <a:t>	Исследование </a:t>
-            </a:r>
-            <a:r>
-              <a:rPr lang="ru-RU" dirty="0" smtClean="0"/>
-              <a:t>методов анализа и прогнозирования временных рядов, применение полученных знаний на </a:t>
-            </a:r>
-            <a:r>
-              <a:rPr lang="ru-RU" dirty="0" smtClean="0"/>
-              <a:t>практике, сбор </a:t>
-            </a:r>
-            <a:r>
-              <a:rPr lang="ru-RU" dirty="0" smtClean="0"/>
-              <a:t>данных о стоимости акций в реальном </a:t>
-            </a:r>
-            <a:r>
-              <a:rPr lang="ru-RU" dirty="0" smtClean="0"/>
-              <a:t>времени, а также анализ </a:t>
-            </a:r>
-            <a:r>
-              <a:rPr lang="ru-RU" dirty="0" smtClean="0"/>
-              <a:t>и прогнозирование полученного ряда с помощью исследованных </a:t>
-            </a:r>
-            <a:r>
-              <a:rPr lang="ru-RU" dirty="0" smtClean="0"/>
-              <a:t>методов.</a:t>
-            </a:r>
-            <a:endParaRPr lang="en-US" dirty="0" smtClean="0"/>
+              <a:rPr lang="ru-RU" dirty="0" smtClean="0">
+                <a:latin typeface="Times New Roman" pitchFamily="18" charset="0"/>
+                <a:cs typeface="Times New Roman" pitchFamily="18" charset="0"/>
+              </a:rPr>
+              <a:t>	Исследование методов анализа и прогнозирования временных рядов, применение полученных знаний на практике, сбор данных о стоимости акций в реальном времени, а также анализ и прогнозирование полученного ряда с помощью исследованных методов.</a:t>
+            </a:r>
+            <a:endParaRPr lang="en-US" dirty="0" smtClean="0">
+              <a:latin typeface="Times New Roman" pitchFamily="18" charset="0"/>
+              <a:cs typeface="Times New Roman" pitchFamily="18" charset="0"/>
+            </a:endParaRPr>
           </a:p>
           <a:p>
             <a:pPr marL="0" indent="0" algn="just">
               <a:buNone/>
             </a:pPr>
-            <a:endParaRPr lang="en-US" dirty="0" smtClean="0"/>
+            <a:endParaRPr lang="en-US" dirty="0" smtClean="0">
+              <a:latin typeface="Times New Roman" pitchFamily="18" charset="0"/>
+              <a:cs typeface="Times New Roman" pitchFamily="18" charset="0"/>
+            </a:endParaRPr>
           </a:p>
           <a:p>
             <a:pPr marL="0" indent="0" algn="ctr">
               <a:buNone/>
             </a:pPr>
-            <a:endParaRPr lang="en-US" dirty="0" smtClean="0"/>
+            <a:endParaRPr lang="en-US" dirty="0" smtClean="0">
+              <a:latin typeface="Times New Roman" pitchFamily="18" charset="0"/>
+              <a:cs typeface="Times New Roman" pitchFamily="18" charset="0"/>
+            </a:endParaRPr>
           </a:p>
           <a:p>
             <a:pPr marL="0" indent="0" algn="ctr">
               <a:buNone/>
             </a:pPr>
-            <a:endParaRPr lang="en-US" sz="1800" dirty="0" smtClean="0"/>
+            <a:endParaRPr lang="en-US" sz="1800" dirty="0" smtClean="0">
+              <a:latin typeface="Times New Roman" pitchFamily="18" charset="0"/>
+              <a:cs typeface="Times New Roman" pitchFamily="18" charset="0"/>
+            </a:endParaRPr>
           </a:p>
         </p:txBody>
       </p:sp>
@@ -4836,10 +5103,16 @@
           <a:lstStyle/>
           <a:p>
             <a:r>
-              <a:rPr lang="ru-RU" dirty="0" smtClean="0"/>
+              <a:rPr lang="ru-RU" dirty="0" smtClean="0">
+                <a:latin typeface="Times New Roman" pitchFamily="18" charset="0"/>
+                <a:cs typeface="Times New Roman" pitchFamily="18" charset="0"/>
+              </a:rPr>
               <a:t>Задачи</a:t>
             </a:r>
-            <a:endParaRPr lang="ru-RU" dirty="0"/>
+            <a:endParaRPr lang="ru-RU" dirty="0">
+              <a:latin typeface="Times New Roman" pitchFamily="18" charset="0"/>
+              <a:cs typeface="Times New Roman" pitchFamily="18" charset="0"/>
+            </a:endParaRPr>
           </a:p>
         </p:txBody>
       </p:sp>
@@ -4866,56 +5139,79 @@
           <a:lstStyle/>
           <a:p>
             <a:r>
-              <a:rPr lang="ru-RU" dirty="0" smtClean="0"/>
+              <a:rPr lang="ru-RU" dirty="0" smtClean="0">
+                <a:latin typeface="Times New Roman" pitchFamily="18" charset="0"/>
+                <a:cs typeface="Times New Roman" pitchFamily="18" charset="0"/>
+              </a:rPr>
               <a:t>Провести обзор предметной области</a:t>
             </a:r>
           </a:p>
           <a:p>
             <a:r>
-              <a:rPr lang="ru-RU" dirty="0" smtClean="0"/>
+              <a:rPr lang="ru-RU" dirty="0" smtClean="0">
+                <a:latin typeface="Times New Roman" pitchFamily="18" charset="0"/>
+                <a:cs typeface="Times New Roman" pitchFamily="18" charset="0"/>
+              </a:rPr>
               <a:t>Выбрать используемые методы</a:t>
             </a:r>
           </a:p>
           <a:p>
             <a:r>
-              <a:rPr lang="ru-RU" dirty="0" smtClean="0"/>
+              <a:rPr lang="ru-RU" dirty="0" smtClean="0">
+                <a:latin typeface="Times New Roman" pitchFamily="18" charset="0"/>
+                <a:cs typeface="Times New Roman" pitchFamily="18" charset="0"/>
+              </a:rPr>
               <a:t>Реализовать методы программно</a:t>
             </a:r>
           </a:p>
           <a:p>
             <a:r>
-              <a:rPr lang="ru-RU" dirty="0" smtClean="0"/>
+              <a:rPr lang="ru-RU" dirty="0" smtClean="0">
+                <a:latin typeface="Times New Roman" pitchFamily="18" charset="0"/>
+                <a:cs typeface="Times New Roman" pitchFamily="18" charset="0"/>
+              </a:rPr>
               <a:t>Реализовать в полученном приложении пользовательский интерфейс</a:t>
             </a:r>
           </a:p>
           <a:p>
             <a:r>
-              <a:rPr lang="ru-RU" dirty="0" smtClean="0"/>
-              <a:t>Реализовать автоматизированный сбор </a:t>
-            </a:r>
-            <a:r>
-              <a:rPr lang="ru-RU" dirty="0" smtClean="0"/>
-              <a:t>данных</a:t>
-            </a:r>
-            <a:endParaRPr lang="en-US" dirty="0" smtClean="0"/>
+              <a:rPr lang="ru-RU" dirty="0" smtClean="0">
+                <a:latin typeface="Times New Roman" pitchFamily="18" charset="0"/>
+                <a:cs typeface="Times New Roman" pitchFamily="18" charset="0"/>
+              </a:rPr>
+              <a:t>Реализовать автоматизированный сбор данных</a:t>
+            </a:r>
+            <a:endParaRPr lang="en-US" dirty="0" smtClean="0">
+              <a:latin typeface="Times New Roman" pitchFamily="18" charset="0"/>
+              <a:cs typeface="Times New Roman" pitchFamily="18" charset="0"/>
+            </a:endParaRPr>
           </a:p>
           <a:p>
             <a:pPr marL="0" indent="0" algn="ctr">
               <a:buNone/>
             </a:pPr>
-            <a:endParaRPr lang="en-US" sz="1800" dirty="0" smtClean="0"/>
+            <a:endParaRPr lang="en-US" sz="1800" dirty="0" smtClean="0">
+              <a:latin typeface="Times New Roman" pitchFamily="18" charset="0"/>
+              <a:cs typeface="Times New Roman" pitchFamily="18" charset="0"/>
+            </a:endParaRPr>
           </a:p>
           <a:p>
             <a:pPr marL="0" indent="0" algn="ctr">
               <a:buNone/>
             </a:pPr>
-            <a:endParaRPr lang="en-US" sz="1800" dirty="0"/>
+            <a:endParaRPr lang="en-US" sz="1800" dirty="0">
+              <a:latin typeface="Times New Roman" pitchFamily="18" charset="0"/>
+              <a:cs typeface="Times New Roman" pitchFamily="18" charset="0"/>
+            </a:endParaRPr>
           </a:p>
           <a:p>
             <a:pPr marL="0" indent="0" algn="ctr">
               <a:buNone/>
             </a:pPr>
-            <a:endParaRPr lang="ru-RU" sz="1800" dirty="0"/>
+            <a:endParaRPr lang="ru-RU" sz="1800" dirty="0">
+              <a:latin typeface="Times New Roman" pitchFamily="18" charset="0"/>
+              <a:cs typeface="Times New Roman" pitchFamily="18" charset="0"/>
+            </a:endParaRPr>
           </a:p>
         </p:txBody>
       </p:sp>
@@ -4988,10 +5284,16 @@
           <a:lstStyle/>
           <a:p>
             <a:r>
-              <a:rPr lang="ru-RU" dirty="0" smtClean="0"/>
+              <a:rPr lang="ru-RU" dirty="0" smtClean="0">
+                <a:latin typeface="Times New Roman" pitchFamily="18" charset="0"/>
+                <a:cs typeface="Times New Roman" pitchFamily="18" charset="0"/>
+              </a:rPr>
               <a:t>Общая информация</a:t>
             </a:r>
-            <a:endParaRPr lang="ru-RU" dirty="0"/>
+            <a:endParaRPr lang="ru-RU" dirty="0">
+              <a:latin typeface="Times New Roman" pitchFamily="18" charset="0"/>
+              <a:cs typeface="Times New Roman" pitchFamily="18" charset="0"/>
+            </a:endParaRPr>
           </a:p>
         </p:txBody>
       </p:sp>
@@ -5021,16 +5323,18 @@
               <a:buNone/>
             </a:pPr>
             <a:r>
-              <a:rPr lang="ru-RU" dirty="0" smtClean="0"/>
+              <a:rPr lang="ru-RU" dirty="0" smtClean="0">
+                <a:latin typeface="Times New Roman" pitchFamily="18" charset="0"/>
+                <a:cs typeface="Times New Roman" pitchFamily="18" charset="0"/>
+              </a:rPr>
               <a:t>	</a:t>
             </a:r>
             <a:r>
-              <a:rPr lang="ru-RU" sz="3400" dirty="0" smtClean="0"/>
-              <a:t>На текущий момент большая доля рынка представлена акциями, цены на которые меняются часто</a:t>
-            </a:r>
-            <a:r>
-              <a:rPr lang="ru-RU" sz="3400" dirty="0" smtClean="0"/>
-              <a:t>.</a:t>
+              <a:rPr lang="ru-RU" sz="3400" dirty="0" smtClean="0">
+                <a:latin typeface="Times New Roman" pitchFamily="18" charset="0"/>
+                <a:cs typeface="Times New Roman" pitchFamily="18" charset="0"/>
+              </a:rPr>
+              <a:t>На текущий момент большая доля рынка представлена акциями, цены на которые меняются часто.</a:t>
             </a:r>
           </a:p>
           <a:p>
@@ -5038,19 +5342,31 @@
               <a:buNone/>
             </a:pPr>
             <a:r>
-              <a:rPr lang="ru-RU" sz="3400" dirty="0"/>
+              <a:rPr lang="ru-RU" sz="3400" dirty="0">
+                <a:latin typeface="Times New Roman" pitchFamily="18" charset="0"/>
+                <a:cs typeface="Times New Roman" pitchFamily="18" charset="0"/>
+              </a:rPr>
               <a:t>	</a:t>
             </a:r>
             <a:r>
-              <a:rPr lang="ru-RU" sz="3400" dirty="0" smtClean="0"/>
+              <a:rPr lang="ru-RU" sz="3400" dirty="0" smtClean="0">
+                <a:latin typeface="Times New Roman" pitchFamily="18" charset="0"/>
+                <a:cs typeface="Times New Roman" pitchFamily="18" charset="0"/>
+              </a:rPr>
               <a:t>Предсказывая цены на акции возможно получать доход с покупки</a:t>
             </a:r>
             <a:r>
-              <a:rPr lang="en-US" sz="3400" dirty="0" smtClean="0"/>
+              <a:rPr lang="en-US" sz="3400" dirty="0" smtClean="0">
+                <a:latin typeface="Times New Roman" pitchFamily="18" charset="0"/>
+                <a:cs typeface="Times New Roman" pitchFamily="18" charset="0"/>
+              </a:rPr>
               <a:t>/</a:t>
             </a:r>
             <a:r>
-              <a:rPr lang="ru-RU" sz="3400" dirty="0" smtClean="0"/>
+              <a:rPr lang="ru-RU" sz="3400" dirty="0" smtClean="0">
+                <a:latin typeface="Times New Roman" pitchFamily="18" charset="0"/>
+                <a:cs typeface="Times New Roman" pitchFamily="18" charset="0"/>
+              </a:rPr>
               <a:t>продажи акций. </a:t>
             </a:r>
           </a:p>
@@ -5059,64 +5375,81 @@
               <a:buNone/>
             </a:pPr>
             <a:r>
-              <a:rPr lang="ru-RU" sz="3400" dirty="0"/>
+              <a:rPr lang="ru-RU" sz="3400" dirty="0">
+                <a:latin typeface="Times New Roman" pitchFamily="18" charset="0"/>
+                <a:cs typeface="Times New Roman" pitchFamily="18" charset="0"/>
+              </a:rPr>
               <a:t>	</a:t>
             </a:r>
             <a:r>
-              <a:rPr lang="ru-RU" sz="3400" dirty="0" smtClean="0"/>
+              <a:rPr lang="ru-RU" sz="3400" dirty="0" smtClean="0">
+                <a:latin typeface="Times New Roman" pitchFamily="18" charset="0"/>
+                <a:cs typeface="Times New Roman" pitchFamily="18" charset="0"/>
+              </a:rPr>
               <a:t>На данный момент существуют решения, которые позволяют предсказывать будущие значения. Среди них встроенный сервис на сайте </a:t>
             </a:r>
             <a:r>
-              <a:rPr lang="en-US" sz="3400" dirty="0" smtClean="0"/>
+              <a:rPr lang="en-US" sz="3400" dirty="0" smtClean="0">
+                <a:latin typeface="Times New Roman" pitchFamily="18" charset="0"/>
+                <a:cs typeface="Times New Roman" pitchFamily="18" charset="0"/>
+              </a:rPr>
               <a:t>Investing.com</a:t>
             </a:r>
             <a:r>
-              <a:rPr lang="ru-RU" sz="3400" dirty="0" smtClean="0"/>
+              <a:rPr lang="ru-RU" sz="3400" dirty="0" smtClean="0">
+                <a:latin typeface="Times New Roman" pitchFamily="18" charset="0"/>
+                <a:cs typeface="Times New Roman" pitchFamily="18" charset="0"/>
+              </a:rPr>
               <a:t>, который не имеет явной реализации, а ввиду этого должен быть проверен. Подобная реализация существует на сайте </a:t>
             </a:r>
             <a:r>
-              <a:rPr lang="en-US" sz="3400" dirty="0" smtClean="0"/>
+              <a:rPr lang="en-US" sz="3400" dirty="0" smtClean="0">
+                <a:latin typeface="Times New Roman" pitchFamily="18" charset="0"/>
+                <a:cs typeface="Times New Roman" pitchFamily="18" charset="0"/>
+              </a:rPr>
               <a:t>dohod.ru</a:t>
             </a:r>
             <a:r>
-              <a:rPr lang="ru-RU" sz="3400" dirty="0" smtClean="0"/>
+              <a:rPr lang="ru-RU" sz="3400" dirty="0" smtClean="0">
+                <a:latin typeface="Times New Roman" pitchFamily="18" charset="0"/>
+                <a:cs typeface="Times New Roman" pitchFamily="18" charset="0"/>
+              </a:rPr>
               <a:t>, но интерфейс не дружелюбен для пользователя, а открытость реализации оставляет желать лучшего.</a:t>
             </a:r>
-            <a:endParaRPr lang="ru-RU" sz="3400" dirty="0" smtClean="0"/>
           </a:p>
           <a:p>
             <a:pPr marL="0" indent="0" algn="just">
               <a:buNone/>
             </a:pPr>
             <a:r>
-              <a:rPr lang="ru-RU" sz="3400" dirty="0" smtClean="0"/>
-              <a:t>	</a:t>
-            </a:r>
-            <a:r>
-              <a:rPr lang="ru-RU" sz="3400" dirty="0" smtClean="0"/>
-              <a:t>Ввиду этих обстоятельств </a:t>
-            </a:r>
-            <a:r>
-              <a:rPr lang="ru-RU" sz="3400" dirty="0" smtClean="0"/>
-              <a:t>были использованы методы анализа и прогнозирования временных рядов и процесс был автоматизирован</a:t>
-            </a:r>
-            <a:r>
-              <a:rPr lang="ru-RU" sz="3400" dirty="0" smtClean="0"/>
-              <a:t>.</a:t>
-            </a:r>
-            <a:endParaRPr lang="en-US" sz="1800" dirty="0"/>
+              <a:rPr lang="ru-RU" sz="3400" dirty="0" smtClean="0">
+                <a:latin typeface="Times New Roman" pitchFamily="18" charset="0"/>
+                <a:cs typeface="Times New Roman" pitchFamily="18" charset="0"/>
+              </a:rPr>
+              <a:t>	Ввиду этих обстоятельств были использованы методы анализа и прогнозирования временных рядов и процесс был автоматизирован.</a:t>
+            </a:r>
+            <a:endParaRPr lang="en-US" sz="1800" dirty="0">
+              <a:latin typeface="Times New Roman" pitchFamily="18" charset="0"/>
+              <a:cs typeface="Times New Roman" pitchFamily="18" charset="0"/>
+            </a:endParaRPr>
           </a:p>
           <a:p>
             <a:pPr marL="0" indent="0" algn="ctr">
               <a:buNone/>
             </a:pPr>
-            <a:endParaRPr lang="en-US" sz="1800" dirty="0"/>
+            <a:endParaRPr lang="en-US" sz="1800" dirty="0">
+              <a:latin typeface="Times New Roman" pitchFamily="18" charset="0"/>
+              <a:cs typeface="Times New Roman" pitchFamily="18" charset="0"/>
+            </a:endParaRPr>
           </a:p>
           <a:p>
             <a:pPr marL="0" indent="0" algn="ctr">
               <a:buNone/>
             </a:pPr>
-            <a:endParaRPr lang="ru-RU" sz="3400" dirty="0"/>
+            <a:endParaRPr lang="ru-RU" sz="3400" dirty="0">
+              <a:latin typeface="Times New Roman" pitchFamily="18" charset="0"/>
+              <a:cs typeface="Times New Roman" pitchFamily="18" charset="0"/>
+            </a:endParaRPr>
           </a:p>
         </p:txBody>
       </p:sp>
@@ -5189,10 +5522,27 @@
           <a:lstStyle/>
           <a:p>
             <a:r>
+              <a:rPr lang="ru-RU" dirty="0" smtClean="0">
+                <a:latin typeface="Times New Roman" pitchFamily="18" charset="0"/>
+                <a:cs typeface="Times New Roman" pitchFamily="18" charset="0"/>
+              </a:rPr>
+              <a:t>Аналитическое</a:t>
+            </a:r>
+            <a:r>
               <a:rPr lang="ru-RU" dirty="0" smtClean="0"/>
-              <a:t>Аналитическое приложение</a:t>
-            </a:r>
-            <a:endParaRPr lang="ru-RU" dirty="0"/>
+              <a:t> </a:t>
+            </a:r>
+            <a:r>
+              <a:rPr lang="ru-RU" dirty="0" smtClean="0">
+                <a:latin typeface="Times New Roman" pitchFamily="18" charset="0"/>
+                <a:cs typeface="Times New Roman" pitchFamily="18" charset="0"/>
+              </a:rPr>
+              <a:t>приложение</a:t>
+            </a:r>
+            <a:endParaRPr lang="ru-RU" dirty="0">
+              <a:latin typeface="Times New Roman" pitchFamily="18" charset="0"/>
+              <a:cs typeface="Times New Roman" pitchFamily="18" charset="0"/>
+            </a:endParaRPr>
           </a:p>
         </p:txBody>
       </p:sp>
@@ -5222,7 +5572,10 @@
               <a:buNone/>
             </a:pPr>
             <a:r>
-              <a:rPr lang="ru-RU" dirty="0" smtClean="0"/>
+              <a:rPr lang="ru-RU" dirty="0" smtClean="0">
+                <a:latin typeface="Times New Roman" pitchFamily="18" charset="0"/>
+                <a:cs typeface="Times New Roman" pitchFamily="18" charset="0"/>
+              </a:rPr>
               <a:t>	Было построено приложение, способное в автономном режиме собирать данные о состоянии торговой площадки и текущей цены на акцию.</a:t>
             </a:r>
           </a:p>
@@ -5231,7 +5584,10 @@
               <a:buNone/>
             </a:pPr>
             <a:r>
-              <a:rPr lang="ru-RU" dirty="0" smtClean="0"/>
+              <a:rPr lang="ru-RU" dirty="0" smtClean="0">
+                <a:latin typeface="Times New Roman" pitchFamily="18" charset="0"/>
+                <a:cs typeface="Times New Roman" pitchFamily="18" charset="0"/>
+              </a:rPr>
               <a:t>	После сбора данные возможно выполнить анализ и прогноз будущих значений.</a:t>
             </a:r>
           </a:p>
@@ -5240,30 +5596,34 @@
               <a:buNone/>
             </a:pPr>
             <a:r>
-              <a:rPr lang="ru-RU" dirty="0" smtClean="0"/>
-              <a:t>	Результаты </a:t>
-            </a:r>
-            <a:r>
-              <a:rPr lang="ru-RU" dirty="0" smtClean="0"/>
-              <a:t>анализа и прогноза отображаются в приложении на графике</a:t>
-            </a:r>
-            <a:r>
-              <a:rPr lang="ru-RU" dirty="0" smtClean="0"/>
-              <a:t>.</a:t>
-            </a:r>
-            <a:endParaRPr lang="en-US" dirty="0" smtClean="0"/>
+              <a:rPr lang="ru-RU" dirty="0" smtClean="0">
+                <a:latin typeface="Times New Roman" pitchFamily="18" charset="0"/>
+                <a:cs typeface="Times New Roman" pitchFamily="18" charset="0"/>
+              </a:rPr>
+              <a:t>	Результаты анализа и прогноза отображаются в приложении на графике.</a:t>
+            </a:r>
+            <a:endParaRPr lang="en-US" dirty="0" smtClean="0">
+              <a:latin typeface="Times New Roman" pitchFamily="18" charset="0"/>
+              <a:cs typeface="Times New Roman" pitchFamily="18" charset="0"/>
+            </a:endParaRPr>
           </a:p>
           <a:p>
             <a:pPr marL="0" indent="0" algn="just">
               <a:buNone/>
             </a:pPr>
-            <a:endParaRPr lang="en-US" dirty="0"/>
+            <a:endParaRPr lang="en-US" dirty="0">
+              <a:latin typeface="Times New Roman" pitchFamily="18" charset="0"/>
+              <a:cs typeface="Times New Roman" pitchFamily="18" charset="0"/>
+            </a:endParaRPr>
           </a:p>
           <a:p>
             <a:pPr marL="0" indent="0" algn="ctr">
               <a:buNone/>
             </a:pPr>
-            <a:endParaRPr lang="ru-RU" sz="2800" dirty="0" smtClean="0"/>
+            <a:endParaRPr lang="ru-RU" sz="2800" dirty="0" smtClean="0">
+              <a:latin typeface="Times New Roman" pitchFamily="18" charset="0"/>
+              <a:cs typeface="Times New Roman" pitchFamily="18" charset="0"/>
+            </a:endParaRPr>
           </a:p>
         </p:txBody>
       </p:sp>
@@ -5336,10 +5696,16 @@
           <a:lstStyle/>
           <a:p>
             <a:r>
-              <a:rPr lang="ru-RU" dirty="0" smtClean="0"/>
+              <a:rPr lang="ru-RU" dirty="0" smtClean="0">
+                <a:latin typeface="Times New Roman" pitchFamily="18" charset="0"/>
+                <a:cs typeface="Times New Roman" pitchFamily="18" charset="0"/>
+              </a:rPr>
               <a:t>Структура приложения</a:t>
             </a:r>
-            <a:endParaRPr lang="ru-RU" dirty="0"/>
+            <a:endParaRPr lang="ru-RU" dirty="0">
+              <a:latin typeface="Times New Roman" pitchFamily="18" charset="0"/>
+              <a:cs typeface="Times New Roman" pitchFamily="18" charset="0"/>
+            </a:endParaRPr>
           </a:p>
         </p:txBody>
       </p:sp>
@@ -5369,15 +5735,24 @@
               <a:buNone/>
             </a:pPr>
             <a:r>
-              <a:rPr lang="ru-RU" dirty="0" smtClean="0"/>
+              <a:rPr lang="ru-RU" dirty="0" smtClean="0">
+                <a:latin typeface="Times New Roman" pitchFamily="18" charset="0"/>
+                <a:cs typeface="Times New Roman" pitchFamily="18" charset="0"/>
+              </a:rPr>
               <a:t>	Приложение реализовано с использованием технологии </a:t>
             </a:r>
             <a:r>
-              <a:rPr lang="en-US" dirty="0" err="1" smtClean="0"/>
+              <a:rPr lang="en-US" dirty="0" err="1" smtClean="0">
+                <a:latin typeface="Times New Roman" pitchFamily="18" charset="0"/>
+                <a:cs typeface="Times New Roman" pitchFamily="18" charset="0"/>
+              </a:rPr>
               <a:t>WinForms</a:t>
             </a:r>
             <a:r>
-              <a:rPr lang="ru-RU" dirty="0" smtClean="0"/>
+              <a:rPr lang="ru-RU" dirty="0" smtClean="0">
+                <a:latin typeface="Times New Roman" pitchFamily="18" charset="0"/>
+                <a:cs typeface="Times New Roman" pitchFamily="18" charset="0"/>
+              </a:rPr>
               <a:t>. </a:t>
             </a:r>
           </a:p>
@@ -5386,7 +5761,10 @@
               <a:buNone/>
             </a:pPr>
             <a:r>
-              <a:rPr lang="ru-RU" dirty="0" smtClean="0"/>
+              <a:rPr lang="ru-RU" dirty="0" smtClean="0">
+                <a:latin typeface="Times New Roman" pitchFamily="18" charset="0"/>
+                <a:cs typeface="Times New Roman" pitchFamily="18" charset="0"/>
+              </a:rPr>
               <a:t>	Внутренние сущности описаны и организованы в соответствии с принципами модульной разработки и ООП.</a:t>
             </a:r>
           </a:p>
@@ -5395,26 +5773,34 @@
               <a:buNone/>
             </a:pPr>
             <a:r>
-              <a:rPr lang="ru-RU" dirty="0" smtClean="0"/>
-              <a:t>	Для написания основной нагрузки приложения – анализа был взят за основу паттерн проектирования «фабричный метод</a:t>
-            </a:r>
-            <a:r>
-              <a:rPr lang="ru-RU" dirty="0" smtClean="0"/>
-              <a:t>».</a:t>
-            </a:r>
-            <a:endParaRPr lang="en-US" dirty="0" smtClean="0"/>
+              <a:rPr lang="ru-RU" dirty="0" smtClean="0">
+                <a:latin typeface="Times New Roman" pitchFamily="18" charset="0"/>
+                <a:cs typeface="Times New Roman" pitchFamily="18" charset="0"/>
+              </a:rPr>
+              <a:t>	Для написания основной нагрузки приложения – анализа был взят за основу паттерн проектирования «фабричный метод».</a:t>
+            </a:r>
+            <a:endParaRPr lang="en-US" dirty="0" smtClean="0">
+              <a:latin typeface="Times New Roman" pitchFamily="18" charset="0"/>
+              <a:cs typeface="Times New Roman" pitchFamily="18" charset="0"/>
+            </a:endParaRPr>
           </a:p>
           <a:p>
             <a:pPr marL="0" indent="0" algn="just">
               <a:buNone/>
             </a:pPr>
-            <a:endParaRPr lang="en-US" dirty="0"/>
+            <a:endParaRPr lang="en-US" dirty="0">
+              <a:latin typeface="Times New Roman" pitchFamily="18" charset="0"/>
+              <a:cs typeface="Times New Roman" pitchFamily="18" charset="0"/>
+            </a:endParaRPr>
           </a:p>
           <a:p>
             <a:pPr marL="0" indent="0" algn="ctr">
               <a:buNone/>
             </a:pPr>
-            <a:endParaRPr lang="ru-RU" sz="1800" dirty="0"/>
+            <a:endParaRPr lang="ru-RU" sz="1800" dirty="0">
+              <a:latin typeface="Times New Roman" pitchFamily="18" charset="0"/>
+              <a:cs typeface="Times New Roman" pitchFamily="18" charset="0"/>
+            </a:endParaRPr>
           </a:p>
         </p:txBody>
       </p:sp>
@@ -5487,10 +5873,16 @@
           <a:lstStyle/>
           <a:p>
             <a:r>
-              <a:rPr lang="ru-RU" dirty="0" smtClean="0"/>
+              <a:rPr lang="ru-RU" dirty="0" smtClean="0">
+                <a:latin typeface="Times New Roman" pitchFamily="18" charset="0"/>
+                <a:cs typeface="Times New Roman" pitchFamily="18" charset="0"/>
+              </a:rPr>
               <a:t>Блок-схема работы приложения</a:t>
             </a:r>
-            <a:endParaRPr lang="ru-RU" dirty="0"/>
+            <a:endParaRPr lang="ru-RU" dirty="0">
+              <a:latin typeface="Times New Roman" pitchFamily="18" charset="0"/>
+              <a:cs typeface="Times New Roman" pitchFamily="18" charset="0"/>
+            </a:endParaRPr>
           </a:p>
         </p:txBody>
       </p:sp>
@@ -5592,10 +5984,16 @@
           <a:lstStyle/>
           <a:p>
             <a:r>
-              <a:rPr lang="ru-RU" dirty="0" smtClean="0"/>
+              <a:rPr lang="ru-RU" dirty="0" smtClean="0">
+                <a:latin typeface="Times New Roman" pitchFamily="18" charset="0"/>
+                <a:cs typeface="Times New Roman" pitchFamily="18" charset="0"/>
+              </a:rPr>
               <a:t>Анализ и прогнозирование</a:t>
             </a:r>
-            <a:endParaRPr lang="ru-RU" dirty="0"/>
+            <a:endParaRPr lang="ru-RU" dirty="0">
+              <a:latin typeface="Times New Roman" pitchFamily="18" charset="0"/>
+              <a:cs typeface="Times New Roman" pitchFamily="18" charset="0"/>
+            </a:endParaRPr>
           </a:p>
         </p:txBody>
       </p:sp>
@@ -5622,18 +6020,20 @@
                   <a:buNone/>
                 </a:pPr>
                 <a:r>
-                  <a:rPr lang="ru-RU" dirty="0" smtClean="0"/>
+                  <a:rPr lang="ru-RU" dirty="0" smtClean="0">
+                    <a:latin typeface="Times New Roman" pitchFamily="18" charset="0"/>
+                    <a:cs typeface="Times New Roman" pitchFamily="18" charset="0"/>
+                  </a:rPr>
                   <a:t>	Для анализа данных используются три метода статистической обработки данных:</a:t>
                 </a:r>
               </a:p>
               <a:p>
                 <a:r>
-                  <a:rPr lang="ru-RU" dirty="0" smtClean="0"/>
-                  <a:t>Простое скользящее </a:t>
-                </a:r>
-                <a:r>
-                  <a:rPr lang="ru-RU" dirty="0" smtClean="0"/>
-                  <a:t>среднее, для которого используется формула: </a:t>
+                  <a:rPr lang="ru-RU" dirty="0" smtClean="0">
+                    <a:latin typeface="Times New Roman" pitchFamily="18" charset="0"/>
+                    <a:cs typeface="Times New Roman" pitchFamily="18" charset="0"/>
+                  </a:rPr>
+                  <a:t>Простое скользящее среднее, для которого используется формула: </a:t>
                 </a:r>
               </a:p>
               <a:p>
@@ -5797,20 +6197,25 @@
                     </m:oMath>
                   </m:oMathPara>
                 </a14:m>
-                <a:endParaRPr lang="ru-RU" dirty="0" smtClean="0"/>
+                <a:endParaRPr lang="ru-RU" dirty="0" smtClean="0">
+                  <a:latin typeface="Times New Roman" pitchFamily="18" charset="0"/>
+                  <a:cs typeface="Times New Roman" pitchFamily="18" charset="0"/>
+                </a:endParaRPr>
               </a:p>
               <a:p>
                 <a:r>
-                  <a:rPr lang="ru-RU" dirty="0" err="1" smtClean="0"/>
+                  <a:rPr lang="ru-RU" dirty="0" err="1" smtClean="0">
+                    <a:latin typeface="Times New Roman" pitchFamily="18" charset="0"/>
+                    <a:cs typeface="Times New Roman" pitchFamily="18" charset="0"/>
+                  </a:rPr>
                   <a:t>Авторегрессионное</a:t>
                 </a:r>
                 <a:r>
-                  <a:rPr lang="ru-RU" dirty="0" smtClean="0"/>
-                  <a:t> скользящее </a:t>
-                </a:r>
-                <a:r>
-                  <a:rPr lang="ru-RU" dirty="0" smtClean="0"/>
-                  <a:t>среднее, вычисляемое по формуле:</a:t>
+                  <a:rPr lang="ru-RU" dirty="0" smtClean="0">
+                    <a:latin typeface="Times New Roman" pitchFamily="18" charset="0"/>
+                    <a:cs typeface="Times New Roman" pitchFamily="18" charset="0"/>
+                  </a:rPr>
+                  <a:t> скользящее среднее, вычисляемое по формуле:</a:t>
                 </a:r>
               </a:p>
               <a:p>
@@ -6097,22 +6502,27 @@
                     </m:oMath>
                   </m:oMathPara>
                 </a14:m>
-                <a:endParaRPr lang="en-US" dirty="0"/>
+                <a:endParaRPr lang="en-US" dirty="0">
+                  <a:latin typeface="Times New Roman" pitchFamily="18" charset="0"/>
+                  <a:cs typeface="Times New Roman" pitchFamily="18" charset="0"/>
+                </a:endParaRPr>
               </a:p>
               <a:p>
                 <a:pPr marL="0" indent="0">
                   <a:buNone/>
                 </a:pPr>
-                <a:endParaRPr lang="ru-RU" dirty="0" smtClean="0"/>
+                <a:endParaRPr lang="ru-RU" dirty="0" smtClean="0">
+                  <a:latin typeface="Times New Roman" pitchFamily="18" charset="0"/>
+                  <a:cs typeface="Times New Roman" pitchFamily="18" charset="0"/>
+                </a:endParaRPr>
               </a:p>
               <a:p>
                 <a:r>
-                  <a:rPr lang="ru-RU" dirty="0" smtClean="0"/>
-                  <a:t>Метод </a:t>
-                </a:r>
-                <a:r>
-                  <a:rPr lang="ru-RU" dirty="0" smtClean="0"/>
-                  <a:t>Гусеницы, реализуемый посредством алгоритма, состоящего из четырёх основных шагов:</a:t>
+                  <a:rPr lang="ru-RU" dirty="0" smtClean="0">
+                    <a:latin typeface="Times New Roman" pitchFamily="18" charset="0"/>
+                    <a:cs typeface="Times New Roman" pitchFamily="18" charset="0"/>
+                  </a:rPr>
+                  <a:t>Метод Гусеницы, реализуемый посредством алгоритма, состоящего из четырёх основных шагов:</a:t>
                 </a:r>
               </a:p>
               <a:p>
@@ -6121,7 +6531,10 @@
                   <a:buAutoNum type="arabicPeriod"/>
                 </a:pPr>
                 <a:r>
-                  <a:rPr lang="ru-RU" i="1" dirty="0"/>
+                  <a:rPr lang="ru-RU" i="1" dirty="0">
+                    <a:latin typeface="Times New Roman" pitchFamily="18" charset="0"/>
+                    <a:cs typeface="Times New Roman" pitchFamily="18" charset="0"/>
+                  </a:rPr>
                   <a:t>Развёртка одномерного ряда в многомерный (запись его в матрицу)</a:t>
                 </a:r>
               </a:p>
@@ -6131,7 +6544,10 @@
                   <a:buAutoNum type="arabicPeriod"/>
                 </a:pPr>
                 <a:r>
-                  <a:rPr lang="ru-RU" i="1" dirty="0"/>
+                  <a:rPr lang="ru-RU" i="1" dirty="0">
+                    <a:latin typeface="Times New Roman" pitchFamily="18" charset="0"/>
+                    <a:cs typeface="Times New Roman" pitchFamily="18" charset="0"/>
+                  </a:rPr>
                   <a:t>Анализ главных компонент</a:t>
                 </a:r>
               </a:p>
@@ -6141,7 +6557,10 @@
                   <a:buAutoNum type="arabicPeriod"/>
                 </a:pPr>
                 <a:r>
-                  <a:rPr lang="ru-RU" i="1" dirty="0" smtClean="0"/>
+                  <a:rPr lang="ru-RU" i="1" dirty="0" smtClean="0">
+                    <a:latin typeface="Times New Roman" pitchFamily="18" charset="0"/>
+                    <a:cs typeface="Times New Roman" pitchFamily="18" charset="0"/>
+                  </a:rPr>
                   <a:t>Отбор главных компонент</a:t>
                 </a:r>
               </a:p>
@@ -6151,43 +6570,63 @@
                   <a:buAutoNum type="arabicPeriod"/>
                 </a:pPr>
                 <a:r>
-                  <a:rPr lang="ru-RU" i="1" dirty="0"/>
+                  <a:rPr lang="ru-RU" i="1" dirty="0">
+                    <a:latin typeface="Times New Roman" pitchFamily="18" charset="0"/>
+                    <a:cs typeface="Times New Roman" pitchFamily="18" charset="0"/>
+                  </a:rPr>
                   <a:t>Восстановление </a:t>
                 </a:r>
                 <a:r>
-                  <a:rPr lang="ru-RU" i="1" dirty="0" smtClean="0"/>
+                  <a:rPr lang="ru-RU" i="1" dirty="0" smtClean="0">
+                    <a:latin typeface="Times New Roman" pitchFamily="18" charset="0"/>
+                    <a:cs typeface="Times New Roman" pitchFamily="18" charset="0"/>
+                  </a:rPr>
                   <a:t>ряда</a:t>
                 </a:r>
-                <a:endParaRPr lang="ru-RU" i="1" dirty="0"/>
+                <a:endParaRPr lang="ru-RU" i="1" dirty="0">
+                  <a:latin typeface="Times New Roman" pitchFamily="18" charset="0"/>
+                  <a:cs typeface="Times New Roman" pitchFamily="18" charset="0"/>
+                </a:endParaRPr>
               </a:p>
               <a:p>
                 <a:pPr marL="514350" indent="-514350">
                   <a:buFont typeface="+mj-lt"/>
                   <a:buAutoNum type="arabicPeriod"/>
                 </a:pPr>
-                <a:endParaRPr lang="ru-RU" dirty="0" smtClean="0"/>
+                <a:endParaRPr lang="ru-RU" dirty="0" smtClean="0">
+                  <a:latin typeface="Times New Roman" pitchFamily="18" charset="0"/>
+                  <a:cs typeface="Times New Roman" pitchFamily="18" charset="0"/>
+                </a:endParaRPr>
               </a:p>
               <a:p>
                 <a:pPr marL="0" indent="0" algn="just">
                   <a:buNone/>
                 </a:pPr>
                 <a:r>
-                  <a:rPr lang="ru-RU" dirty="0" smtClean="0"/>
+                  <a:rPr lang="ru-RU" dirty="0" smtClean="0">
+                    <a:latin typeface="Times New Roman" pitchFamily="18" charset="0"/>
+                    <a:cs typeface="Times New Roman" pitchFamily="18" charset="0"/>
+                  </a:rPr>
                   <a:t>	Для </a:t>
                 </a:r>
                 <a:r>
-                  <a:rPr lang="ru-RU" u="sng" dirty="0" smtClean="0"/>
+                  <a:rPr lang="ru-RU" u="sng" dirty="0" smtClean="0">
+                    <a:latin typeface="Times New Roman" pitchFamily="18" charset="0"/>
+                    <a:cs typeface="Times New Roman" pitchFamily="18" charset="0"/>
+                  </a:rPr>
                   <a:t>прогноза</a:t>
                 </a:r>
                 <a:r>
-                  <a:rPr lang="ru-RU" dirty="0" smtClean="0"/>
-                  <a:t> в работе </a:t>
+                  <a:rPr lang="ru-RU" dirty="0" smtClean="0">
+                    <a:latin typeface="Times New Roman" pitchFamily="18" charset="0"/>
+                    <a:cs typeface="Times New Roman" pitchFamily="18" charset="0"/>
+                  </a:rPr>
+                  <a:t> в работе используется простое скользящее среднее в виду удобства реализации.</a:t>
                 </a:r>
-                <a:r>
-                  <a:rPr lang="ru-RU" dirty="0" smtClean="0"/>
-                  <a:t>используется простое скользящее среднее в виду удобства реализации.</a:t>
-                </a:r>
-                <a:endParaRPr lang="ru-RU" dirty="0"/>
+                <a:endParaRPr lang="ru-RU" dirty="0">
+                  <a:latin typeface="Times New Roman" pitchFamily="18" charset="0"/>
+                  <a:cs typeface="Times New Roman" pitchFamily="18" charset="0"/>
+                </a:endParaRPr>
               </a:p>
             </p:txBody>
           </p:sp>
@@ -6207,7 +6646,7 @@
               <a:blipFill rotWithShape="1">
                 <a:blip r:embed="rId2"/>
                 <a:stretch>
-                  <a:fillRect l="-296" t="-1078" r="-296"/>
+                  <a:fillRect l="-222" t="-1213" r="-296"/>
                 </a:stretch>
               </a:blipFill>
             </p:spPr>
